--- a/doc/pandas.pptx
+++ b/doc/pandas.pptx
@@ -9,19 +9,33 @@
     <p:sldId id="256" r:id="rId3"/>
     <p:sldId id="257" r:id="rId4"/>
     <p:sldId id="258" r:id="rId5"/>
-    <p:sldId id="259" r:id="rId6"/>
-    <p:sldId id="262" r:id="rId7"/>
-    <p:sldId id="261" r:id="rId8"/>
-    <p:sldId id="263" r:id="rId9"/>
-    <p:sldId id="264" r:id="rId10"/>
-    <p:sldId id="265" r:id="rId11"/>
-    <p:sldId id="267" r:id="rId12"/>
-    <p:sldId id="268" r:id="rId13"/>
-    <p:sldId id="271" r:id="rId14"/>
-    <p:sldId id="269" r:id="rId15"/>
-    <p:sldId id="272" r:id="rId16"/>
-    <p:sldId id="274" r:id="rId17"/>
-    <p:sldId id="273" r:id="rId18"/>
+    <p:sldId id="276" r:id="rId6"/>
+    <p:sldId id="275" r:id="rId7"/>
+    <p:sldId id="277" r:id="rId8"/>
+    <p:sldId id="278" r:id="rId9"/>
+    <p:sldId id="279" r:id="rId10"/>
+    <p:sldId id="280" r:id="rId11"/>
+    <p:sldId id="281" r:id="rId12"/>
+    <p:sldId id="282" r:id="rId13"/>
+    <p:sldId id="283" r:id="rId14"/>
+    <p:sldId id="284" r:id="rId15"/>
+    <p:sldId id="286" r:id="rId16"/>
+    <p:sldId id="287" r:id="rId17"/>
+    <p:sldId id="288" r:id="rId18"/>
+    <p:sldId id="289" r:id="rId19"/>
+    <p:sldId id="259" r:id="rId20"/>
+    <p:sldId id="262" r:id="rId21"/>
+    <p:sldId id="261" r:id="rId22"/>
+    <p:sldId id="263" r:id="rId23"/>
+    <p:sldId id="264" r:id="rId24"/>
+    <p:sldId id="265" r:id="rId25"/>
+    <p:sldId id="267" r:id="rId26"/>
+    <p:sldId id="268" r:id="rId27"/>
+    <p:sldId id="271" r:id="rId28"/>
+    <p:sldId id="269" r:id="rId29"/>
+    <p:sldId id="272" r:id="rId30"/>
+    <p:sldId id="274" r:id="rId31"/>
+    <p:sldId id="273" r:id="rId32"/>
   </p:sldIdLst>
   <p:sldSz cx="12192000" cy="6858000"/>
   <p:notesSz cx="6858000" cy="9144000"/>
@@ -128,6 +142,20 @@
             <p14:sldId id="256"/>
             <p14:sldId id="257"/>
             <p14:sldId id="258"/>
+            <p14:sldId id="276"/>
+            <p14:sldId id="275"/>
+            <p14:sldId id="277"/>
+            <p14:sldId id="278"/>
+            <p14:sldId id="279"/>
+            <p14:sldId id="280"/>
+            <p14:sldId id="281"/>
+            <p14:sldId id="282"/>
+            <p14:sldId id="283"/>
+            <p14:sldId id="284"/>
+            <p14:sldId id="286"/>
+            <p14:sldId id="287"/>
+            <p14:sldId id="288"/>
+            <p14:sldId id="289"/>
             <p14:sldId id="259"/>
             <p14:sldId id="262"/>
             <p14:sldId id="261"/>
@@ -144,6 +172,9 @@
           </p14:sldIdLst>
         </p14:section>
       </p14:sectionLst>
+    </p:ext>
+    <p:ext uri="{EFAFB233-063F-42B5-8137-9DF3F51BA10A}">
+      <p15:sldGuideLst xmlns:p15="http://schemas.microsoft.com/office/powerpoint/2012/main"/>
     </p:ext>
   </p:extLst>
 </p:presentation>
@@ -872,7 +903,7 @@
           <a:p>
             <a:fld id="{FB26968D-B383-48B7-8E08-BEBC9E4AEAA8}" type="datetimeFigureOut">
               <a:rPr lang="zh-CN" altLang="en-US" smtClean="0"/>
-              <a:t>2018/9/8</a:t>
+              <a:t>2018/9/10</a:t>
             </a:fld>
             <a:endParaRPr lang="zh-CN" altLang="en-US"/>
           </a:p>
@@ -1123,7 +1154,7 @@
           <a:p>
             <a:fld id="{FB26968D-B383-48B7-8E08-BEBC9E4AEAA8}" type="datetimeFigureOut">
               <a:rPr lang="zh-CN" altLang="en-US" smtClean="0"/>
-              <a:t>2018/9/8</a:t>
+              <a:t>2018/9/10</a:t>
             </a:fld>
             <a:endParaRPr lang="zh-CN" altLang="en-US"/>
           </a:p>
@@ -1437,7 +1468,7 @@
           <a:p>
             <a:fld id="{FB26968D-B383-48B7-8E08-BEBC9E4AEAA8}" type="datetimeFigureOut">
               <a:rPr lang="zh-CN" altLang="en-US" smtClean="0"/>
-              <a:t>2018/9/8</a:t>
+              <a:t>2018/9/10</a:t>
             </a:fld>
             <a:endParaRPr lang="zh-CN" altLang="en-US"/>
           </a:p>
@@ -1778,7 +1809,7 @@
           <a:p>
             <a:fld id="{FB26968D-B383-48B7-8E08-BEBC9E4AEAA8}" type="datetimeFigureOut">
               <a:rPr lang="zh-CN" altLang="en-US" smtClean="0"/>
-              <a:t>2018/9/8</a:t>
+              <a:t>2018/9/10</a:t>
             </a:fld>
             <a:endParaRPr lang="zh-CN" altLang="en-US"/>
           </a:p>
@@ -2092,7 +2123,7 @@
           <a:p>
             <a:fld id="{FB26968D-B383-48B7-8E08-BEBC9E4AEAA8}" type="datetimeFigureOut">
               <a:rPr lang="zh-CN" altLang="en-US" smtClean="0"/>
-              <a:t>2018/9/8</a:t>
+              <a:t>2018/9/10</a:t>
             </a:fld>
             <a:endParaRPr lang="zh-CN" altLang="en-US"/>
           </a:p>
@@ -2485,7 +2516,7 @@
           <a:p>
             <a:fld id="{FB26968D-B383-48B7-8E08-BEBC9E4AEAA8}" type="datetimeFigureOut">
               <a:rPr lang="zh-CN" altLang="en-US" smtClean="0"/>
-              <a:t>2018/9/8</a:t>
+              <a:t>2018/9/10</a:t>
             </a:fld>
             <a:endParaRPr lang="zh-CN" altLang="en-US"/>
           </a:p>
@@ -2655,7 +2686,7 @@
           <a:p>
             <a:fld id="{FB26968D-B383-48B7-8E08-BEBC9E4AEAA8}" type="datetimeFigureOut">
               <a:rPr lang="zh-CN" altLang="en-US" smtClean="0"/>
-              <a:t>2018/9/8</a:t>
+              <a:t>2018/9/10</a:t>
             </a:fld>
             <a:endParaRPr lang="zh-CN" altLang="en-US"/>
           </a:p>
@@ -2835,7 +2866,7 @@
           <a:p>
             <a:fld id="{FB26968D-B383-48B7-8E08-BEBC9E4AEAA8}" type="datetimeFigureOut">
               <a:rPr lang="zh-CN" altLang="en-US" smtClean="0"/>
-              <a:t>2018/9/8</a:t>
+              <a:t>2018/9/10</a:t>
             </a:fld>
             <a:endParaRPr lang="zh-CN" altLang="en-US"/>
           </a:p>
@@ -3034,7 +3065,7 @@
                 </a:solidFill>
               </a:rPr>
               <a:pPr/>
-              <a:t>2018/9/8</a:t>
+              <a:t>2018/9/10</a:t>
             </a:fld>
             <a:endParaRPr lang="zh-CN" altLang="en-US">
               <a:solidFill>
@@ -3236,7 +3267,7 @@
                 </a:solidFill>
               </a:rPr>
               <a:pPr/>
-              <a:t>2018/9/8</a:t>
+              <a:t>2018/9/10</a:t>
             </a:fld>
             <a:endParaRPr lang="zh-CN" altLang="en-US">
               <a:solidFill>
@@ -3514,7 +3545,7 @@
                 </a:solidFill>
               </a:rPr>
               <a:pPr/>
-              <a:t>2018/9/8</a:t>
+              <a:t>2018/9/10</a:t>
             </a:fld>
             <a:endParaRPr lang="zh-CN" altLang="en-US">
               <a:solidFill>
@@ -3930,7 +3961,7 @@
                 </a:solidFill>
               </a:rPr>
               <a:pPr/>
-              <a:t>2018/9/8</a:t>
+              <a:t>2018/9/10</a:t>
             </a:fld>
             <a:endParaRPr lang="zh-CN" altLang="en-US">
               <a:solidFill>
@@ -4329,7 +4360,7 @@
                 </a:solidFill>
               </a:rPr>
               <a:pPr/>
-              <a:t>2018/9/8</a:t>
+              <a:t>2018/9/10</a:t>
             </a:fld>
             <a:endParaRPr lang="zh-CN" altLang="en-US">
               <a:solidFill>
@@ -4479,7 +4510,7 @@
                 </a:solidFill>
               </a:rPr>
               <a:pPr/>
-              <a:t>2018/9/8</a:t>
+              <a:t>2018/9/10</a:t>
             </a:fld>
             <a:endParaRPr lang="zh-CN" altLang="en-US">
               <a:solidFill>
@@ -4606,7 +4637,7 @@
                 </a:solidFill>
               </a:rPr>
               <a:pPr/>
-              <a:t>2018/9/8</a:t>
+              <a:t>2018/9/10</a:t>
             </a:fld>
             <a:endParaRPr lang="zh-CN" altLang="en-US">
               <a:solidFill>
@@ -4915,7 +4946,7 @@
                 </a:solidFill>
               </a:rPr>
               <a:pPr/>
-              <a:t>2018/9/8</a:t>
+              <a:t>2018/9/10</a:t>
             </a:fld>
             <a:endParaRPr lang="zh-CN" altLang="en-US">
               <a:solidFill>
@@ -5200,7 +5231,7 @@
                 </a:solidFill>
               </a:rPr>
               <a:pPr/>
-              <a:t>2018/9/8</a:t>
+              <a:t>2018/9/10</a:t>
             </a:fld>
             <a:endParaRPr lang="zh-CN" altLang="en-US">
               <a:solidFill>
@@ -5402,7 +5433,7 @@
                 </a:solidFill>
               </a:rPr>
               <a:pPr/>
-              <a:t>2018/9/8</a:t>
+              <a:t>2018/9/10</a:t>
             </a:fld>
             <a:endParaRPr lang="zh-CN" altLang="en-US">
               <a:solidFill>
@@ -5614,7 +5645,7 @@
                 </a:solidFill>
               </a:rPr>
               <a:pPr/>
-              <a:t>2018/9/8</a:t>
+              <a:t>2018/9/10</a:t>
             </a:fld>
             <a:endParaRPr lang="zh-CN" altLang="en-US">
               <a:solidFill>
@@ -5886,7 +5917,7 @@
           <a:p>
             <a:fld id="{FB26968D-B383-48B7-8E08-BEBC9E4AEAA8}" type="datetimeFigureOut">
               <a:rPr lang="zh-CN" altLang="en-US" smtClean="0"/>
-              <a:t>2018/9/8</a:t>
+              <a:t>2018/9/10</a:t>
             </a:fld>
             <a:endParaRPr lang="zh-CN" altLang="en-US"/>
           </a:p>
@@ -6118,7 +6149,7 @@
           <a:p>
             <a:fld id="{FB26968D-B383-48B7-8E08-BEBC9E4AEAA8}" type="datetimeFigureOut">
               <a:rPr lang="zh-CN" altLang="en-US" smtClean="0"/>
-              <a:t>2018/9/8</a:t>
+              <a:t>2018/9/10</a:t>
             </a:fld>
             <a:endParaRPr lang="zh-CN" altLang="en-US"/>
           </a:p>
@@ -6492,7 +6523,7 @@
           <a:p>
             <a:fld id="{FB26968D-B383-48B7-8E08-BEBC9E4AEAA8}" type="datetimeFigureOut">
               <a:rPr lang="zh-CN" altLang="en-US" smtClean="0"/>
-              <a:t>2018/9/8</a:t>
+              <a:t>2018/9/10</a:t>
             </a:fld>
             <a:endParaRPr lang="zh-CN" altLang="en-US"/>
           </a:p>
@@ -6615,7 +6646,7 @@
           <a:p>
             <a:fld id="{FB26968D-B383-48B7-8E08-BEBC9E4AEAA8}" type="datetimeFigureOut">
               <a:rPr lang="zh-CN" altLang="en-US" smtClean="0"/>
-              <a:t>2018/9/8</a:t>
+              <a:t>2018/9/10</a:t>
             </a:fld>
             <a:endParaRPr lang="zh-CN" altLang="en-US"/>
           </a:p>
@@ -6710,7 +6741,7 @@
           <a:p>
             <a:fld id="{FB26968D-B383-48B7-8E08-BEBC9E4AEAA8}" type="datetimeFigureOut">
               <a:rPr lang="zh-CN" altLang="en-US" smtClean="0"/>
-              <a:t>2018/9/8</a:t>
+              <a:t>2018/9/10</a:t>
             </a:fld>
             <a:endParaRPr lang="zh-CN" altLang="en-US"/>
           </a:p>
@@ -6965,7 +6996,7 @@
           <a:p>
             <a:fld id="{FB26968D-B383-48B7-8E08-BEBC9E4AEAA8}" type="datetimeFigureOut">
               <a:rPr lang="zh-CN" altLang="en-US" smtClean="0"/>
-              <a:t>2018/9/8</a:t>
+              <a:t>2018/9/10</a:t>
             </a:fld>
             <a:endParaRPr lang="zh-CN" altLang="en-US"/>
           </a:p>
@@ -7228,7 +7259,7 @@
           <a:p>
             <a:fld id="{FB26968D-B383-48B7-8E08-BEBC9E4AEAA8}" type="datetimeFigureOut">
               <a:rPr lang="zh-CN" altLang="en-US" smtClean="0"/>
-              <a:t>2018/9/8</a:t>
+              <a:t>2018/9/10</a:t>
             </a:fld>
             <a:endParaRPr lang="zh-CN" altLang="en-US"/>
           </a:p>
@@ -7971,7 +8002,7 @@
           <a:p>
             <a:fld id="{FB26968D-B383-48B7-8E08-BEBC9E4AEAA8}" type="datetimeFigureOut">
               <a:rPr lang="zh-CN" altLang="en-US" smtClean="0"/>
-              <a:t>2018/9/8</a:t>
+              <a:t>2018/9/10</a:t>
             </a:fld>
             <a:endParaRPr lang="zh-CN" altLang="en-US"/>
           </a:p>
@@ -8637,7 +8668,7 @@
                 </a:solidFill>
               </a:rPr>
               <a:pPr/>
-              <a:t>2018/9/8</a:t>
+              <a:t>2018/9/10</a:t>
             </a:fld>
             <a:endParaRPr lang="zh-CN" altLang="en-US">
               <a:solidFill>
@@ -9332,7 +9363,22 @@
                 <a:ea typeface="+mj-ea"/>
                 <a:cs typeface="Open Sans" panose="020B0606030504020204" pitchFamily="34" charset="0"/>
               </a:rPr>
-              <a:t>李</a:t>
+              <a:t>李帅 </a:t>
+            </a:r>
+            <a:r>
+              <a:rPr kumimoji="0" lang="en-US" altLang="zh-CN" sz="2800" b="0" i="0" u="none" strike="noStrike" cap="none" normalizeH="0" baseline="0" smtClean="0">
+                <a:ln>
+                  <a:noFill/>
+                </a:ln>
+                <a:solidFill>
+                  <a:srgbClr val="333333"/>
+                </a:solidFill>
+                <a:effectLst/>
+                <a:latin typeface="+mj-ea"/>
+                <a:ea typeface="+mj-ea"/>
+                <a:cs typeface="Open Sans" panose="020B0606030504020204" pitchFamily="34" charset="0"/>
+              </a:rPr>
+              <a:t>	</a:t>
             </a:r>
             <a:r>
               <a:rPr kumimoji="0" lang="zh-CN" altLang="zh-CN" sz="2800" b="0" i="0" u="none" strike="noStrike" cap="none" normalizeH="0" baseline="0" smtClean="0">
@@ -9347,22 +9393,14 @@
                 <a:ea typeface="+mj-ea"/>
                 <a:cs typeface="Open Sans" panose="020B0606030504020204" pitchFamily="34" charset="0"/>
               </a:rPr>
-              <a:t>帅 </a:t>
-            </a:r>
-            <a:r>
-              <a:rPr kumimoji="0" lang="en-US" altLang="zh-CN" sz="2800" b="0" i="0" u="none" strike="noStrike" cap="none" normalizeH="0" baseline="0" smtClean="0">
-                <a:ln>
-                  <a:noFill/>
-                </a:ln>
-                <a:solidFill>
-                  <a:srgbClr val="333333"/>
-                </a:solidFill>
-                <a:effectLst/>
-                <a:latin typeface="+mj-ea"/>
-                <a:ea typeface="+mj-ea"/>
-                <a:cs typeface="Open Sans" panose="020B0606030504020204" pitchFamily="34" charset="0"/>
-              </a:rPr>
-              <a:t>	</a:t>
+              <a:t>2016013270</a:t>
+            </a:r>
+            <a:r>
+              <a:rPr lang="en-US" altLang="zh-CN" sz="2800" smtClean="0">
+                <a:latin typeface="+mj-ea"/>
+                <a:ea typeface="+mj-ea"/>
+              </a:rPr>
+              <a:t>		</a:t>
             </a:r>
             <a:r>
               <a:rPr kumimoji="0" lang="zh-CN" altLang="zh-CN" sz="2800" b="0" i="0" u="none" strike="noStrike" cap="none" normalizeH="0" baseline="0" smtClean="0">
@@ -9377,81 +9415,7 @@
                 <a:ea typeface="+mj-ea"/>
                 <a:cs typeface="Open Sans" panose="020B0606030504020204" pitchFamily="34" charset="0"/>
               </a:rPr>
-              <a:t>2016013270</a:t>
-            </a:r>
-            <a:r>
-              <a:rPr lang="en-US" altLang="zh-CN" sz="2800" smtClean="0">
-                <a:latin typeface="+mj-ea"/>
-                <a:ea typeface="+mj-ea"/>
-              </a:rPr>
-              <a:t>	</a:t>
-            </a:r>
-            <a:r>
-              <a:rPr lang="en-US" altLang="zh-CN" sz="2800" smtClean="0">
-                <a:latin typeface="+mj-ea"/>
-                <a:ea typeface="+mj-ea"/>
-              </a:rPr>
-              <a:t>	</a:t>
-            </a:r>
-            <a:r>
-              <a:rPr kumimoji="0" lang="zh-CN" altLang="zh-CN" sz="2800" b="0" i="0" u="none" strike="noStrike" cap="none" normalizeH="0" baseline="0" smtClean="0">
-                <a:ln>
-                  <a:noFill/>
-                </a:ln>
-                <a:solidFill>
-                  <a:srgbClr val="333333"/>
-                </a:solidFill>
-                <a:effectLst/>
-                <a:latin typeface="+mj-ea"/>
-                <a:ea typeface="+mj-ea"/>
-                <a:cs typeface="Open Sans" panose="020B0606030504020204" pitchFamily="34" charset="0"/>
-              </a:rPr>
-              <a:t>周</a:t>
-            </a:r>
-            <a:r>
-              <a:rPr kumimoji="0" lang="zh-CN" altLang="zh-CN" sz="2800" b="0" i="0" u="none" strike="noStrike" cap="none" normalizeH="0" baseline="0" smtClean="0">
-                <a:ln>
-                  <a:noFill/>
-                </a:ln>
-                <a:solidFill>
-                  <a:srgbClr val="333333"/>
-                </a:solidFill>
-                <a:effectLst/>
-                <a:latin typeface="+mj-ea"/>
-                <a:ea typeface="+mj-ea"/>
-                <a:cs typeface="Open Sans" panose="020B0606030504020204" pitchFamily="34" charset="0"/>
-              </a:rPr>
-              <a:t>展</a:t>
-            </a:r>
-            <a:r>
-              <a:rPr kumimoji="0" lang="zh-CN" altLang="zh-CN" sz="2800" b="0" i="0" u="none" strike="noStrike" cap="none" normalizeH="0" baseline="0" smtClean="0">
-                <a:ln>
-                  <a:noFill/>
-                </a:ln>
-                <a:solidFill>
-                  <a:srgbClr val="333333"/>
-                </a:solidFill>
-                <a:effectLst/>
-                <a:latin typeface="+mj-ea"/>
-                <a:ea typeface="+mj-ea"/>
-                <a:cs typeface="Open Sans" panose="020B0606030504020204" pitchFamily="34" charset="0"/>
-              </a:rPr>
-              <a:t>平 </a:t>
-            </a:r>
-            <a:r>
-              <a:rPr kumimoji="0" lang="zh-CN" altLang="zh-CN" sz="2800" b="0" i="0" u="none" strike="noStrike" cap="none" normalizeH="0" baseline="0" smtClean="0">
-                <a:ln>
-                  <a:noFill/>
-                </a:ln>
-                <a:solidFill>
-                  <a:srgbClr val="333333"/>
-                </a:solidFill>
-                <a:effectLst/>
-                <a:latin typeface="+mj-ea"/>
-                <a:ea typeface="+mj-ea"/>
-                <a:cs typeface="Open Sans" panose="020B0606030504020204" pitchFamily="34" charset="0"/>
-              </a:rPr>
-              <a:t>2016013253</a:t>
+              <a:t>周展平 2016013253</a:t>
             </a:r>
             <a:endParaRPr kumimoji="0" lang="zh-CN" altLang="zh-CN" sz="2800" b="0" i="0" u="none" strike="noStrike" cap="none" normalizeH="0" baseline="0" smtClean="0">
               <a:ln>
@@ -9488,6 +9452,4089 @@
 </file>
 
 <file path=ppt/slides/slide10.xml><?xml version="1.0" encoding="utf-8"?>
+<p:sld xmlns:a="http://schemas.openxmlformats.org/drawingml/2006/main" xmlns:r="http://schemas.openxmlformats.org/officeDocument/2006/relationships" xmlns:p="http://schemas.openxmlformats.org/presentationml/2006/main">
+  <p:cSld>
+    <p:spTree>
+      <p:nvGrpSpPr>
+        <p:cNvPr id="1" name=""/>
+        <p:cNvGrpSpPr/>
+        <p:nvPr/>
+      </p:nvGrpSpPr>
+      <p:grpSpPr>
+        <a:xfrm>
+          <a:off x="0" y="0"/>
+          <a:ext cx="0" cy="0"/>
+          <a:chOff x="0" y="0"/>
+          <a:chExt cx="0" cy="0"/>
+        </a:xfrm>
+      </p:grpSpPr>
+      <p:sp>
+        <p:nvSpPr>
+          <p:cNvPr id="2" name="标题 1"/>
+          <p:cNvSpPr>
+            <a:spLocks noGrp="1"/>
+          </p:cNvSpPr>
+          <p:nvPr>
+            <p:ph type="title"/>
+          </p:nvPr>
+        </p:nvSpPr>
+        <p:spPr/>
+        <p:txBody>
+          <a:bodyPr>
+            <a:normAutofit/>
+          </a:bodyPr>
+          <a:lstStyle/>
+          <a:p>
+            <a:r>
+              <a:rPr lang="zh-CN" altLang="en-US" sz="2800" dirty="0" smtClean="0"/>
+              <a:t>从</a:t>
+            </a:r>
+            <a:r>
+              <a:rPr lang="en-US" altLang="zh-CN" sz="2800" dirty="0" smtClean="0"/>
+              <a:t>Series</a:t>
+            </a:r>
+            <a:r>
+              <a:rPr lang="zh-CN" altLang="en-US" sz="2800" dirty="0" smtClean="0"/>
+              <a:t>的字典创建</a:t>
+            </a:r>
+            <a:r>
+              <a:rPr lang="en-US" altLang="zh-CN" sz="2800" dirty="0" err="1" smtClean="0"/>
+              <a:t>DataFrame</a:t>
+            </a:r>
+            <a:endParaRPr lang="en-US" altLang="zh-CN" sz="2800" dirty="0">
+              <a:latin typeface="+mj-ea"/>
+            </a:endParaRPr>
+          </a:p>
+        </p:txBody>
+      </p:sp>
+      <p:sp>
+        <p:nvSpPr>
+          <p:cNvPr id="8" name="文本框 7"/>
+          <p:cNvSpPr txBox="1"/>
+          <p:nvPr/>
+        </p:nvSpPr>
+        <p:spPr>
+          <a:xfrm>
+            <a:off x="677334" y="1330941"/>
+            <a:ext cx="9128818" cy="707886"/>
+          </a:xfrm>
+          <a:prstGeom prst="rect">
+            <a:avLst/>
+          </a:prstGeom>
+          <a:noFill/>
+        </p:spPr>
+        <p:txBody>
+          <a:bodyPr wrap="square" rtlCol="0">
+            <a:spAutoFit/>
+          </a:bodyPr>
+          <a:lstStyle/>
+          <a:p>
+            <a:r>
+              <a:rPr lang="zh-CN" altLang="en-US" sz="2000" dirty="0">
+                <a:latin typeface="+mj-ea"/>
+                <a:ea typeface="+mj-ea"/>
+              </a:rPr>
+              <a:t>如果传递了指定的 </a:t>
+            </a:r>
+            <a:r>
+              <a:rPr lang="en-US" altLang="zh-CN" sz="2000" dirty="0">
+                <a:latin typeface="+mj-ea"/>
+                <a:ea typeface="+mj-ea"/>
+              </a:rPr>
+              <a:t>index </a:t>
+            </a:r>
+            <a:r>
+              <a:rPr lang="zh-CN" altLang="en-US" sz="2000" dirty="0">
+                <a:latin typeface="+mj-ea"/>
+                <a:ea typeface="+mj-ea"/>
+              </a:rPr>
+              <a:t>和 </a:t>
+            </a:r>
+            <a:r>
+              <a:rPr lang="en-US" altLang="zh-CN" sz="2000" dirty="0">
+                <a:latin typeface="+mj-ea"/>
+                <a:ea typeface="+mj-ea"/>
+              </a:rPr>
+              <a:t>columns </a:t>
+            </a:r>
+            <a:r>
+              <a:rPr lang="zh-CN" altLang="en-US" sz="2000" dirty="0">
+                <a:latin typeface="+mj-ea"/>
+                <a:ea typeface="+mj-ea"/>
+              </a:rPr>
+              <a:t>参数，则 </a:t>
+            </a:r>
+            <a:r>
+              <a:rPr lang="en-US" altLang="zh-CN" sz="2000" dirty="0">
+                <a:latin typeface="+mj-ea"/>
+                <a:ea typeface="+mj-ea"/>
+              </a:rPr>
+              <a:t>Series </a:t>
+            </a:r>
+            <a:r>
+              <a:rPr lang="zh-CN" altLang="en-US" sz="2000" dirty="0">
+                <a:latin typeface="+mj-ea"/>
+                <a:ea typeface="+mj-ea"/>
+              </a:rPr>
+              <a:t>中的 </a:t>
+            </a:r>
+            <a:r>
+              <a:rPr lang="en-US" altLang="zh-CN" sz="2000" dirty="0">
+                <a:latin typeface="+mj-ea"/>
+                <a:ea typeface="+mj-ea"/>
+              </a:rPr>
+              <a:t>index </a:t>
+            </a:r>
+            <a:r>
+              <a:rPr lang="zh-CN" altLang="en-US" sz="2000" dirty="0">
+                <a:latin typeface="+mj-ea"/>
+                <a:ea typeface="+mj-ea"/>
+              </a:rPr>
+              <a:t>和 </a:t>
+            </a:r>
+            <a:r>
+              <a:rPr lang="en-US" altLang="zh-CN" sz="2000" dirty="0" err="1">
+                <a:latin typeface="+mj-ea"/>
+                <a:ea typeface="+mj-ea"/>
+              </a:rPr>
+              <a:t>dict</a:t>
+            </a:r>
+            <a:r>
+              <a:rPr lang="en-US" altLang="zh-CN" sz="2000" dirty="0">
+                <a:latin typeface="+mj-ea"/>
+                <a:ea typeface="+mj-ea"/>
+              </a:rPr>
+              <a:t> </a:t>
+            </a:r>
+            <a:r>
+              <a:rPr lang="zh-CN" altLang="en-US" sz="2000" dirty="0">
+                <a:latin typeface="+mj-ea"/>
+                <a:ea typeface="+mj-ea"/>
+              </a:rPr>
+              <a:t>中的键将会被覆盖</a:t>
+            </a:r>
+          </a:p>
+        </p:txBody>
+      </p:sp>
+      <p:pic>
+        <p:nvPicPr>
+          <p:cNvPr id="3" name="图片 2"/>
+          <p:cNvPicPr>
+            <a:picLocks noChangeAspect="1"/>
+          </p:cNvPicPr>
+          <p:nvPr/>
+        </p:nvPicPr>
+        <p:blipFill>
+          <a:blip r:embed="rId2"/>
+          <a:stretch>
+            <a:fillRect/>
+          </a:stretch>
+        </p:blipFill>
+        <p:spPr>
+          <a:xfrm>
+            <a:off x="705459" y="2056846"/>
+            <a:ext cx="8568543" cy="3476851"/>
+          </a:xfrm>
+          <a:prstGeom prst="rect">
+            <a:avLst/>
+          </a:prstGeom>
+        </p:spPr>
+      </p:pic>
+    </p:spTree>
+    <p:extLst>
+      <p:ext uri="{BB962C8B-B14F-4D97-AF65-F5344CB8AC3E}">
+        <p14:creationId xmlns:p14="http://schemas.microsoft.com/office/powerpoint/2010/main" val="273420815"/>
+      </p:ext>
+    </p:extLst>
+  </p:cSld>
+  <p:clrMapOvr>
+    <a:masterClrMapping/>
+  </p:clrMapOvr>
+  <p:timing>
+    <p:tnLst>
+      <p:par>
+        <p:cTn id="1" dur="indefinite" restart="never" nodeType="tmRoot"/>
+      </p:par>
+    </p:tnLst>
+  </p:timing>
+</p:sld>
+</file>
+
+<file path=ppt/slides/slide11.xml><?xml version="1.0" encoding="utf-8"?>
+<p:sld xmlns:a="http://schemas.openxmlformats.org/drawingml/2006/main" xmlns:r="http://schemas.openxmlformats.org/officeDocument/2006/relationships" xmlns:p="http://schemas.openxmlformats.org/presentationml/2006/main">
+  <p:cSld>
+    <p:spTree>
+      <p:nvGrpSpPr>
+        <p:cNvPr id="1" name=""/>
+        <p:cNvGrpSpPr/>
+        <p:nvPr/>
+      </p:nvGrpSpPr>
+      <p:grpSpPr>
+        <a:xfrm>
+          <a:off x="0" y="0"/>
+          <a:ext cx="0" cy="0"/>
+          <a:chOff x="0" y="0"/>
+          <a:chExt cx="0" cy="0"/>
+        </a:xfrm>
+      </p:grpSpPr>
+      <p:sp>
+        <p:nvSpPr>
+          <p:cNvPr id="4" name="标题 3"/>
+          <p:cNvSpPr>
+            <a:spLocks noGrp="1"/>
+          </p:cNvSpPr>
+          <p:nvPr>
+            <p:ph type="title"/>
+          </p:nvPr>
+        </p:nvSpPr>
+        <p:spPr/>
+        <p:txBody>
+          <a:bodyPr>
+            <a:normAutofit/>
+          </a:bodyPr>
+          <a:lstStyle/>
+          <a:p>
+            <a:r>
+              <a:rPr lang="en-US" altLang="zh-CN" sz="2800" dirty="0" err="1" smtClean="0"/>
+              <a:t>DataFrame</a:t>
+            </a:r>
+            <a:r>
+              <a:rPr lang="zh-CN" altLang="en-US" sz="2800" dirty="0" smtClean="0"/>
+              <a:t>的列选择，添加，删除</a:t>
+            </a:r>
+            <a:endParaRPr lang="zh-CN" altLang="en-US" sz="2800" dirty="0"/>
+          </a:p>
+        </p:txBody>
+      </p:sp>
+      <p:sp>
+        <p:nvSpPr>
+          <p:cNvPr id="7" name="文本框 6"/>
+          <p:cNvSpPr txBox="1"/>
+          <p:nvPr/>
+        </p:nvSpPr>
+        <p:spPr>
+          <a:xfrm>
+            <a:off x="677334" y="1330941"/>
+            <a:ext cx="9128818" cy="707886"/>
+          </a:xfrm>
+          <a:prstGeom prst="rect">
+            <a:avLst/>
+          </a:prstGeom>
+          <a:noFill/>
+        </p:spPr>
+        <p:txBody>
+          <a:bodyPr wrap="square" rtlCol="0">
+            <a:spAutoFit/>
+          </a:bodyPr>
+          <a:lstStyle/>
+          <a:p>
+            <a:r>
+              <a:rPr lang="en-US" altLang="zh-CN" sz="2000" dirty="0" err="1" smtClean="0">
+                <a:latin typeface="+mj-ea"/>
+                <a:ea typeface="+mj-ea"/>
+              </a:rPr>
+              <a:t>DataFrame</a:t>
+            </a:r>
+            <a:r>
+              <a:rPr lang="zh-CN" altLang="en-US" sz="2000" dirty="0" smtClean="0">
+                <a:latin typeface="+mj-ea"/>
+                <a:ea typeface="+mj-ea"/>
+              </a:rPr>
+              <a:t>的每一列相当于一个键值对，因此对列的选择，添加和删除类似于</a:t>
+            </a:r>
+            <a:r>
+              <a:rPr lang="en-US" altLang="zh-CN" sz="2000" dirty="0" err="1" smtClean="0">
+                <a:latin typeface="+mj-ea"/>
+                <a:ea typeface="+mj-ea"/>
+              </a:rPr>
+              <a:t>dict</a:t>
+            </a:r>
+            <a:r>
+              <a:rPr lang="zh-CN" altLang="en-US" sz="2000" dirty="0" smtClean="0">
+                <a:latin typeface="+mj-ea"/>
+                <a:ea typeface="+mj-ea"/>
+              </a:rPr>
+              <a:t>的操作，直接通过列标签进行选择，例如</a:t>
+            </a:r>
+            <a:endParaRPr lang="zh-CN" altLang="en-US" sz="2000" dirty="0">
+              <a:latin typeface="+mj-ea"/>
+              <a:ea typeface="+mj-ea"/>
+            </a:endParaRPr>
+          </a:p>
+        </p:txBody>
+      </p:sp>
+      <p:pic>
+        <p:nvPicPr>
+          <p:cNvPr id="6" name="图片 5"/>
+          <p:cNvPicPr>
+            <a:picLocks noChangeAspect="1"/>
+          </p:cNvPicPr>
+          <p:nvPr/>
+        </p:nvPicPr>
+        <p:blipFill>
+          <a:blip r:embed="rId2"/>
+          <a:stretch>
+            <a:fillRect/>
+          </a:stretch>
+        </p:blipFill>
+        <p:spPr>
+          <a:xfrm>
+            <a:off x="677334" y="2230327"/>
+            <a:ext cx="7119381" cy="2814639"/>
+          </a:xfrm>
+          <a:prstGeom prst="rect">
+            <a:avLst/>
+          </a:prstGeom>
+        </p:spPr>
+      </p:pic>
+    </p:spTree>
+    <p:extLst>
+      <p:ext uri="{BB962C8B-B14F-4D97-AF65-F5344CB8AC3E}">
+        <p14:creationId xmlns:p14="http://schemas.microsoft.com/office/powerpoint/2010/main" val="2964021780"/>
+      </p:ext>
+    </p:extLst>
+  </p:cSld>
+  <p:clrMapOvr>
+    <a:masterClrMapping/>
+  </p:clrMapOvr>
+  <p:timing>
+    <p:tnLst>
+      <p:par>
+        <p:cTn id="1" dur="indefinite" restart="never" nodeType="tmRoot"/>
+      </p:par>
+    </p:tnLst>
+  </p:timing>
+</p:sld>
+</file>
+
+<file path=ppt/slides/slide12.xml><?xml version="1.0" encoding="utf-8"?>
+<p:sld xmlns:a="http://schemas.openxmlformats.org/drawingml/2006/main" xmlns:r="http://schemas.openxmlformats.org/officeDocument/2006/relationships" xmlns:p="http://schemas.openxmlformats.org/presentationml/2006/main">
+  <p:cSld>
+    <p:spTree>
+      <p:nvGrpSpPr>
+        <p:cNvPr id="1" name=""/>
+        <p:cNvGrpSpPr/>
+        <p:nvPr/>
+      </p:nvGrpSpPr>
+      <p:grpSpPr>
+        <a:xfrm>
+          <a:off x="0" y="0"/>
+          <a:ext cx="0" cy="0"/>
+          <a:chOff x="0" y="0"/>
+          <a:chExt cx="0" cy="0"/>
+        </a:xfrm>
+      </p:grpSpPr>
+      <p:sp>
+        <p:nvSpPr>
+          <p:cNvPr id="4" name="标题 3"/>
+          <p:cNvSpPr>
+            <a:spLocks noGrp="1"/>
+          </p:cNvSpPr>
+          <p:nvPr>
+            <p:ph type="title"/>
+          </p:nvPr>
+        </p:nvSpPr>
+        <p:spPr/>
+        <p:txBody>
+          <a:bodyPr>
+            <a:normAutofit/>
+          </a:bodyPr>
+          <a:lstStyle/>
+          <a:p>
+            <a:r>
+              <a:rPr lang="en-US" altLang="zh-CN" sz="2800" dirty="0" err="1" smtClean="0"/>
+              <a:t>DataFrame</a:t>
+            </a:r>
+            <a:r>
+              <a:rPr lang="zh-CN" altLang="en-US" sz="2800" dirty="0" smtClean="0"/>
+              <a:t>的</a:t>
+            </a:r>
+            <a:r>
+              <a:rPr lang="zh-CN" altLang="en-US" sz="2800" dirty="0"/>
+              <a:t>行</a:t>
+            </a:r>
+            <a:r>
+              <a:rPr lang="zh-CN" altLang="en-US" sz="2800" dirty="0" smtClean="0"/>
+              <a:t>选择，添加，删除</a:t>
+            </a:r>
+            <a:endParaRPr lang="zh-CN" altLang="en-US" sz="2800" dirty="0"/>
+          </a:p>
+        </p:txBody>
+      </p:sp>
+      <p:sp>
+        <p:nvSpPr>
+          <p:cNvPr id="7" name="文本框 6"/>
+          <p:cNvSpPr txBox="1"/>
+          <p:nvPr/>
+        </p:nvSpPr>
+        <p:spPr>
+          <a:xfrm>
+            <a:off x="677334" y="1330941"/>
+            <a:ext cx="9128818" cy="2246769"/>
+          </a:xfrm>
+          <a:prstGeom prst="rect">
+            <a:avLst/>
+          </a:prstGeom>
+          <a:noFill/>
+        </p:spPr>
+        <p:txBody>
+          <a:bodyPr wrap="square" rtlCol="0">
+            <a:spAutoFit/>
+          </a:bodyPr>
+          <a:lstStyle/>
+          <a:p>
+            <a:r>
+              <a:rPr lang="zh-CN" altLang="en-US" sz="2000" dirty="0" smtClean="0">
+                <a:latin typeface="+mj-ea"/>
+                <a:ea typeface="+mj-ea"/>
+              </a:rPr>
+              <a:t>对</a:t>
+            </a:r>
+            <a:r>
+              <a:rPr lang="en-US" altLang="zh-CN" sz="2000" dirty="0" err="1" smtClean="0">
+                <a:latin typeface="+mj-ea"/>
+                <a:ea typeface="+mj-ea"/>
+              </a:rPr>
+              <a:t>DataFrame</a:t>
+            </a:r>
+            <a:r>
+              <a:rPr lang="zh-CN" altLang="en-US" sz="2000" dirty="0" smtClean="0">
+                <a:latin typeface="+mj-ea"/>
+                <a:ea typeface="+mj-ea"/>
+              </a:rPr>
+              <a:t>中</a:t>
+            </a:r>
+            <a:r>
+              <a:rPr lang="zh-CN" altLang="en-US" sz="2000" dirty="0">
+                <a:latin typeface="+mj-ea"/>
+                <a:ea typeface="+mj-ea"/>
+              </a:rPr>
+              <a:t>的行可通过以下函数进行操作</a:t>
+            </a:r>
+            <a:r>
+              <a:rPr lang="zh-CN" altLang="en-US" sz="2000" dirty="0" smtClean="0">
+                <a:latin typeface="+mj-ea"/>
+                <a:ea typeface="+mj-ea"/>
+              </a:rPr>
+              <a:t>：</a:t>
+            </a:r>
+            <a:endParaRPr lang="en-US" altLang="zh-CN" sz="2000" dirty="0" smtClean="0">
+              <a:latin typeface="+mj-ea"/>
+              <a:ea typeface="+mj-ea"/>
+            </a:endParaRPr>
+          </a:p>
+          <a:p>
+            <a:pPr marL="342900" indent="-342900">
+              <a:buFont typeface="Arial" panose="020B0604020202020204" pitchFamily="34" charset="0"/>
+              <a:buChar char="•"/>
+            </a:pPr>
+            <a:r>
+              <a:rPr lang="en-US" altLang="zh-CN" sz="2000" dirty="0" err="1" smtClean="0">
+                <a:latin typeface="+mj-ea"/>
+                <a:ea typeface="+mj-ea"/>
+              </a:rPr>
+              <a:t>loc</a:t>
+            </a:r>
+            <a:r>
+              <a:rPr lang="en-US" altLang="zh-CN" sz="2000" dirty="0" smtClean="0">
+                <a:latin typeface="+mj-ea"/>
+                <a:ea typeface="+mj-ea"/>
+              </a:rPr>
+              <a:t>()</a:t>
+            </a:r>
+            <a:r>
+              <a:rPr lang="zh-CN" altLang="en-US" sz="2000" dirty="0">
+                <a:latin typeface="+mj-ea"/>
+                <a:ea typeface="+mj-ea"/>
+              </a:rPr>
+              <a:t>：传递行标签来选择行</a:t>
+            </a:r>
+            <a:endParaRPr lang="en-US" altLang="zh-CN" sz="2000" dirty="0" smtClean="0">
+              <a:latin typeface="+mj-ea"/>
+              <a:ea typeface="+mj-ea"/>
+            </a:endParaRPr>
+          </a:p>
+          <a:p>
+            <a:pPr marL="342900" indent="-342900">
+              <a:buFont typeface="Arial" panose="020B0604020202020204" pitchFamily="34" charset="0"/>
+              <a:buChar char="•"/>
+            </a:pPr>
+            <a:r>
+              <a:rPr lang="en-US" altLang="zh-CN" sz="2000" dirty="0" err="1">
+                <a:latin typeface="+mj-ea"/>
+                <a:ea typeface="+mj-ea"/>
+              </a:rPr>
+              <a:t>i</a:t>
+            </a:r>
+            <a:r>
+              <a:rPr lang="en-US" altLang="zh-CN" sz="2000" dirty="0" err="1" smtClean="0">
+                <a:latin typeface="+mj-ea"/>
+                <a:ea typeface="+mj-ea"/>
+              </a:rPr>
+              <a:t>loc</a:t>
+            </a:r>
+            <a:r>
+              <a:rPr lang="en-US" altLang="zh-CN" sz="2000" dirty="0" smtClean="0">
+                <a:latin typeface="+mj-ea"/>
+                <a:ea typeface="+mj-ea"/>
+              </a:rPr>
+              <a:t>()</a:t>
+            </a:r>
+            <a:r>
+              <a:rPr lang="zh-CN" altLang="en-US" sz="2000" dirty="0">
+                <a:latin typeface="+mj-ea"/>
+                <a:ea typeface="+mj-ea"/>
+              </a:rPr>
+              <a:t>：传递整数位置来选择行</a:t>
+            </a:r>
+            <a:endParaRPr lang="en-US" altLang="zh-CN" sz="2000" dirty="0" smtClean="0">
+              <a:latin typeface="+mj-ea"/>
+              <a:ea typeface="+mj-ea"/>
+            </a:endParaRPr>
+          </a:p>
+          <a:p>
+            <a:pPr marL="342900" indent="-342900">
+              <a:buFont typeface="Arial" panose="020B0604020202020204" pitchFamily="34" charset="0"/>
+              <a:buChar char="•"/>
+            </a:pPr>
+            <a:r>
+              <a:rPr lang="en-US" altLang="zh-CN" sz="2000" dirty="0">
+                <a:latin typeface="+mj-ea"/>
+                <a:ea typeface="+mj-ea"/>
+              </a:rPr>
+              <a:t>a</a:t>
+            </a:r>
+            <a:r>
+              <a:rPr lang="en-US" altLang="zh-CN" sz="2000" dirty="0" smtClean="0">
+                <a:latin typeface="+mj-ea"/>
+                <a:ea typeface="+mj-ea"/>
+              </a:rPr>
+              <a:t>ppend()</a:t>
+            </a:r>
+            <a:r>
+              <a:rPr lang="zh-CN" altLang="en-US" sz="2000" dirty="0">
+                <a:latin typeface="+mj-ea"/>
+                <a:ea typeface="+mj-ea"/>
+              </a:rPr>
+              <a:t>：将新行添加到</a:t>
+            </a:r>
+            <a:r>
+              <a:rPr lang="en-US" altLang="zh-CN" sz="2000" dirty="0" err="1">
+                <a:latin typeface="+mj-ea"/>
+                <a:ea typeface="+mj-ea"/>
+              </a:rPr>
+              <a:t>DataFrame</a:t>
+            </a:r>
+            <a:endParaRPr lang="en-US" altLang="zh-CN" sz="2000" dirty="0" smtClean="0">
+              <a:latin typeface="+mj-ea"/>
+              <a:ea typeface="+mj-ea"/>
+            </a:endParaRPr>
+          </a:p>
+          <a:p>
+            <a:pPr marL="342900" indent="-342900">
+              <a:buFont typeface="Arial" panose="020B0604020202020204" pitchFamily="34" charset="0"/>
+              <a:buChar char="•"/>
+            </a:pPr>
+            <a:r>
+              <a:rPr lang="en-US" altLang="zh-CN" sz="2000" dirty="0">
+                <a:latin typeface="+mj-ea"/>
+                <a:ea typeface="+mj-ea"/>
+              </a:rPr>
+              <a:t>d</a:t>
+            </a:r>
+            <a:r>
+              <a:rPr lang="en-US" altLang="zh-CN" sz="2000" dirty="0" smtClean="0">
+                <a:latin typeface="+mj-ea"/>
+                <a:ea typeface="+mj-ea"/>
+              </a:rPr>
+              <a:t>rop()</a:t>
+            </a:r>
+            <a:r>
+              <a:rPr lang="zh-CN" altLang="en-US" sz="2000" dirty="0">
+                <a:latin typeface="+mj-ea"/>
+                <a:ea typeface="+mj-ea"/>
+              </a:rPr>
+              <a:t>：通过行标签来删除</a:t>
+            </a:r>
+            <a:r>
+              <a:rPr lang="zh-CN" altLang="en-US" sz="2000" dirty="0" smtClean="0">
+                <a:latin typeface="+mj-ea"/>
+                <a:ea typeface="+mj-ea"/>
+              </a:rPr>
+              <a:t>行</a:t>
+            </a:r>
+            <a:endParaRPr lang="en-US" altLang="zh-CN" sz="2000" dirty="0" smtClean="0">
+              <a:latin typeface="+mj-ea"/>
+              <a:ea typeface="+mj-ea"/>
+            </a:endParaRPr>
+          </a:p>
+          <a:p>
+            <a:endParaRPr lang="en-US" altLang="zh-CN" sz="2000" dirty="0" smtClean="0">
+              <a:latin typeface="+mj-ea"/>
+              <a:ea typeface="+mj-ea"/>
+            </a:endParaRPr>
+          </a:p>
+          <a:p>
+            <a:r>
+              <a:rPr lang="zh-CN" altLang="en-US" sz="2000" dirty="0" smtClean="0">
+                <a:latin typeface="+mj-ea"/>
+                <a:ea typeface="+mj-ea"/>
+              </a:rPr>
+              <a:t>例如：</a:t>
+            </a:r>
+            <a:endParaRPr lang="zh-CN" altLang="en-US" sz="2000" dirty="0">
+              <a:latin typeface="+mj-ea"/>
+              <a:ea typeface="+mj-ea"/>
+            </a:endParaRPr>
+          </a:p>
+        </p:txBody>
+      </p:sp>
+      <p:pic>
+        <p:nvPicPr>
+          <p:cNvPr id="5" name="图片 4"/>
+          <p:cNvPicPr>
+            <a:picLocks noChangeAspect="1"/>
+          </p:cNvPicPr>
+          <p:nvPr/>
+        </p:nvPicPr>
+        <p:blipFill>
+          <a:blip r:embed="rId2"/>
+          <a:stretch>
+            <a:fillRect/>
+          </a:stretch>
+        </p:blipFill>
+        <p:spPr>
+          <a:xfrm>
+            <a:off x="677334" y="3577710"/>
+            <a:ext cx="6953250" cy="2647950"/>
+          </a:xfrm>
+          <a:prstGeom prst="rect">
+            <a:avLst/>
+          </a:prstGeom>
+        </p:spPr>
+      </p:pic>
+    </p:spTree>
+    <p:extLst>
+      <p:ext uri="{BB962C8B-B14F-4D97-AF65-F5344CB8AC3E}">
+        <p14:creationId xmlns:p14="http://schemas.microsoft.com/office/powerpoint/2010/main" val="3608903419"/>
+      </p:ext>
+    </p:extLst>
+  </p:cSld>
+  <p:clrMapOvr>
+    <a:masterClrMapping/>
+  </p:clrMapOvr>
+  <p:timing>
+    <p:tnLst>
+      <p:par>
+        <p:cTn id="1" dur="indefinite" restart="never" nodeType="tmRoot"/>
+      </p:par>
+    </p:tnLst>
+  </p:timing>
+</p:sld>
+</file>
+
+<file path=ppt/slides/slide13.xml><?xml version="1.0" encoding="utf-8"?>
+<p:sld xmlns:a="http://schemas.openxmlformats.org/drawingml/2006/main" xmlns:r="http://schemas.openxmlformats.org/officeDocument/2006/relationships" xmlns:p="http://schemas.openxmlformats.org/presentationml/2006/main">
+  <p:cSld>
+    <p:spTree>
+      <p:nvGrpSpPr>
+        <p:cNvPr id="1" name=""/>
+        <p:cNvGrpSpPr/>
+        <p:nvPr/>
+      </p:nvGrpSpPr>
+      <p:grpSpPr>
+        <a:xfrm>
+          <a:off x="0" y="0"/>
+          <a:ext cx="0" cy="0"/>
+          <a:chOff x="0" y="0"/>
+          <a:chExt cx="0" cy="0"/>
+        </a:xfrm>
+      </p:grpSpPr>
+      <p:sp>
+        <p:nvSpPr>
+          <p:cNvPr id="2" name="标题 1"/>
+          <p:cNvSpPr>
+            <a:spLocks noGrp="1"/>
+          </p:cNvSpPr>
+          <p:nvPr>
+            <p:ph type="title"/>
+          </p:nvPr>
+        </p:nvSpPr>
+        <p:spPr/>
+        <p:txBody>
+          <a:bodyPr/>
+          <a:lstStyle/>
+          <a:p>
+            <a:r>
+              <a:rPr lang="zh-CN" altLang="en-US" dirty="0" smtClean="0">
+                <a:latin typeface="+mj-ea"/>
+              </a:rPr>
+              <a:t>文件读写</a:t>
+            </a:r>
+            <a:endParaRPr lang="en-US" altLang="zh-CN" dirty="0">
+              <a:latin typeface="+mj-ea"/>
+            </a:endParaRPr>
+          </a:p>
+        </p:txBody>
+      </p:sp>
+      <p:sp>
+        <p:nvSpPr>
+          <p:cNvPr id="3" name="内容占位符 2"/>
+          <p:cNvSpPr>
+            <a:spLocks noGrp="1"/>
+          </p:cNvSpPr>
+          <p:nvPr>
+            <p:ph idx="1"/>
+          </p:nvPr>
+        </p:nvSpPr>
+        <p:spPr>
+          <a:xfrm>
+            <a:off x="677334" y="1515980"/>
+            <a:ext cx="9152466" cy="3686642"/>
+          </a:xfrm>
+        </p:spPr>
+        <p:txBody>
+          <a:bodyPr>
+            <a:normAutofit/>
+          </a:bodyPr>
+          <a:lstStyle/>
+          <a:p>
+            <a:pPr marL="0" indent="0">
+              <a:buNone/>
+            </a:pPr>
+            <a:endParaRPr lang="en-US" altLang="zh-CN" dirty="0" smtClean="0"/>
+          </a:p>
+          <a:p>
+            <a:pPr marL="0" indent="0">
+              <a:buNone/>
+            </a:pPr>
+            <a:r>
+              <a:rPr lang="en-US" altLang="zh-CN" dirty="0" smtClean="0"/>
+              <a:t>pandas</a:t>
+            </a:r>
+            <a:r>
+              <a:rPr lang="zh-CN" altLang="en-US" dirty="0" smtClean="0"/>
+              <a:t>提供了一些用于表格数据读取为</a:t>
+            </a:r>
+            <a:r>
+              <a:rPr lang="en-US" altLang="zh-CN" dirty="0" err="1" smtClean="0"/>
+              <a:t>DataFrame</a:t>
+            </a:r>
+            <a:r>
+              <a:rPr lang="zh-CN" altLang="en-US" dirty="0" smtClean="0"/>
+              <a:t>对象的函数，如</a:t>
+            </a:r>
+            <a:r>
+              <a:rPr lang="zh-CN" altLang="en-US" dirty="0" smtClean="0"/>
+              <a:t>：</a:t>
+            </a:r>
+            <a:endParaRPr lang="en-US" altLang="zh-CN" dirty="0" smtClean="0"/>
+          </a:p>
+          <a:p>
+            <a:r>
+              <a:rPr lang="en-US" altLang="zh-CN" dirty="0" smtClean="0"/>
+              <a:t>1</a:t>
+            </a:r>
+            <a:r>
+              <a:rPr lang="en-US" altLang="zh-CN" dirty="0"/>
+              <a:t>. </a:t>
+            </a:r>
+            <a:r>
+              <a:rPr lang="en-US" altLang="zh-CN" dirty="0" err="1"/>
+              <a:t>read_csv</a:t>
+            </a:r>
+            <a:r>
+              <a:rPr lang="zh-CN" altLang="en-US" dirty="0"/>
+              <a:t>：从文件、</a:t>
+            </a:r>
+            <a:r>
+              <a:rPr lang="en-US" altLang="zh-CN" dirty="0"/>
+              <a:t>URL</a:t>
+            </a:r>
+            <a:r>
+              <a:rPr lang="zh-CN" altLang="en-US" dirty="0"/>
+              <a:t>、文件型对象中加载带分隔符的数据。默认分隔符为逗号</a:t>
+            </a:r>
+            <a:endParaRPr lang="en-US" altLang="zh-CN" dirty="0" smtClean="0"/>
+          </a:p>
+          <a:p>
+            <a:r>
+              <a:rPr lang="en-US" altLang="zh-CN" dirty="0" smtClean="0"/>
+              <a:t>2</a:t>
+            </a:r>
+            <a:r>
+              <a:rPr lang="en-US" altLang="zh-CN" dirty="0"/>
+              <a:t>. </a:t>
+            </a:r>
+            <a:r>
+              <a:rPr lang="en-US" altLang="zh-CN" dirty="0" err="1" smtClean="0"/>
+              <a:t>read_table</a:t>
+            </a:r>
+            <a:r>
+              <a:rPr lang="zh-CN" altLang="en-US" dirty="0"/>
+              <a:t>：从文件、</a:t>
+            </a:r>
+            <a:r>
+              <a:rPr lang="en-US" altLang="zh-CN" dirty="0"/>
+              <a:t>URL</a:t>
+            </a:r>
+            <a:r>
+              <a:rPr lang="zh-CN" altLang="en-US" dirty="0"/>
+              <a:t>、文件型对象中加载带分隔符的数据。默认分隔符为制表符（“</a:t>
+            </a:r>
+            <a:r>
+              <a:rPr lang="en-US" altLang="zh-CN" dirty="0"/>
+              <a:t>\t</a:t>
+            </a:r>
+            <a:r>
+              <a:rPr lang="en-US" altLang="zh-CN" dirty="0" smtClean="0"/>
+              <a:t>”)</a:t>
+            </a:r>
+          </a:p>
+        </p:txBody>
+      </p:sp>
+      <p:sp>
+        <p:nvSpPr>
+          <p:cNvPr id="4" name="标题 1"/>
+          <p:cNvSpPr txBox="1">
+            <a:spLocks/>
+          </p:cNvSpPr>
+          <p:nvPr/>
+        </p:nvSpPr>
+        <p:spPr>
+          <a:xfrm>
+            <a:off x="677334" y="1335505"/>
+            <a:ext cx="8596668" cy="725905"/>
+          </a:xfrm>
+          <a:prstGeom prst="rect">
+            <a:avLst/>
+          </a:prstGeom>
+        </p:spPr>
+        <p:txBody>
+          <a:bodyPr vert="horz" lIns="91440" tIns="45720" rIns="91440" bIns="45720" rtlCol="0" anchor="t">
+            <a:normAutofit/>
+          </a:bodyPr>
+          <a:lstStyle>
+            <a:lvl1pPr algn="l" defTabSz="457200" rtl="0" eaLnBrk="1" latinLnBrk="0" hangingPunct="1">
+              <a:spcBef>
+                <a:spcPct val="0"/>
+              </a:spcBef>
+              <a:buNone/>
+              <a:defRPr sz="3600" kern="1200">
+                <a:solidFill>
+                  <a:schemeClr val="accent1"/>
+                </a:solidFill>
+                <a:latin typeface="+mj-lt"/>
+                <a:ea typeface="+mj-ea"/>
+                <a:cs typeface="+mj-cs"/>
+              </a:defRPr>
+            </a:lvl1pPr>
+            <a:lvl2pPr eaLnBrk="1" hangingPunct="1">
+              <a:defRPr>
+                <a:solidFill>
+                  <a:schemeClr val="tx2"/>
+                </a:solidFill>
+              </a:defRPr>
+            </a:lvl2pPr>
+            <a:lvl3pPr eaLnBrk="1" hangingPunct="1">
+              <a:defRPr>
+                <a:solidFill>
+                  <a:schemeClr val="tx2"/>
+                </a:solidFill>
+              </a:defRPr>
+            </a:lvl3pPr>
+            <a:lvl4pPr eaLnBrk="1" hangingPunct="1">
+              <a:defRPr>
+                <a:solidFill>
+                  <a:schemeClr val="tx2"/>
+                </a:solidFill>
+              </a:defRPr>
+            </a:lvl4pPr>
+            <a:lvl5pPr eaLnBrk="1" hangingPunct="1">
+              <a:defRPr>
+                <a:solidFill>
+                  <a:schemeClr val="tx2"/>
+                </a:solidFill>
+              </a:defRPr>
+            </a:lvl5pPr>
+            <a:lvl6pPr eaLnBrk="1" hangingPunct="1">
+              <a:defRPr>
+                <a:solidFill>
+                  <a:schemeClr val="tx2"/>
+                </a:solidFill>
+              </a:defRPr>
+            </a:lvl6pPr>
+            <a:lvl7pPr eaLnBrk="1" hangingPunct="1">
+              <a:defRPr>
+                <a:solidFill>
+                  <a:schemeClr val="tx2"/>
+                </a:solidFill>
+              </a:defRPr>
+            </a:lvl7pPr>
+            <a:lvl8pPr eaLnBrk="1" hangingPunct="1">
+              <a:defRPr>
+                <a:solidFill>
+                  <a:schemeClr val="tx2"/>
+                </a:solidFill>
+              </a:defRPr>
+            </a:lvl8pPr>
+            <a:lvl9pPr eaLnBrk="1" hangingPunct="1">
+              <a:defRPr>
+                <a:solidFill>
+                  <a:schemeClr val="tx2"/>
+                </a:solidFill>
+              </a:defRPr>
+            </a:lvl9pPr>
+          </a:lstStyle>
+          <a:p>
+            <a:r>
+              <a:rPr lang="zh-CN" altLang="en-US" sz="2800" dirty="0" smtClean="0">
+                <a:latin typeface="+mj-ea"/>
+              </a:rPr>
+              <a:t>文件读取</a:t>
+            </a:r>
+            <a:endParaRPr lang="en-US" altLang="zh-CN" sz="2800" dirty="0">
+              <a:latin typeface="+mj-ea"/>
+            </a:endParaRPr>
+          </a:p>
+        </p:txBody>
+      </p:sp>
+    </p:spTree>
+    <p:extLst>
+      <p:ext uri="{BB962C8B-B14F-4D97-AF65-F5344CB8AC3E}">
+        <p14:creationId xmlns:p14="http://schemas.microsoft.com/office/powerpoint/2010/main" val="1169441493"/>
+      </p:ext>
+    </p:extLst>
+  </p:cSld>
+  <p:clrMapOvr>
+    <a:masterClrMapping/>
+  </p:clrMapOvr>
+  <p:timing>
+    <p:tnLst>
+      <p:par>
+        <p:cTn id="1" dur="indefinite" restart="never" nodeType="tmRoot"/>
+      </p:par>
+    </p:tnLst>
+  </p:timing>
+</p:sld>
+</file>
+
+<file path=ppt/slides/slide14.xml><?xml version="1.0" encoding="utf-8"?>
+<p:sld xmlns:a="http://schemas.openxmlformats.org/drawingml/2006/main" xmlns:r="http://schemas.openxmlformats.org/officeDocument/2006/relationships" xmlns:p="http://schemas.openxmlformats.org/presentationml/2006/main">
+  <p:cSld>
+    <p:spTree>
+      <p:nvGrpSpPr>
+        <p:cNvPr id="1" name=""/>
+        <p:cNvGrpSpPr/>
+        <p:nvPr/>
+      </p:nvGrpSpPr>
+      <p:grpSpPr>
+        <a:xfrm>
+          <a:off x="0" y="0"/>
+          <a:ext cx="0" cy="0"/>
+          <a:chOff x="0" y="0"/>
+          <a:chExt cx="0" cy="0"/>
+        </a:xfrm>
+      </p:grpSpPr>
+      <p:sp>
+        <p:nvSpPr>
+          <p:cNvPr id="3" name="内容占位符 2"/>
+          <p:cNvSpPr>
+            <a:spLocks noGrp="1"/>
+          </p:cNvSpPr>
+          <p:nvPr>
+            <p:ph idx="1"/>
+          </p:nvPr>
+        </p:nvSpPr>
+        <p:spPr>
+          <a:xfrm>
+            <a:off x="677334" y="1137608"/>
+            <a:ext cx="9152466" cy="3686642"/>
+          </a:xfrm>
+        </p:spPr>
+        <p:txBody>
+          <a:bodyPr>
+            <a:normAutofit/>
+          </a:bodyPr>
+          <a:lstStyle/>
+          <a:p>
+            <a:pPr marL="0" indent="0">
+              <a:buNone/>
+            </a:pPr>
+            <a:endParaRPr lang="en-US" altLang="zh-CN" dirty="0" smtClean="0"/>
+          </a:p>
+          <a:p>
+            <a:pPr marL="0" indent="0">
+              <a:buNone/>
+            </a:pPr>
+            <a:r>
+              <a:rPr lang="en-US" altLang="zh-CN" dirty="0" smtClean="0"/>
+              <a:t>Pandas</a:t>
+            </a:r>
+            <a:r>
+              <a:rPr lang="zh-CN" altLang="en-US" dirty="0" smtClean="0"/>
+              <a:t>通过以下函数来输出数据</a:t>
+            </a:r>
+            <a:endParaRPr lang="en-US" altLang="zh-CN" dirty="0" smtClean="0"/>
+          </a:p>
+          <a:p>
+            <a:r>
+              <a:rPr lang="en-US" altLang="zh-CN" dirty="0" smtClean="0"/>
+              <a:t>1</a:t>
+            </a:r>
+            <a:r>
+              <a:rPr lang="en-US" altLang="zh-CN" dirty="0"/>
+              <a:t>. </a:t>
+            </a:r>
+            <a:r>
+              <a:rPr lang="en-US" altLang="zh-CN" dirty="0" err="1"/>
+              <a:t>to</a:t>
+            </a:r>
+            <a:r>
+              <a:rPr lang="en-US" altLang="zh-CN" dirty="0" err="1" smtClean="0"/>
+              <a:t>_csv</a:t>
+            </a:r>
+            <a:r>
+              <a:rPr lang="zh-CN" altLang="en-US" dirty="0" smtClean="0"/>
+              <a:t>：</a:t>
+            </a:r>
+            <a:endParaRPr lang="en-US" altLang="zh-CN" dirty="0" smtClean="0"/>
+          </a:p>
+          <a:p>
+            <a:r>
+              <a:rPr lang="en-US" altLang="zh-CN" dirty="0" smtClean="0"/>
+              <a:t>2</a:t>
+            </a:r>
+            <a:r>
+              <a:rPr lang="en-US" altLang="zh-CN" dirty="0"/>
+              <a:t>. </a:t>
+            </a:r>
+            <a:r>
+              <a:rPr lang="en-US" altLang="zh-CN" dirty="0" err="1" smtClean="0"/>
+              <a:t>to_json</a:t>
+            </a:r>
+            <a:r>
+              <a:rPr lang="zh-CN" altLang="en-US" dirty="0" smtClean="0"/>
+              <a:t>：</a:t>
+            </a:r>
+            <a:r>
+              <a:rPr lang="zh-CN" altLang="en-US" dirty="0"/>
+              <a:t>从文件、</a:t>
+            </a:r>
+            <a:r>
+              <a:rPr lang="en-US" altLang="zh-CN" dirty="0"/>
+              <a:t>URL</a:t>
+            </a:r>
+            <a:r>
+              <a:rPr lang="zh-CN" altLang="en-US" dirty="0"/>
+              <a:t>、文件型对象中加载带分隔符的数据。默认分隔符为制表符（“</a:t>
+            </a:r>
+            <a:r>
+              <a:rPr lang="en-US" altLang="zh-CN" dirty="0"/>
+              <a:t>\t</a:t>
+            </a:r>
+            <a:r>
+              <a:rPr lang="en-US" altLang="zh-CN" dirty="0" smtClean="0"/>
+              <a:t>”)</a:t>
+            </a:r>
+          </a:p>
+        </p:txBody>
+      </p:sp>
+      <p:sp>
+        <p:nvSpPr>
+          <p:cNvPr id="4" name="标题 1"/>
+          <p:cNvSpPr txBox="1">
+            <a:spLocks/>
+          </p:cNvSpPr>
+          <p:nvPr/>
+        </p:nvSpPr>
+        <p:spPr>
+          <a:xfrm>
+            <a:off x="677334" y="957133"/>
+            <a:ext cx="8596668" cy="725905"/>
+          </a:xfrm>
+          <a:prstGeom prst="rect">
+            <a:avLst/>
+          </a:prstGeom>
+        </p:spPr>
+        <p:txBody>
+          <a:bodyPr vert="horz" lIns="91440" tIns="45720" rIns="91440" bIns="45720" rtlCol="0" anchor="t">
+            <a:normAutofit/>
+          </a:bodyPr>
+          <a:lstStyle>
+            <a:lvl1pPr algn="l" defTabSz="457200" rtl="0" eaLnBrk="1" latinLnBrk="0" hangingPunct="1">
+              <a:spcBef>
+                <a:spcPct val="0"/>
+              </a:spcBef>
+              <a:buNone/>
+              <a:defRPr sz="3600" kern="1200">
+                <a:solidFill>
+                  <a:schemeClr val="accent1"/>
+                </a:solidFill>
+                <a:latin typeface="+mj-lt"/>
+                <a:ea typeface="+mj-ea"/>
+                <a:cs typeface="+mj-cs"/>
+              </a:defRPr>
+            </a:lvl1pPr>
+            <a:lvl2pPr eaLnBrk="1" hangingPunct="1">
+              <a:defRPr>
+                <a:solidFill>
+                  <a:schemeClr val="tx2"/>
+                </a:solidFill>
+              </a:defRPr>
+            </a:lvl2pPr>
+            <a:lvl3pPr eaLnBrk="1" hangingPunct="1">
+              <a:defRPr>
+                <a:solidFill>
+                  <a:schemeClr val="tx2"/>
+                </a:solidFill>
+              </a:defRPr>
+            </a:lvl3pPr>
+            <a:lvl4pPr eaLnBrk="1" hangingPunct="1">
+              <a:defRPr>
+                <a:solidFill>
+                  <a:schemeClr val="tx2"/>
+                </a:solidFill>
+              </a:defRPr>
+            </a:lvl4pPr>
+            <a:lvl5pPr eaLnBrk="1" hangingPunct="1">
+              <a:defRPr>
+                <a:solidFill>
+                  <a:schemeClr val="tx2"/>
+                </a:solidFill>
+              </a:defRPr>
+            </a:lvl5pPr>
+            <a:lvl6pPr eaLnBrk="1" hangingPunct="1">
+              <a:defRPr>
+                <a:solidFill>
+                  <a:schemeClr val="tx2"/>
+                </a:solidFill>
+              </a:defRPr>
+            </a:lvl6pPr>
+            <a:lvl7pPr eaLnBrk="1" hangingPunct="1">
+              <a:defRPr>
+                <a:solidFill>
+                  <a:schemeClr val="tx2"/>
+                </a:solidFill>
+              </a:defRPr>
+            </a:lvl7pPr>
+            <a:lvl8pPr eaLnBrk="1" hangingPunct="1">
+              <a:defRPr>
+                <a:solidFill>
+                  <a:schemeClr val="tx2"/>
+                </a:solidFill>
+              </a:defRPr>
+            </a:lvl8pPr>
+            <a:lvl9pPr eaLnBrk="1" hangingPunct="1">
+              <a:defRPr>
+                <a:solidFill>
+                  <a:schemeClr val="tx2"/>
+                </a:solidFill>
+              </a:defRPr>
+            </a:lvl9pPr>
+          </a:lstStyle>
+          <a:p>
+            <a:r>
+              <a:rPr lang="zh-CN" altLang="en-US" sz="2800" dirty="0">
+                <a:latin typeface="+mj-ea"/>
+              </a:rPr>
+              <a:t>写出数据</a:t>
+            </a:r>
+            <a:endParaRPr lang="en-US" altLang="zh-CN" sz="2800" dirty="0">
+              <a:latin typeface="+mj-ea"/>
+            </a:endParaRPr>
+          </a:p>
+        </p:txBody>
+      </p:sp>
+    </p:spTree>
+    <p:extLst>
+      <p:ext uri="{BB962C8B-B14F-4D97-AF65-F5344CB8AC3E}">
+        <p14:creationId xmlns:p14="http://schemas.microsoft.com/office/powerpoint/2010/main" val="165660579"/>
+      </p:ext>
+    </p:extLst>
+  </p:cSld>
+  <p:clrMapOvr>
+    <a:masterClrMapping/>
+  </p:clrMapOvr>
+  <p:timing>
+    <p:tnLst>
+      <p:par>
+        <p:cTn id="1" dur="indefinite" restart="never" nodeType="tmRoot"/>
+      </p:par>
+    </p:tnLst>
+  </p:timing>
+</p:sld>
+</file>
+
+<file path=ppt/slides/slide15.xml><?xml version="1.0" encoding="utf-8"?>
+<p:sld xmlns:a="http://schemas.openxmlformats.org/drawingml/2006/main" xmlns:r="http://schemas.openxmlformats.org/officeDocument/2006/relationships" xmlns:p="http://schemas.openxmlformats.org/presentationml/2006/main">
+  <p:cSld>
+    <p:spTree>
+      <p:nvGrpSpPr>
+        <p:cNvPr id="1" name=""/>
+        <p:cNvGrpSpPr/>
+        <p:nvPr/>
+      </p:nvGrpSpPr>
+      <p:grpSpPr>
+        <a:xfrm>
+          <a:off x="0" y="0"/>
+          <a:ext cx="0" cy="0"/>
+          <a:chOff x="0" y="0"/>
+          <a:chExt cx="0" cy="0"/>
+        </a:xfrm>
+      </p:grpSpPr>
+      <p:sp>
+        <p:nvSpPr>
+          <p:cNvPr id="2" name="标题 1"/>
+          <p:cNvSpPr>
+            <a:spLocks noGrp="1"/>
+          </p:cNvSpPr>
+          <p:nvPr>
+            <p:ph type="title"/>
+          </p:nvPr>
+        </p:nvSpPr>
+        <p:spPr/>
+        <p:txBody>
+          <a:bodyPr>
+            <a:normAutofit/>
+          </a:bodyPr>
+          <a:lstStyle/>
+          <a:p>
+            <a:r>
+              <a:rPr lang="en-US" altLang="zh-CN" sz="2800" dirty="0" err="1" smtClean="0">
+                <a:latin typeface="+mj-ea"/>
+              </a:rPr>
+              <a:t>to_json</a:t>
+            </a:r>
+            <a:endParaRPr lang="en-US" altLang="zh-CN" sz="2800" dirty="0">
+              <a:latin typeface="+mj-ea"/>
+            </a:endParaRPr>
+          </a:p>
+        </p:txBody>
+      </p:sp>
+      <p:sp>
+        <p:nvSpPr>
+          <p:cNvPr id="4" name="文本框 3"/>
+          <p:cNvSpPr txBox="1"/>
+          <p:nvPr/>
+        </p:nvSpPr>
+        <p:spPr>
+          <a:xfrm>
+            <a:off x="677333" y="1335505"/>
+            <a:ext cx="9081521" cy="4555093"/>
+          </a:xfrm>
+          <a:prstGeom prst="rect">
+            <a:avLst/>
+          </a:prstGeom>
+          <a:noFill/>
+        </p:spPr>
+        <p:txBody>
+          <a:bodyPr wrap="square" rtlCol="0">
+            <a:spAutoFit/>
+          </a:bodyPr>
+          <a:lstStyle/>
+          <a:p>
+            <a:pPr>
+              <a:spcBef>
+                <a:spcPts val="600"/>
+              </a:spcBef>
+              <a:spcAft>
+                <a:spcPts val="600"/>
+              </a:spcAft>
+            </a:pPr>
+            <a:r>
+              <a:rPr lang="zh-CN" altLang="en-US" sz="2200" dirty="0" smtClean="0">
+                <a:latin typeface="+mj-ea"/>
+                <a:ea typeface="+mj-ea"/>
+              </a:rPr>
+              <a:t>常用参数：</a:t>
+            </a:r>
+            <a:endParaRPr lang="en-US" altLang="zh-CN" sz="2200" dirty="0" smtClean="0">
+              <a:latin typeface="+mj-ea"/>
+              <a:ea typeface="+mj-ea"/>
+            </a:endParaRPr>
+          </a:p>
+          <a:p>
+            <a:pPr marL="342900" indent="-342900">
+              <a:spcBef>
+                <a:spcPts val="600"/>
+              </a:spcBef>
+              <a:spcAft>
+                <a:spcPts val="600"/>
+              </a:spcAft>
+              <a:buFont typeface="Arial" panose="020B0604020202020204" pitchFamily="34" charset="0"/>
+              <a:buChar char="•"/>
+            </a:pPr>
+            <a:r>
+              <a:rPr lang="en-US" altLang="zh-CN" sz="2200" dirty="0" err="1" smtClean="0">
+                <a:latin typeface="+mj-ea"/>
+                <a:ea typeface="+mj-ea"/>
+              </a:rPr>
+              <a:t>filepath_or_buffer</a:t>
+            </a:r>
+            <a:r>
+              <a:rPr lang="zh-CN" altLang="en-US" sz="2200" dirty="0">
+                <a:latin typeface="+mj-ea"/>
+                <a:ea typeface="+mj-ea"/>
+              </a:rPr>
+              <a:t>：指向文件的路径或</a:t>
+            </a:r>
+            <a:r>
+              <a:rPr lang="en-US" altLang="zh-CN" sz="2200" dirty="0">
+                <a:latin typeface="+mj-ea"/>
+                <a:ea typeface="+mj-ea"/>
+              </a:rPr>
+              <a:t>URL</a:t>
+            </a:r>
+            <a:r>
+              <a:rPr lang="zh-CN" altLang="en-US" sz="2200" dirty="0">
+                <a:latin typeface="+mj-ea"/>
+                <a:ea typeface="+mj-ea"/>
+              </a:rPr>
+              <a:t>或带有 </a:t>
+            </a:r>
+            <a:r>
+              <a:rPr lang="en-US" altLang="zh-CN" sz="2200" dirty="0">
+                <a:latin typeface="+mj-ea"/>
+                <a:ea typeface="+mj-ea"/>
+              </a:rPr>
+              <a:t>read </a:t>
+            </a:r>
+            <a:r>
+              <a:rPr lang="zh-CN" altLang="en-US" sz="2200" dirty="0">
+                <a:latin typeface="+mj-ea"/>
+                <a:ea typeface="+mj-ea"/>
+              </a:rPr>
+              <a:t>方法的</a:t>
+            </a:r>
+            <a:r>
+              <a:rPr lang="zh-CN" altLang="en-US" sz="2200" dirty="0" smtClean="0">
+                <a:latin typeface="+mj-ea"/>
+                <a:ea typeface="+mj-ea"/>
+              </a:rPr>
+              <a:t>对象</a:t>
+            </a:r>
+            <a:endParaRPr lang="en-US" altLang="zh-CN" sz="2200" dirty="0" smtClean="0">
+              <a:latin typeface="+mj-ea"/>
+              <a:ea typeface="+mj-ea"/>
+            </a:endParaRPr>
+          </a:p>
+          <a:p>
+            <a:pPr marL="342900" indent="-342900">
+              <a:spcBef>
+                <a:spcPts val="600"/>
+              </a:spcBef>
+              <a:spcAft>
+                <a:spcPts val="600"/>
+              </a:spcAft>
+              <a:buFont typeface="Arial" panose="020B0604020202020204" pitchFamily="34" charset="0"/>
+              <a:buChar char="•"/>
+            </a:pPr>
+            <a:r>
+              <a:rPr lang="en-US" altLang="zh-CN" sz="2200" dirty="0" smtClean="0">
+                <a:latin typeface="+mj-ea"/>
+                <a:ea typeface="+mj-ea"/>
+              </a:rPr>
+              <a:t>orient</a:t>
+            </a:r>
+            <a:r>
+              <a:rPr lang="zh-CN" altLang="en-US" sz="2200" dirty="0" smtClean="0">
+                <a:latin typeface="+mj-ea"/>
+                <a:ea typeface="+mj-ea"/>
+              </a:rPr>
+              <a:t>：输出的</a:t>
+            </a:r>
+            <a:r>
+              <a:rPr lang="en-US" altLang="zh-CN" sz="2200" dirty="0" err="1" smtClean="0">
+                <a:latin typeface="+mj-ea"/>
+                <a:ea typeface="+mj-ea"/>
+              </a:rPr>
+              <a:t>json</a:t>
+            </a:r>
+            <a:r>
+              <a:rPr lang="zh-CN" altLang="en-US" sz="2200" dirty="0" smtClean="0">
+                <a:latin typeface="+mj-ea"/>
+                <a:ea typeface="+mj-ea"/>
+              </a:rPr>
+              <a:t>字符串的格式，常用参数值为</a:t>
+            </a:r>
+            <a:endParaRPr lang="en-US" altLang="zh-CN" sz="2200" dirty="0" smtClean="0">
+              <a:latin typeface="+mj-ea"/>
+              <a:ea typeface="+mj-ea"/>
+            </a:endParaRPr>
+          </a:p>
+          <a:p>
+            <a:pPr marL="800100" lvl="1" indent="-342900">
+              <a:spcBef>
+                <a:spcPts val="600"/>
+              </a:spcBef>
+              <a:spcAft>
+                <a:spcPts val="600"/>
+              </a:spcAft>
+              <a:buFont typeface="Arial" panose="020B0604020202020204" pitchFamily="34" charset="0"/>
+              <a:buChar char="•"/>
+            </a:pPr>
+            <a:r>
+              <a:rPr lang="en-US" altLang="zh-CN" sz="2200" dirty="0" smtClean="0">
+                <a:latin typeface="+mj-ea"/>
+                <a:ea typeface="+mj-ea"/>
+              </a:rPr>
+              <a:t>split</a:t>
+            </a:r>
+            <a:r>
+              <a:rPr lang="zh-CN" altLang="en-US" sz="2200" dirty="0">
+                <a:latin typeface="+mj-ea"/>
+                <a:ea typeface="+mj-ea"/>
+              </a:rPr>
+              <a:t>：输出格式为</a:t>
+            </a:r>
+            <a:r>
+              <a:rPr lang="en-US" altLang="zh-CN" sz="2200" dirty="0">
+                <a:latin typeface="+mj-ea"/>
+                <a:ea typeface="+mj-ea"/>
+              </a:rPr>
+              <a:t>{index-&gt;[index],columns-&gt; [columns], data-&gt;[values]}</a:t>
+            </a:r>
+            <a:r>
+              <a:rPr lang="zh-CN" altLang="en-US" sz="2200" dirty="0">
+                <a:latin typeface="+mj-ea"/>
+                <a:ea typeface="+mj-ea"/>
+              </a:rPr>
+              <a:t>的 </a:t>
+            </a:r>
+            <a:r>
+              <a:rPr lang="en-US" altLang="zh-CN" sz="2200" dirty="0" err="1" smtClean="0">
+                <a:latin typeface="+mj-ea"/>
+                <a:ea typeface="+mj-ea"/>
+              </a:rPr>
+              <a:t>dict</a:t>
+            </a:r>
+            <a:endParaRPr lang="en-US" altLang="zh-CN" sz="2200" dirty="0" smtClean="0">
+              <a:latin typeface="+mj-ea"/>
+              <a:ea typeface="+mj-ea"/>
+            </a:endParaRPr>
+          </a:p>
+          <a:p>
+            <a:pPr marL="800100" lvl="1" indent="-342900">
+              <a:spcBef>
+                <a:spcPts val="600"/>
+              </a:spcBef>
+              <a:spcAft>
+                <a:spcPts val="600"/>
+              </a:spcAft>
+              <a:buFont typeface="Arial" panose="020B0604020202020204" pitchFamily="34" charset="0"/>
+              <a:buChar char="•"/>
+            </a:pPr>
+            <a:r>
+              <a:rPr lang="en-US" altLang="zh-CN" sz="2200" dirty="0" smtClean="0">
+                <a:latin typeface="+mj-ea"/>
+                <a:ea typeface="+mj-ea"/>
+              </a:rPr>
+              <a:t>records</a:t>
+            </a:r>
+            <a:r>
+              <a:rPr lang="zh-CN" altLang="en-US" sz="2200" dirty="0">
+                <a:latin typeface="+mj-ea"/>
+                <a:ea typeface="+mj-ea"/>
+              </a:rPr>
+              <a:t>：输出格式为</a:t>
+            </a:r>
+            <a:r>
+              <a:rPr lang="en-US" altLang="zh-CN" sz="2200" dirty="0">
+                <a:latin typeface="+mj-ea"/>
+                <a:ea typeface="+mj-ea"/>
+              </a:rPr>
+              <a:t>[{column -&gt; value}, … , {column -&gt; value}]</a:t>
+            </a:r>
+            <a:r>
+              <a:rPr lang="zh-CN" altLang="en-US" sz="2200" dirty="0">
+                <a:latin typeface="+mj-ea"/>
+                <a:ea typeface="+mj-ea"/>
+              </a:rPr>
+              <a:t>的 </a:t>
+            </a:r>
+            <a:r>
+              <a:rPr lang="en-US" altLang="zh-CN" sz="2200" dirty="0">
+                <a:latin typeface="+mj-ea"/>
+                <a:ea typeface="+mj-ea"/>
+              </a:rPr>
+              <a:t>list</a:t>
+            </a:r>
+            <a:endParaRPr lang="en-US" altLang="zh-CN" sz="2200" dirty="0" smtClean="0">
+              <a:latin typeface="+mj-ea"/>
+              <a:ea typeface="+mj-ea"/>
+            </a:endParaRPr>
+          </a:p>
+          <a:p>
+            <a:pPr marL="800100" lvl="1" indent="-342900">
+              <a:spcBef>
+                <a:spcPts val="600"/>
+              </a:spcBef>
+              <a:spcAft>
+                <a:spcPts val="600"/>
+              </a:spcAft>
+              <a:buFont typeface="Arial" panose="020B0604020202020204" pitchFamily="34" charset="0"/>
+              <a:buChar char="•"/>
+            </a:pPr>
+            <a:r>
+              <a:rPr lang="en-US" altLang="zh-CN" sz="2200" dirty="0" smtClean="0">
+                <a:latin typeface="+mj-ea"/>
+                <a:ea typeface="+mj-ea"/>
+              </a:rPr>
+              <a:t>index</a:t>
+            </a:r>
+            <a:r>
+              <a:rPr lang="zh-CN" altLang="en-US" sz="2200" dirty="0">
+                <a:latin typeface="+mj-ea"/>
+                <a:ea typeface="+mj-ea"/>
+              </a:rPr>
+              <a:t>：输出格式为</a:t>
+            </a:r>
+            <a:r>
+              <a:rPr lang="en-US" altLang="zh-CN" sz="2200" dirty="0">
+                <a:latin typeface="+mj-ea"/>
+                <a:ea typeface="+mj-ea"/>
+              </a:rPr>
+              <a:t>{index -&gt; {column -&gt; value}}</a:t>
+            </a:r>
+            <a:r>
+              <a:rPr lang="zh-CN" altLang="en-US" sz="2200" dirty="0">
+                <a:latin typeface="+mj-ea"/>
+                <a:ea typeface="+mj-ea"/>
+              </a:rPr>
+              <a:t>的 </a:t>
+            </a:r>
+            <a:r>
+              <a:rPr lang="en-US" altLang="zh-CN" sz="2200" dirty="0" err="1">
+                <a:latin typeface="+mj-ea"/>
+                <a:ea typeface="+mj-ea"/>
+              </a:rPr>
+              <a:t>dict</a:t>
+            </a:r>
+            <a:endParaRPr lang="en-US" altLang="zh-CN" sz="2200" dirty="0" smtClean="0">
+              <a:latin typeface="+mj-ea"/>
+              <a:ea typeface="+mj-ea"/>
+            </a:endParaRPr>
+          </a:p>
+          <a:p>
+            <a:pPr marL="800100" lvl="1" indent="-342900">
+              <a:spcBef>
+                <a:spcPts val="600"/>
+              </a:spcBef>
+              <a:spcAft>
+                <a:spcPts val="600"/>
+              </a:spcAft>
+              <a:buFont typeface="Arial" panose="020B0604020202020204" pitchFamily="34" charset="0"/>
+              <a:buChar char="•"/>
+            </a:pPr>
+            <a:r>
+              <a:rPr lang="en-US" altLang="zh-CN" sz="2200" dirty="0">
+                <a:latin typeface="+mj-ea"/>
+                <a:ea typeface="+mj-ea"/>
+              </a:rPr>
+              <a:t>c</a:t>
+            </a:r>
+            <a:r>
+              <a:rPr lang="en-US" altLang="zh-CN" sz="2200" dirty="0" smtClean="0">
+                <a:latin typeface="+mj-ea"/>
+                <a:ea typeface="+mj-ea"/>
+              </a:rPr>
+              <a:t>olumns</a:t>
+            </a:r>
+            <a:r>
+              <a:rPr lang="zh-CN" altLang="en-US" sz="2200" dirty="0">
+                <a:latin typeface="+mj-ea"/>
+                <a:ea typeface="+mj-ea"/>
+              </a:rPr>
+              <a:t>：输出格式为 </a:t>
+            </a:r>
+            <a:r>
+              <a:rPr lang="en-US" altLang="zh-CN" sz="2200" dirty="0">
+                <a:latin typeface="+mj-ea"/>
+                <a:ea typeface="+mj-ea"/>
+              </a:rPr>
+              <a:t>{column -&gt; {index -&gt; value}}</a:t>
+            </a:r>
+            <a:r>
+              <a:rPr lang="zh-CN" altLang="en-US" sz="2200" dirty="0">
+                <a:latin typeface="+mj-ea"/>
+                <a:ea typeface="+mj-ea"/>
+              </a:rPr>
+              <a:t>的 </a:t>
+            </a:r>
+            <a:r>
+              <a:rPr lang="en-US" altLang="zh-CN" sz="2200" dirty="0" err="1" smtClean="0">
+                <a:latin typeface="+mj-ea"/>
+                <a:ea typeface="+mj-ea"/>
+              </a:rPr>
+              <a:t>dict</a:t>
+            </a:r>
+            <a:endParaRPr lang="en-US" altLang="zh-CN" sz="2200" dirty="0" smtClean="0">
+              <a:latin typeface="+mj-ea"/>
+              <a:ea typeface="+mj-ea"/>
+            </a:endParaRPr>
+          </a:p>
+          <a:p>
+            <a:pPr marL="800100" lvl="1" indent="-342900">
+              <a:spcBef>
+                <a:spcPts val="600"/>
+              </a:spcBef>
+              <a:spcAft>
+                <a:spcPts val="600"/>
+              </a:spcAft>
+              <a:buFont typeface="Arial" panose="020B0604020202020204" pitchFamily="34" charset="0"/>
+              <a:buChar char="•"/>
+            </a:pPr>
+            <a:r>
+              <a:rPr lang="en-US" altLang="zh-CN" sz="2200" dirty="0" smtClean="0">
+                <a:latin typeface="+mj-ea"/>
+                <a:ea typeface="+mj-ea"/>
+              </a:rPr>
+              <a:t>values</a:t>
+            </a:r>
+            <a:r>
+              <a:rPr lang="zh-CN" altLang="en-US" sz="2200" dirty="0">
+                <a:latin typeface="+mj-ea"/>
+                <a:ea typeface="+mj-ea"/>
+              </a:rPr>
+              <a:t>：输出序列化数组</a:t>
+            </a:r>
+            <a:endParaRPr lang="en-US" altLang="zh-CN" sz="2200" dirty="0" smtClean="0">
+              <a:latin typeface="+mj-ea"/>
+              <a:ea typeface="+mj-ea"/>
+            </a:endParaRPr>
+          </a:p>
+        </p:txBody>
+      </p:sp>
+    </p:spTree>
+    <p:extLst>
+      <p:ext uri="{BB962C8B-B14F-4D97-AF65-F5344CB8AC3E}">
+        <p14:creationId xmlns:p14="http://schemas.microsoft.com/office/powerpoint/2010/main" val="2432806029"/>
+      </p:ext>
+    </p:extLst>
+  </p:cSld>
+  <p:clrMapOvr>
+    <a:masterClrMapping/>
+  </p:clrMapOvr>
+  <p:timing>
+    <p:tnLst>
+      <p:par>
+        <p:cTn id="1" dur="indefinite" restart="never" nodeType="tmRoot"/>
+      </p:par>
+    </p:tnLst>
+  </p:timing>
+</p:sld>
+</file>
+
+<file path=ppt/slides/slide16.xml><?xml version="1.0" encoding="utf-8"?>
+<p:sld xmlns:a="http://schemas.openxmlformats.org/drawingml/2006/main" xmlns:r="http://schemas.openxmlformats.org/officeDocument/2006/relationships" xmlns:p="http://schemas.openxmlformats.org/presentationml/2006/main">
+  <p:cSld>
+    <p:spTree>
+      <p:nvGrpSpPr>
+        <p:cNvPr id="1" name=""/>
+        <p:cNvGrpSpPr/>
+        <p:nvPr/>
+      </p:nvGrpSpPr>
+      <p:grpSpPr>
+        <a:xfrm>
+          <a:off x="0" y="0"/>
+          <a:ext cx="0" cy="0"/>
+          <a:chOff x="0" y="0"/>
+          <a:chExt cx="0" cy="0"/>
+        </a:xfrm>
+      </p:grpSpPr>
+      <p:sp>
+        <p:nvSpPr>
+          <p:cNvPr id="2" name="标题 1"/>
+          <p:cNvSpPr>
+            <a:spLocks noGrp="1"/>
+          </p:cNvSpPr>
+          <p:nvPr>
+            <p:ph type="title"/>
+          </p:nvPr>
+        </p:nvSpPr>
+        <p:spPr/>
+        <p:txBody>
+          <a:bodyPr>
+            <a:normAutofit/>
+          </a:bodyPr>
+          <a:lstStyle/>
+          <a:p>
+            <a:r>
+              <a:rPr lang="en-US" altLang="zh-CN" sz="2800" dirty="0" err="1" smtClean="0">
+                <a:latin typeface="+mj-ea"/>
+              </a:rPr>
+              <a:t>to_json</a:t>
+            </a:r>
+            <a:endParaRPr lang="en-US" altLang="zh-CN" sz="2800" dirty="0">
+              <a:latin typeface="+mj-ea"/>
+            </a:endParaRPr>
+          </a:p>
+        </p:txBody>
+      </p:sp>
+      <p:sp>
+        <p:nvSpPr>
+          <p:cNvPr id="4" name="文本框 3"/>
+          <p:cNvSpPr txBox="1"/>
+          <p:nvPr/>
+        </p:nvSpPr>
+        <p:spPr>
+          <a:xfrm>
+            <a:off x="677333" y="1335505"/>
+            <a:ext cx="9081521" cy="430887"/>
+          </a:xfrm>
+          <a:prstGeom prst="rect">
+            <a:avLst/>
+          </a:prstGeom>
+          <a:noFill/>
+        </p:spPr>
+        <p:txBody>
+          <a:bodyPr wrap="square" rtlCol="0">
+            <a:spAutoFit/>
+          </a:bodyPr>
+          <a:lstStyle/>
+          <a:p>
+            <a:pPr>
+              <a:spcBef>
+                <a:spcPts val="600"/>
+              </a:spcBef>
+              <a:spcAft>
+                <a:spcPts val="600"/>
+              </a:spcAft>
+            </a:pPr>
+            <a:r>
+              <a:rPr lang="zh-CN" altLang="en-US" sz="2200" dirty="0" smtClean="0">
+                <a:latin typeface="+mj-ea"/>
+                <a:ea typeface="+mj-ea"/>
+              </a:rPr>
+              <a:t>示例：</a:t>
+            </a:r>
+            <a:endParaRPr lang="en-US" altLang="zh-CN" sz="2200" dirty="0" smtClean="0">
+              <a:latin typeface="+mj-ea"/>
+              <a:ea typeface="+mj-ea"/>
+            </a:endParaRPr>
+          </a:p>
+        </p:txBody>
+      </p:sp>
+      <p:pic>
+        <p:nvPicPr>
+          <p:cNvPr id="3" name="图片 2"/>
+          <p:cNvPicPr>
+            <a:picLocks noChangeAspect="1"/>
+          </p:cNvPicPr>
+          <p:nvPr/>
+        </p:nvPicPr>
+        <p:blipFill>
+          <a:blip r:embed="rId2"/>
+          <a:stretch>
+            <a:fillRect/>
+          </a:stretch>
+        </p:blipFill>
+        <p:spPr>
+          <a:xfrm>
+            <a:off x="677333" y="1766393"/>
+            <a:ext cx="5881122" cy="4956086"/>
+          </a:xfrm>
+          <a:prstGeom prst="rect">
+            <a:avLst/>
+          </a:prstGeom>
+        </p:spPr>
+      </p:pic>
+    </p:spTree>
+    <p:extLst>
+      <p:ext uri="{BB962C8B-B14F-4D97-AF65-F5344CB8AC3E}">
+        <p14:creationId xmlns:p14="http://schemas.microsoft.com/office/powerpoint/2010/main" val="2888717231"/>
+      </p:ext>
+    </p:extLst>
+  </p:cSld>
+  <p:clrMapOvr>
+    <a:masterClrMapping/>
+  </p:clrMapOvr>
+  <p:timing>
+    <p:tnLst>
+      <p:par>
+        <p:cTn id="1" dur="indefinite" restart="never" nodeType="tmRoot"/>
+      </p:par>
+    </p:tnLst>
+  </p:timing>
+</p:sld>
+</file>
+
+<file path=ppt/slides/slide17.xml><?xml version="1.0" encoding="utf-8"?>
+<p:sld xmlns:a="http://schemas.openxmlformats.org/drawingml/2006/main" xmlns:r="http://schemas.openxmlformats.org/officeDocument/2006/relationships" xmlns:p="http://schemas.openxmlformats.org/presentationml/2006/main">
+  <p:cSld>
+    <p:spTree>
+      <p:nvGrpSpPr>
+        <p:cNvPr id="1" name=""/>
+        <p:cNvGrpSpPr/>
+        <p:nvPr/>
+      </p:nvGrpSpPr>
+      <p:grpSpPr>
+        <a:xfrm>
+          <a:off x="0" y="0"/>
+          <a:ext cx="0" cy="0"/>
+          <a:chOff x="0" y="0"/>
+          <a:chExt cx="0" cy="0"/>
+        </a:xfrm>
+      </p:grpSpPr>
+      <p:sp>
+        <p:nvSpPr>
+          <p:cNvPr id="2" name="标题 1"/>
+          <p:cNvSpPr>
+            <a:spLocks noGrp="1"/>
+          </p:cNvSpPr>
+          <p:nvPr>
+            <p:ph type="title"/>
+          </p:nvPr>
+        </p:nvSpPr>
+        <p:spPr/>
+        <p:txBody>
+          <a:bodyPr/>
+          <a:lstStyle/>
+          <a:p>
+            <a:r>
+              <a:rPr lang="zh-CN" altLang="en-US"/>
+              <a:t>数据分组</a:t>
+            </a:r>
+            <a:r>
+              <a:rPr lang="en-US" altLang="zh-CN">
+                <a:latin typeface="+mj-ea"/>
+              </a:rPr>
+              <a:t>(groupby)</a:t>
+            </a:r>
+          </a:p>
+        </p:txBody>
+      </p:sp>
+      <p:sp>
+        <p:nvSpPr>
+          <p:cNvPr id="3" name="内容占位符 2"/>
+          <p:cNvSpPr>
+            <a:spLocks noGrp="1"/>
+          </p:cNvSpPr>
+          <p:nvPr>
+            <p:ph idx="1"/>
+          </p:nvPr>
+        </p:nvSpPr>
+        <p:spPr>
+          <a:xfrm>
+            <a:off x="677334" y="972552"/>
+            <a:ext cx="9152466" cy="3528987"/>
+          </a:xfrm>
+        </p:spPr>
+        <p:txBody>
+          <a:bodyPr>
+            <a:normAutofit/>
+          </a:bodyPr>
+          <a:lstStyle/>
+          <a:p>
+            <a:pPr marL="0" indent="0">
+              <a:buNone/>
+            </a:pPr>
+            <a:endParaRPr lang="en-US" altLang="zh-CN" dirty="0" smtClean="0"/>
+          </a:p>
+          <a:p>
+            <a:pPr marL="0" indent="0">
+              <a:buNone/>
+            </a:pPr>
+            <a:r>
+              <a:rPr lang="en-US" altLang="zh-CN" dirty="0" smtClean="0"/>
+              <a:t>Pandas</a:t>
+            </a:r>
+            <a:r>
+              <a:rPr lang="zh-CN" altLang="en-US" dirty="0" smtClean="0"/>
+              <a:t>常用的排序函数有：</a:t>
+            </a:r>
+            <a:endParaRPr lang="en-US" altLang="zh-CN" dirty="0" smtClean="0"/>
+          </a:p>
+          <a:p>
+            <a:r>
+              <a:rPr lang="en-US" altLang="zh-CN" dirty="0" smtClean="0"/>
+              <a:t>1</a:t>
+            </a:r>
+            <a:r>
+              <a:rPr lang="en-US" altLang="zh-CN" dirty="0"/>
+              <a:t>. </a:t>
+            </a:r>
+            <a:r>
+              <a:rPr lang="en-US" altLang="zh-CN" dirty="0" err="1" smtClean="0"/>
+              <a:t>sort_index</a:t>
+            </a:r>
+            <a:r>
+              <a:rPr lang="zh-CN" altLang="en-US" dirty="0" smtClean="0"/>
+              <a:t>：对</a:t>
+            </a:r>
+            <a:r>
+              <a:rPr lang="en-US" altLang="zh-CN" dirty="0" err="1" smtClean="0"/>
+              <a:t>DataFrame</a:t>
+            </a:r>
+            <a:r>
+              <a:rPr lang="zh-CN" altLang="en-US" dirty="0" smtClean="0"/>
+              <a:t>中的数据按标签进行排序</a:t>
+            </a:r>
+            <a:endParaRPr lang="en-US" altLang="zh-CN" dirty="0" smtClean="0"/>
+          </a:p>
+          <a:p>
+            <a:r>
+              <a:rPr lang="en-US" altLang="zh-CN" dirty="0" smtClean="0"/>
+              <a:t>2. </a:t>
+            </a:r>
+            <a:r>
+              <a:rPr lang="en-US" altLang="zh-CN" dirty="0" err="1" smtClean="0"/>
+              <a:t>sort_values</a:t>
+            </a:r>
+            <a:r>
+              <a:rPr lang="zh-CN" altLang="en-US" dirty="0" smtClean="0"/>
+              <a:t>：对</a:t>
+            </a:r>
+            <a:r>
+              <a:rPr lang="en-US" altLang="zh-CN" dirty="0" err="1" smtClean="0"/>
+              <a:t>DataFrame</a:t>
+            </a:r>
+            <a:r>
+              <a:rPr lang="zh-CN" altLang="en-US" dirty="0" smtClean="0"/>
+              <a:t>中的数据按值进行排序</a:t>
+            </a:r>
+            <a:endParaRPr lang="en-US" altLang="zh-CN" dirty="0" smtClean="0"/>
+          </a:p>
+          <a:p>
+            <a:pPr marL="0" indent="0">
+              <a:buNone/>
+            </a:pPr>
+            <a:endParaRPr lang="en-US" altLang="zh-CN" dirty="0" smtClean="0"/>
+          </a:p>
+        </p:txBody>
+      </p:sp>
+      <p:sp>
+        <p:nvSpPr>
+          <p:cNvPr id="4" name="文本框 3"/>
+          <p:cNvSpPr txBox="1"/>
+          <p:nvPr/>
+        </p:nvSpPr>
+        <p:spPr>
+          <a:xfrm>
+            <a:off x="677334" y="3217886"/>
+            <a:ext cx="9854032" cy="3231654"/>
+          </a:xfrm>
+          <a:prstGeom prst="rect">
+            <a:avLst/>
+          </a:prstGeom>
+          <a:noFill/>
+        </p:spPr>
+        <p:txBody>
+          <a:bodyPr wrap="square" rtlCol="0">
+            <a:spAutoFit/>
+          </a:bodyPr>
+          <a:lstStyle/>
+          <a:p>
+            <a:pPr>
+              <a:spcBef>
+                <a:spcPts val="600"/>
+              </a:spcBef>
+              <a:spcAft>
+                <a:spcPts val="600"/>
+              </a:spcAft>
+            </a:pPr>
+            <a:r>
+              <a:rPr lang="zh-CN" altLang="en-US" sz="2200" dirty="0" smtClean="0">
+                <a:latin typeface="+mj-ea"/>
+                <a:ea typeface="+mj-ea"/>
+              </a:rPr>
+              <a:t>使用方法：</a:t>
+            </a:r>
+            <a:endParaRPr lang="en-US" altLang="zh-CN" sz="2200" dirty="0" smtClean="0">
+              <a:latin typeface="+mj-ea"/>
+              <a:ea typeface="+mj-ea"/>
+            </a:endParaRPr>
+          </a:p>
+          <a:p>
+            <a:pPr>
+              <a:spcBef>
+                <a:spcPts val="600"/>
+              </a:spcBef>
+              <a:spcAft>
+                <a:spcPts val="600"/>
+              </a:spcAft>
+            </a:pPr>
+            <a:r>
+              <a:rPr lang="en-US" altLang="zh-CN" sz="2200" dirty="0" err="1" smtClean="0">
+                <a:latin typeface="+mj-ea"/>
+                <a:ea typeface="+mj-ea"/>
+              </a:rPr>
+              <a:t>DataFrame.sort_values</a:t>
+            </a:r>
+            <a:r>
+              <a:rPr lang="en-US" altLang="zh-CN" sz="2200" dirty="0" smtClean="0">
+                <a:latin typeface="+mj-ea"/>
+                <a:ea typeface="+mj-ea"/>
+              </a:rPr>
+              <a:t>(by=0, axis=0</a:t>
+            </a:r>
+            <a:r>
+              <a:rPr lang="en-US" altLang="zh-CN" sz="2200" dirty="0">
+                <a:latin typeface="+mj-ea"/>
+                <a:ea typeface="+mj-ea"/>
+              </a:rPr>
+              <a:t>, </a:t>
+            </a:r>
+            <a:r>
+              <a:rPr lang="en-US" altLang="zh-CN" sz="2200" dirty="0" smtClean="0">
+                <a:latin typeface="+mj-ea"/>
+                <a:ea typeface="+mj-ea"/>
+              </a:rPr>
+              <a:t>ascending=True, kind</a:t>
+            </a:r>
+            <a:r>
+              <a:rPr lang="en-US" altLang="zh-CN" sz="2200" dirty="0">
+                <a:latin typeface="+mj-ea"/>
+                <a:ea typeface="+mj-ea"/>
+              </a:rPr>
+              <a:t>=</a:t>
+            </a:r>
+            <a:r>
+              <a:rPr lang="en-US" altLang="zh-CN" sz="2200" dirty="0" smtClean="0">
+                <a:latin typeface="+mj-ea"/>
+                <a:ea typeface="+mj-ea"/>
+              </a:rPr>
+              <a:t>'quicksort')</a:t>
+            </a:r>
+          </a:p>
+          <a:p>
+            <a:pPr marL="342900" indent="-342900">
+              <a:spcBef>
+                <a:spcPts val="600"/>
+              </a:spcBef>
+              <a:spcAft>
+                <a:spcPts val="600"/>
+              </a:spcAft>
+              <a:buFont typeface="Arial" panose="020B0604020202020204" pitchFamily="34" charset="0"/>
+              <a:buChar char="•"/>
+            </a:pPr>
+            <a:r>
+              <a:rPr lang="en-US" altLang="zh-CN" sz="2200" dirty="0" smtClean="0">
+                <a:latin typeface="+mj-ea"/>
+                <a:ea typeface="+mj-ea"/>
+              </a:rPr>
+              <a:t>by</a:t>
+            </a:r>
+            <a:r>
+              <a:rPr lang="zh-CN" altLang="en-US" sz="2200" smtClean="0">
+                <a:latin typeface="+mj-ea"/>
+                <a:ea typeface="+mj-ea"/>
+              </a:rPr>
+              <a:t>：传入一个字符串，表示对该字符串标签对应的行或列进行排序</a:t>
+            </a:r>
+            <a:endParaRPr lang="en-US" altLang="zh-CN" sz="2200" dirty="0" smtClean="0">
+              <a:latin typeface="+mj-ea"/>
+              <a:ea typeface="+mj-ea"/>
+            </a:endParaRPr>
+          </a:p>
+          <a:p>
+            <a:pPr marL="342900" indent="-342900">
+              <a:spcBef>
+                <a:spcPts val="600"/>
+              </a:spcBef>
+              <a:spcAft>
+                <a:spcPts val="600"/>
+              </a:spcAft>
+              <a:buFont typeface="Arial" panose="020B0604020202020204" pitchFamily="34" charset="0"/>
+              <a:buChar char="•"/>
+            </a:pPr>
+            <a:r>
+              <a:rPr lang="en-US" altLang="zh-CN" sz="2200" dirty="0" smtClean="0">
+                <a:latin typeface="+mj-ea"/>
+                <a:ea typeface="+mj-ea"/>
+              </a:rPr>
+              <a:t>axis</a:t>
+            </a:r>
+            <a:r>
+              <a:rPr lang="zh-CN" altLang="en-US" sz="2200" dirty="0" smtClean="0">
+                <a:latin typeface="+mj-ea"/>
+                <a:ea typeface="+mj-ea"/>
+              </a:rPr>
+              <a:t>：参数为</a:t>
+            </a:r>
+            <a:r>
+              <a:rPr lang="en-US" altLang="zh-CN" sz="2200" dirty="0" smtClean="0">
+                <a:latin typeface="+mj-ea"/>
+                <a:ea typeface="+mj-ea"/>
+              </a:rPr>
+              <a:t>0</a:t>
+            </a:r>
+            <a:r>
+              <a:rPr lang="zh-CN" altLang="en-US" sz="2200" dirty="0" smtClean="0">
+                <a:latin typeface="+mj-ea"/>
+                <a:ea typeface="+mj-ea"/>
+              </a:rPr>
+              <a:t>或</a:t>
+            </a:r>
+            <a:r>
+              <a:rPr lang="en-US" altLang="zh-CN" sz="2200" dirty="0" smtClean="0">
+                <a:latin typeface="+mj-ea"/>
+                <a:ea typeface="+mj-ea"/>
+              </a:rPr>
+              <a:t>1,0</a:t>
+            </a:r>
+            <a:r>
+              <a:rPr lang="zh-CN" altLang="en-US" sz="2200" dirty="0" smtClean="0">
+                <a:latin typeface="+mj-ea"/>
+                <a:ea typeface="+mj-ea"/>
+              </a:rPr>
+              <a:t>表示对行标签进行排序；</a:t>
+            </a:r>
+            <a:r>
+              <a:rPr lang="en-US" altLang="zh-CN" sz="2200" dirty="0" smtClean="0">
+                <a:latin typeface="+mj-ea"/>
+                <a:ea typeface="+mj-ea"/>
+              </a:rPr>
+              <a:t>1</a:t>
+            </a:r>
+            <a:r>
+              <a:rPr lang="zh-CN" altLang="en-US" sz="2200" dirty="0" smtClean="0">
+                <a:latin typeface="+mj-ea"/>
+                <a:ea typeface="+mj-ea"/>
+              </a:rPr>
+              <a:t>表示对列标签进行排序</a:t>
+            </a:r>
+            <a:endParaRPr lang="en-US" altLang="zh-CN" sz="2200" dirty="0" smtClean="0">
+              <a:latin typeface="+mj-ea"/>
+              <a:ea typeface="+mj-ea"/>
+            </a:endParaRPr>
+          </a:p>
+          <a:p>
+            <a:pPr marL="342900" indent="-342900">
+              <a:spcBef>
+                <a:spcPts val="600"/>
+              </a:spcBef>
+              <a:spcAft>
+                <a:spcPts val="600"/>
+              </a:spcAft>
+              <a:buFont typeface="Arial" panose="020B0604020202020204" pitchFamily="34" charset="0"/>
+              <a:buChar char="•"/>
+            </a:pPr>
+            <a:r>
+              <a:rPr lang="en-US" altLang="zh-CN" sz="2200" dirty="0" smtClean="0">
+                <a:latin typeface="+mj-ea"/>
+                <a:ea typeface="+mj-ea"/>
+              </a:rPr>
+              <a:t>ascending</a:t>
+            </a:r>
+            <a:r>
+              <a:rPr lang="zh-CN" altLang="en-US" sz="2200" dirty="0" smtClean="0">
+                <a:latin typeface="+mj-ea"/>
+                <a:ea typeface="+mj-ea"/>
+              </a:rPr>
+              <a:t>：</a:t>
+            </a:r>
+            <a:r>
+              <a:rPr lang="en-US" altLang="zh-CN" sz="2200" dirty="0" smtClean="0">
+                <a:latin typeface="+mj-ea"/>
+                <a:ea typeface="+mj-ea"/>
+              </a:rPr>
+              <a:t>True</a:t>
+            </a:r>
+            <a:r>
+              <a:rPr lang="zh-CN" altLang="en-US" sz="2200" dirty="0" smtClean="0">
+                <a:latin typeface="+mj-ea"/>
+                <a:ea typeface="+mj-ea"/>
+              </a:rPr>
+              <a:t>表示升序，</a:t>
+            </a:r>
+            <a:r>
+              <a:rPr lang="en-US" altLang="zh-CN" sz="2200" dirty="0" smtClean="0">
+                <a:latin typeface="+mj-ea"/>
+                <a:ea typeface="+mj-ea"/>
+              </a:rPr>
+              <a:t>False</a:t>
+            </a:r>
+            <a:r>
+              <a:rPr lang="zh-CN" altLang="en-US" sz="2200" dirty="0" smtClean="0">
+                <a:latin typeface="+mj-ea"/>
+                <a:ea typeface="+mj-ea"/>
+              </a:rPr>
+              <a:t>表示降序</a:t>
+            </a:r>
+            <a:endParaRPr lang="en-US" altLang="zh-CN" sz="2200" dirty="0" smtClean="0">
+              <a:latin typeface="+mj-ea"/>
+              <a:ea typeface="+mj-ea"/>
+            </a:endParaRPr>
+          </a:p>
+          <a:p>
+            <a:pPr marL="342900" indent="-342900">
+              <a:spcBef>
+                <a:spcPts val="600"/>
+              </a:spcBef>
+              <a:spcAft>
+                <a:spcPts val="600"/>
+              </a:spcAft>
+              <a:buFont typeface="Arial" panose="020B0604020202020204" pitchFamily="34" charset="0"/>
+              <a:buChar char="•"/>
+            </a:pPr>
+            <a:r>
+              <a:rPr lang="en-US" altLang="zh-CN" sz="2200" dirty="0" smtClean="0">
+                <a:latin typeface="+mj-ea"/>
+                <a:ea typeface="+mj-ea"/>
+              </a:rPr>
+              <a:t>kind</a:t>
+            </a:r>
+            <a:r>
+              <a:rPr lang="zh-CN" altLang="en-US" sz="2200" dirty="0">
+                <a:latin typeface="+mj-ea"/>
+                <a:ea typeface="+mj-ea"/>
+              </a:rPr>
+              <a:t>：所使用的排序算法，可从</a:t>
+            </a:r>
+            <a:r>
+              <a:rPr lang="en-US" altLang="zh-CN" sz="2200" dirty="0">
+                <a:latin typeface="+mj-ea"/>
+                <a:ea typeface="+mj-ea"/>
+              </a:rPr>
+              <a:t>{'quicksort', '</a:t>
+            </a:r>
+            <a:r>
+              <a:rPr lang="en-US" altLang="zh-CN" sz="2200" dirty="0" err="1">
+                <a:latin typeface="+mj-ea"/>
+                <a:ea typeface="+mj-ea"/>
+              </a:rPr>
+              <a:t>mergesort</a:t>
+            </a:r>
+            <a:r>
+              <a:rPr lang="en-US" altLang="zh-CN" sz="2200" dirty="0">
+                <a:latin typeface="+mj-ea"/>
+                <a:ea typeface="+mj-ea"/>
+              </a:rPr>
+              <a:t>', 'heapsort'}</a:t>
+            </a:r>
+            <a:r>
+              <a:rPr lang="zh-CN" altLang="en-US" sz="2200" dirty="0">
+                <a:latin typeface="+mj-ea"/>
+                <a:ea typeface="+mj-ea"/>
+              </a:rPr>
+              <a:t>中选择</a:t>
+            </a:r>
+            <a:endParaRPr lang="en-US" altLang="zh-CN" sz="2200" dirty="0">
+              <a:latin typeface="+mj-ea"/>
+              <a:ea typeface="+mj-ea"/>
+            </a:endParaRPr>
+          </a:p>
+        </p:txBody>
+      </p:sp>
+    </p:spTree>
+    <p:extLst>
+      <p:ext uri="{BB962C8B-B14F-4D97-AF65-F5344CB8AC3E}">
+        <p14:creationId xmlns:p14="http://schemas.microsoft.com/office/powerpoint/2010/main" val="1371629811"/>
+      </p:ext>
+    </p:extLst>
+  </p:cSld>
+  <p:clrMapOvr>
+    <a:masterClrMapping/>
+  </p:clrMapOvr>
+  <p:timing>
+    <p:tnLst>
+      <p:par>
+        <p:cTn id="1" dur="indefinite" restart="never" nodeType="tmRoot"/>
+      </p:par>
+    </p:tnLst>
+  </p:timing>
+</p:sld>
+</file>
+
+<file path=ppt/slides/slide18.xml><?xml version="1.0" encoding="utf-8"?>
+<p:sld xmlns:a="http://schemas.openxmlformats.org/drawingml/2006/main" xmlns:r="http://schemas.openxmlformats.org/officeDocument/2006/relationships" xmlns:p="http://schemas.openxmlformats.org/presentationml/2006/main">
+  <p:cSld>
+    <p:spTree>
+      <p:nvGrpSpPr>
+        <p:cNvPr id="1" name=""/>
+        <p:cNvGrpSpPr/>
+        <p:nvPr/>
+      </p:nvGrpSpPr>
+      <p:grpSpPr>
+        <a:xfrm>
+          <a:off x="0" y="0"/>
+          <a:ext cx="0" cy="0"/>
+          <a:chOff x="0" y="0"/>
+          <a:chExt cx="0" cy="0"/>
+        </a:xfrm>
+      </p:grpSpPr>
+      <p:sp>
+        <p:nvSpPr>
+          <p:cNvPr id="2" name="标题 1"/>
+          <p:cNvSpPr>
+            <a:spLocks noGrp="1"/>
+          </p:cNvSpPr>
+          <p:nvPr>
+            <p:ph type="title"/>
+          </p:nvPr>
+        </p:nvSpPr>
+        <p:spPr/>
+        <p:txBody>
+          <a:bodyPr/>
+          <a:lstStyle/>
+          <a:p>
+            <a:r>
+              <a:rPr lang="zh-CN" altLang="en-US"/>
+              <a:t>数据分组</a:t>
+            </a:r>
+            <a:r>
+              <a:rPr lang="en-US" altLang="zh-CN">
+                <a:latin typeface="+mj-ea"/>
+              </a:rPr>
+              <a:t>(groupby)</a:t>
+            </a:r>
+          </a:p>
+        </p:txBody>
+      </p:sp>
+      <p:sp>
+        <p:nvSpPr>
+          <p:cNvPr id="3" name="内容占位符 2"/>
+          <p:cNvSpPr>
+            <a:spLocks noGrp="1"/>
+          </p:cNvSpPr>
+          <p:nvPr>
+            <p:ph idx="1"/>
+          </p:nvPr>
+        </p:nvSpPr>
+        <p:spPr>
+          <a:xfrm>
+            <a:off x="677334" y="1515979"/>
+            <a:ext cx="9152466" cy="4525383"/>
+          </a:xfrm>
+        </p:spPr>
+        <p:txBody>
+          <a:bodyPr>
+            <a:normAutofit/>
+          </a:bodyPr>
+          <a:lstStyle/>
+          <a:p>
+            <a:pPr marL="0" indent="0">
+              <a:buNone/>
+            </a:pPr>
+            <a:endParaRPr lang="en-US" altLang="zh-CN" smtClean="0"/>
+          </a:p>
+          <a:p>
+            <a:pPr marL="0" indent="0">
+              <a:buNone/>
+            </a:pPr>
+            <a:r>
+              <a:rPr lang="zh-CN" altLang="en-US" smtClean="0"/>
+              <a:t>数据</a:t>
+            </a:r>
+            <a:r>
+              <a:rPr lang="zh-CN" altLang="en-US"/>
+              <a:t>分组的含义包含</a:t>
+            </a:r>
+            <a:r>
+              <a:rPr lang="en-US" altLang="zh-CN"/>
+              <a:t>3</a:t>
+            </a:r>
+            <a:r>
+              <a:rPr lang="zh-CN" altLang="en-US"/>
+              <a:t>个方面</a:t>
+            </a:r>
+            <a:r>
+              <a:rPr lang="zh-CN" altLang="en-US" smtClean="0"/>
+              <a:t>：</a:t>
+            </a:r>
+            <a:endParaRPr lang="en-US" altLang="zh-CN" smtClean="0"/>
+          </a:p>
+          <a:p>
+            <a:r>
+              <a:rPr lang="en-US" altLang="zh-CN" smtClean="0"/>
+              <a:t>1</a:t>
+            </a:r>
+            <a:r>
+              <a:rPr lang="en-US" altLang="zh-CN"/>
+              <a:t>. Split</a:t>
+            </a:r>
+            <a:r>
+              <a:rPr lang="zh-CN" altLang="en-US"/>
+              <a:t>：将数据按照一定的标准进行分类</a:t>
+            </a:r>
+            <a:r>
+              <a:rPr lang="zh-CN" altLang="en-US" smtClean="0"/>
+              <a:t>。</a:t>
+            </a:r>
+            <a:endParaRPr lang="en-US" altLang="zh-CN" smtClean="0"/>
+          </a:p>
+          <a:p>
+            <a:r>
+              <a:rPr lang="en-US" altLang="zh-CN" smtClean="0"/>
+              <a:t>2</a:t>
+            </a:r>
+            <a:r>
+              <a:rPr lang="en-US" altLang="zh-CN"/>
+              <a:t>. Apply</a:t>
+            </a:r>
+            <a:r>
+              <a:rPr lang="zh-CN" altLang="en-US"/>
+              <a:t>：对于每一个类别的数据，进行特定的操作</a:t>
+            </a:r>
+            <a:r>
+              <a:rPr lang="zh-CN" altLang="en-US" smtClean="0"/>
+              <a:t>。</a:t>
+            </a:r>
+            <a:endParaRPr lang="en-US" altLang="zh-CN" smtClean="0"/>
+          </a:p>
+          <a:p>
+            <a:r>
+              <a:rPr lang="en-US" altLang="zh-CN" smtClean="0"/>
+              <a:t>3</a:t>
+            </a:r>
+            <a:r>
+              <a:rPr lang="en-US" altLang="zh-CN"/>
+              <a:t>. Combine</a:t>
+            </a:r>
+            <a:r>
+              <a:rPr lang="zh-CN" altLang="en-US"/>
+              <a:t>：将经过操作的所有类别的数据重新按照某种方式组合起来 。</a:t>
+            </a:r>
+          </a:p>
+        </p:txBody>
+      </p:sp>
+    </p:spTree>
+    <p:extLst>
+      <p:ext uri="{BB962C8B-B14F-4D97-AF65-F5344CB8AC3E}">
+        <p14:creationId xmlns:p14="http://schemas.microsoft.com/office/powerpoint/2010/main" val="91532062"/>
+      </p:ext>
+    </p:extLst>
+  </p:cSld>
+  <p:clrMapOvr>
+    <a:masterClrMapping/>
+  </p:clrMapOvr>
+  <p:timing>
+    <p:tnLst>
+      <p:par>
+        <p:cTn id="1" dur="indefinite" restart="never" nodeType="tmRoot"/>
+      </p:par>
+    </p:tnLst>
+  </p:timing>
+</p:sld>
+</file>
+
+<file path=ppt/slides/slide19.xml><?xml version="1.0" encoding="utf-8"?>
+<p:sld xmlns:a="http://schemas.openxmlformats.org/drawingml/2006/main" xmlns:r="http://schemas.openxmlformats.org/officeDocument/2006/relationships" xmlns:p="http://schemas.openxmlformats.org/presentationml/2006/main">
+  <p:cSld>
+    <p:spTree>
+      <p:nvGrpSpPr>
+        <p:cNvPr id="1" name=""/>
+        <p:cNvGrpSpPr/>
+        <p:nvPr/>
+      </p:nvGrpSpPr>
+      <p:grpSpPr>
+        <a:xfrm>
+          <a:off x="0" y="0"/>
+          <a:ext cx="0" cy="0"/>
+          <a:chOff x="0" y="0"/>
+          <a:chExt cx="0" cy="0"/>
+        </a:xfrm>
+      </p:grpSpPr>
+      <p:sp>
+        <p:nvSpPr>
+          <p:cNvPr id="4" name="内容占位符 2"/>
+          <p:cNvSpPr txBox="1">
+            <a:spLocks/>
+          </p:cNvSpPr>
+          <p:nvPr/>
+        </p:nvSpPr>
+        <p:spPr>
+          <a:xfrm>
+            <a:off x="165100" y="139700"/>
+            <a:ext cx="6045200" cy="6489700"/>
+          </a:xfrm>
+          <a:prstGeom prst="rect">
+            <a:avLst/>
+          </a:prstGeom>
+        </p:spPr>
+        <p:txBody>
+          <a:bodyPr vert="horz" lIns="91440" tIns="45720" rIns="91440" bIns="45720" rtlCol="0">
+            <a:noAutofit/>
+          </a:bodyPr>
+          <a:lstStyle>
+            <a:lvl1pPr marL="0" indent="0" algn="ctr" defTabSz="914400" rtl="0" eaLnBrk="1" latinLnBrk="0" hangingPunct="1">
+              <a:lnSpc>
+                <a:spcPct val="90000"/>
+              </a:lnSpc>
+              <a:spcBef>
+                <a:spcPts val="1000"/>
+              </a:spcBef>
+              <a:buFont typeface="Arial" panose="020B0604020202020204" pitchFamily="34" charset="0"/>
+              <a:buNone/>
+              <a:defRPr sz="2400" kern="1200">
+                <a:solidFill>
+                  <a:schemeClr val="tx1"/>
+                </a:solidFill>
+                <a:latin typeface="+mn-lt"/>
+                <a:ea typeface="+mn-ea"/>
+                <a:cs typeface="+mn-cs"/>
+              </a:defRPr>
+            </a:lvl1pPr>
+            <a:lvl2pPr marL="457200" indent="0" algn="ctr" defTabSz="914400" rtl="0" eaLnBrk="1" latinLnBrk="0" hangingPunct="1">
+              <a:lnSpc>
+                <a:spcPct val="90000"/>
+              </a:lnSpc>
+              <a:spcBef>
+                <a:spcPts val="500"/>
+              </a:spcBef>
+              <a:buFont typeface="Arial" panose="020B0604020202020204" pitchFamily="34" charset="0"/>
+              <a:buNone/>
+              <a:defRPr sz="2000" kern="1200">
+                <a:solidFill>
+                  <a:schemeClr val="tx1"/>
+                </a:solidFill>
+                <a:latin typeface="+mn-lt"/>
+                <a:ea typeface="+mn-ea"/>
+                <a:cs typeface="+mn-cs"/>
+              </a:defRPr>
+            </a:lvl2pPr>
+            <a:lvl3pPr marL="914400" indent="0" algn="ctr" defTabSz="914400" rtl="0" eaLnBrk="1" latinLnBrk="0" hangingPunct="1">
+              <a:lnSpc>
+                <a:spcPct val="90000"/>
+              </a:lnSpc>
+              <a:spcBef>
+                <a:spcPts val="500"/>
+              </a:spcBef>
+              <a:buFont typeface="Arial" panose="020B0604020202020204" pitchFamily="34" charset="0"/>
+              <a:buNone/>
+              <a:defRPr sz="1800" kern="1200">
+                <a:solidFill>
+                  <a:schemeClr val="tx1"/>
+                </a:solidFill>
+                <a:latin typeface="+mn-lt"/>
+                <a:ea typeface="+mn-ea"/>
+                <a:cs typeface="+mn-cs"/>
+              </a:defRPr>
+            </a:lvl3pPr>
+            <a:lvl4pPr marL="1371600" indent="0" algn="ctr" defTabSz="914400" rtl="0" eaLnBrk="1" latinLnBrk="0" hangingPunct="1">
+              <a:lnSpc>
+                <a:spcPct val="90000"/>
+              </a:lnSpc>
+              <a:spcBef>
+                <a:spcPts val="500"/>
+              </a:spcBef>
+              <a:buFont typeface="Arial" panose="020B0604020202020204" pitchFamily="34" charset="0"/>
+              <a:buNone/>
+              <a:defRPr sz="1600" kern="1200">
+                <a:solidFill>
+                  <a:schemeClr val="tx1"/>
+                </a:solidFill>
+                <a:latin typeface="+mn-lt"/>
+                <a:ea typeface="+mn-ea"/>
+                <a:cs typeface="+mn-cs"/>
+              </a:defRPr>
+            </a:lvl4pPr>
+            <a:lvl5pPr marL="1828800" indent="0" algn="ctr" defTabSz="914400" rtl="0" eaLnBrk="1" latinLnBrk="0" hangingPunct="1">
+              <a:lnSpc>
+                <a:spcPct val="90000"/>
+              </a:lnSpc>
+              <a:spcBef>
+                <a:spcPts val="500"/>
+              </a:spcBef>
+              <a:buFont typeface="Arial" panose="020B0604020202020204" pitchFamily="34" charset="0"/>
+              <a:buNone/>
+              <a:defRPr sz="1600" kern="1200">
+                <a:solidFill>
+                  <a:schemeClr val="tx1"/>
+                </a:solidFill>
+                <a:latin typeface="+mn-lt"/>
+                <a:ea typeface="+mn-ea"/>
+                <a:cs typeface="+mn-cs"/>
+              </a:defRPr>
+            </a:lvl5pPr>
+            <a:lvl6pPr marL="2286000" indent="0" algn="ctr" defTabSz="914400" rtl="0" eaLnBrk="1" latinLnBrk="0" hangingPunct="1">
+              <a:lnSpc>
+                <a:spcPct val="90000"/>
+              </a:lnSpc>
+              <a:spcBef>
+                <a:spcPts val="500"/>
+              </a:spcBef>
+              <a:buFont typeface="Arial" panose="020B0604020202020204" pitchFamily="34" charset="0"/>
+              <a:buNone/>
+              <a:defRPr sz="1600" kern="1200">
+                <a:solidFill>
+                  <a:schemeClr val="tx1"/>
+                </a:solidFill>
+                <a:latin typeface="+mn-lt"/>
+                <a:ea typeface="+mn-ea"/>
+                <a:cs typeface="+mn-cs"/>
+              </a:defRPr>
+            </a:lvl6pPr>
+            <a:lvl7pPr marL="2743200" indent="0" algn="ctr" defTabSz="914400" rtl="0" eaLnBrk="1" latinLnBrk="0" hangingPunct="1">
+              <a:lnSpc>
+                <a:spcPct val="90000"/>
+              </a:lnSpc>
+              <a:spcBef>
+                <a:spcPts val="500"/>
+              </a:spcBef>
+              <a:buFont typeface="Arial" panose="020B0604020202020204" pitchFamily="34" charset="0"/>
+              <a:buNone/>
+              <a:defRPr sz="1600" kern="1200">
+                <a:solidFill>
+                  <a:schemeClr val="tx1"/>
+                </a:solidFill>
+                <a:latin typeface="+mn-lt"/>
+                <a:ea typeface="+mn-ea"/>
+                <a:cs typeface="+mn-cs"/>
+              </a:defRPr>
+            </a:lvl7pPr>
+            <a:lvl8pPr marL="3200400" indent="0" algn="ctr" defTabSz="914400" rtl="0" eaLnBrk="1" latinLnBrk="0" hangingPunct="1">
+              <a:lnSpc>
+                <a:spcPct val="90000"/>
+              </a:lnSpc>
+              <a:spcBef>
+                <a:spcPts val="500"/>
+              </a:spcBef>
+              <a:buFont typeface="Arial" panose="020B0604020202020204" pitchFamily="34" charset="0"/>
+              <a:buNone/>
+              <a:defRPr sz="1600" kern="1200">
+                <a:solidFill>
+                  <a:schemeClr val="tx1"/>
+                </a:solidFill>
+                <a:latin typeface="+mn-lt"/>
+                <a:ea typeface="+mn-ea"/>
+                <a:cs typeface="+mn-cs"/>
+              </a:defRPr>
+            </a:lvl8pPr>
+            <a:lvl9pPr marL="3657600" indent="0" algn="ctr" defTabSz="914400" rtl="0" eaLnBrk="1" latinLnBrk="0" hangingPunct="1">
+              <a:lnSpc>
+                <a:spcPct val="90000"/>
+              </a:lnSpc>
+              <a:spcBef>
+                <a:spcPts val="500"/>
+              </a:spcBef>
+              <a:buFont typeface="Arial" panose="020B0604020202020204" pitchFamily="34" charset="0"/>
+              <a:buNone/>
+              <a:defRPr sz="1600" kern="1200">
+                <a:solidFill>
+                  <a:schemeClr val="tx1"/>
+                </a:solidFill>
+                <a:latin typeface="+mn-lt"/>
+                <a:ea typeface="+mn-ea"/>
+                <a:cs typeface="+mn-cs"/>
+              </a:defRPr>
+            </a:lvl9pPr>
+          </a:lstStyle>
+          <a:p>
+            <a:pPr algn="l"/>
+            <a:r>
+              <a:rPr lang="en-US" altLang="zh-CN" sz="2500" smtClean="0"/>
+              <a:t>import pandas as pd</a:t>
+            </a:r>
+          </a:p>
+          <a:p>
+            <a:pPr algn="l"/>
+            <a:r>
+              <a:rPr lang="en-US" altLang="zh-CN" sz="2500" smtClean="0"/>
+              <a:t>import numpy as np</a:t>
+            </a:r>
+          </a:p>
+          <a:p>
+            <a:pPr algn="l"/>
+            <a:endParaRPr lang="en-US" altLang="zh-CN" sz="2500" smtClean="0"/>
+          </a:p>
+          <a:p>
+            <a:pPr algn="l"/>
+            <a:r>
+              <a:rPr lang="en-US" altLang="zh-CN" sz="2500" smtClean="0"/>
+              <a:t>df = pd.DataFrame({'A' : ['foo', 'bar', 'foo', 'bar', 'foo', 'bar', 'foo', 'foo'],</a:t>
+            </a:r>
+          </a:p>
+          <a:p>
+            <a:pPr algn="l"/>
+            <a:r>
+              <a:rPr lang="en-US" altLang="zh-CN" sz="2500" smtClean="0"/>
+              <a:t>                  'C' : np.random.randn(8),</a:t>
+            </a:r>
+          </a:p>
+          <a:p>
+            <a:pPr algn="l"/>
+            <a:r>
+              <a:rPr lang="en-US" altLang="zh-CN" sz="2500" smtClean="0"/>
+              <a:t>                  'D' : np.random.randn(8),</a:t>
+            </a:r>
+          </a:p>
+          <a:p>
+            <a:pPr algn="l"/>
+            <a:r>
+              <a:rPr lang="en-US" altLang="zh-CN" sz="2500" smtClean="0"/>
+              <a:t>                  'B' : ['one', 'one', 'two', 'three',</a:t>
+            </a:r>
+          </a:p>
+          <a:p>
+            <a:pPr algn="l"/>
+            <a:r>
+              <a:rPr lang="en-US" altLang="zh-CN" sz="2500" smtClean="0"/>
+              <a:t>                        'two', 'two', 'one', 'three']</a:t>
+            </a:r>
+          </a:p>
+          <a:p>
+            <a:pPr algn="l"/>
+            <a:r>
+              <a:rPr lang="en-US" altLang="zh-CN" sz="2500" smtClean="0"/>
+              <a:t>                  })</a:t>
+            </a:r>
+          </a:p>
+          <a:p>
+            <a:pPr algn="l"/>
+            <a:endParaRPr lang="en-US" altLang="zh-CN" sz="2500" smtClean="0"/>
+          </a:p>
+          <a:p>
+            <a:pPr algn="l"/>
+            <a:r>
+              <a:rPr lang="en-US" altLang="zh-CN" sz="2500" smtClean="0"/>
+              <a:t># </a:t>
+            </a:r>
+            <a:r>
+              <a:rPr lang="zh-CN" altLang="en-US" sz="2500" smtClean="0"/>
+              <a:t>指定</a:t>
+            </a:r>
+            <a:r>
+              <a:rPr lang="en-US" altLang="zh-CN" sz="2500" smtClean="0"/>
+              <a:t>colomn</a:t>
+            </a:r>
+            <a:r>
+              <a:rPr lang="zh-CN" altLang="en-US" sz="2500" smtClean="0"/>
+              <a:t>进行分组</a:t>
+            </a:r>
+            <a:endParaRPr lang="en-US" altLang="zh-CN" sz="2500" smtClean="0"/>
+          </a:p>
+          <a:p>
+            <a:pPr algn="l"/>
+            <a:r>
+              <a:rPr lang="en-US" altLang="zh-CN" sz="2500" smtClean="0">
+                <a:solidFill>
+                  <a:srgbClr val="FF0000"/>
+                </a:solidFill>
+              </a:rPr>
+              <a:t>grouped = df.groupby(['A', 'B'])</a:t>
+            </a:r>
+          </a:p>
+          <a:p>
+            <a:pPr algn="l"/>
+            <a:r>
+              <a:rPr lang="en-US" altLang="zh-CN" sz="2500" smtClean="0"/>
+              <a:t>print(grouped.groups)</a:t>
+            </a:r>
+          </a:p>
+        </p:txBody>
+      </p:sp>
+      <p:sp>
+        <p:nvSpPr>
+          <p:cNvPr id="5" name="文本框 4"/>
+          <p:cNvSpPr txBox="1"/>
+          <p:nvPr/>
+        </p:nvSpPr>
+        <p:spPr>
+          <a:xfrm>
+            <a:off x="6210300" y="647700"/>
+            <a:ext cx="5816600" cy="2954655"/>
+          </a:xfrm>
+          <a:prstGeom prst="rect">
+            <a:avLst/>
+          </a:prstGeom>
+          <a:solidFill>
+            <a:schemeClr val="accent1">
+              <a:lumMod val="20000"/>
+              <a:lumOff val="80000"/>
+            </a:schemeClr>
+          </a:solidFill>
+        </p:spPr>
+        <p:txBody>
+          <a:bodyPr wrap="square" rtlCol="0">
+            <a:spAutoFit/>
+          </a:bodyPr>
+          <a:lstStyle/>
+          <a:p>
+            <a:r>
+              <a:rPr lang="en-US" altLang="zh-CN" sz="2400" smtClean="0"/>
+              <a:t># </a:t>
+            </a:r>
+            <a:r>
+              <a:rPr lang="zh-CN" altLang="en-US" sz="2400" smtClean="0"/>
+              <a:t>输出结果：</a:t>
+            </a:r>
+          </a:p>
+          <a:p>
+            <a:r>
+              <a:rPr lang="en-US" altLang="zh-CN" sz="2400" smtClean="0"/>
+              <a:t>{('bar', 'one'): Int64Index([1], dtype='int64'), ('bar', 'three'): Int64Index([3], dtype='int64'), ('bar', 'two'): Int64Index([5], dtype='int64'), ('foo', 'one'): Int64Index([0, 6], dtype='int64'), </a:t>
+            </a:r>
+          </a:p>
+          <a:p>
+            <a:r>
+              <a:rPr lang="en-US" altLang="zh-CN" sz="2400" smtClean="0"/>
+              <a:t>('foo', 'three'): Int64Index([7], dtype='int64'), ('foo', 'two'): Int64Index([2, 4], dtype='int64')}</a:t>
+            </a:r>
+            <a:endParaRPr lang="zh-CN" altLang="en-US" sz="2400" smtClean="0"/>
+          </a:p>
+          <a:p>
+            <a:endParaRPr lang="zh-CN" altLang="en-US"/>
+          </a:p>
+        </p:txBody>
+      </p:sp>
+    </p:spTree>
+    <p:extLst>
+      <p:ext uri="{BB962C8B-B14F-4D97-AF65-F5344CB8AC3E}">
+        <p14:creationId xmlns:p14="http://schemas.microsoft.com/office/powerpoint/2010/main" val="3391918770"/>
+      </p:ext>
+    </p:extLst>
+  </p:cSld>
+  <p:clrMapOvr>
+    <a:masterClrMapping/>
+  </p:clrMapOvr>
+</p:sld>
+</file>
+
+<file path=ppt/slides/slide2.xml><?xml version="1.0" encoding="utf-8"?>
+<p:sld xmlns:a="http://schemas.openxmlformats.org/drawingml/2006/main" xmlns:r="http://schemas.openxmlformats.org/officeDocument/2006/relationships" xmlns:p="http://schemas.openxmlformats.org/presentationml/2006/main">
+  <p:cSld>
+    <p:spTree>
+      <p:nvGrpSpPr>
+        <p:cNvPr id="1" name=""/>
+        <p:cNvGrpSpPr/>
+        <p:nvPr/>
+      </p:nvGrpSpPr>
+      <p:grpSpPr>
+        <a:xfrm>
+          <a:off x="0" y="0"/>
+          <a:ext cx="0" cy="0"/>
+          <a:chOff x="0" y="0"/>
+          <a:chExt cx="0" cy="0"/>
+        </a:xfrm>
+      </p:grpSpPr>
+      <p:sp>
+        <p:nvSpPr>
+          <p:cNvPr id="2" name="标题 1"/>
+          <p:cNvSpPr>
+            <a:spLocks noGrp="1"/>
+          </p:cNvSpPr>
+          <p:nvPr>
+            <p:ph type="title"/>
+          </p:nvPr>
+        </p:nvSpPr>
+        <p:spPr/>
+        <p:txBody>
+          <a:bodyPr/>
+          <a:lstStyle/>
+          <a:p>
+            <a:r>
+              <a:rPr lang="en-US" altLang="zh-CN" smtClean="0">
+                <a:latin typeface="微软雅黑" panose="020B0503020204020204" pitchFamily="34" charset="-122"/>
+                <a:ea typeface="微软雅黑" panose="020B0503020204020204" pitchFamily="34" charset="-122"/>
+              </a:rPr>
+              <a:t>Pandas </a:t>
+            </a:r>
+            <a:r>
+              <a:rPr lang="zh-CN" altLang="en-US" smtClean="0">
+                <a:latin typeface="微软雅黑" panose="020B0503020204020204" pitchFamily="34" charset="-122"/>
+                <a:ea typeface="微软雅黑" panose="020B0503020204020204" pitchFamily="34" charset="-122"/>
+              </a:rPr>
+              <a:t>简介</a:t>
+            </a:r>
+            <a:endParaRPr lang="zh-CN" altLang="en-US">
+              <a:latin typeface="微软雅黑" panose="020B0503020204020204" pitchFamily="34" charset="-122"/>
+              <a:ea typeface="微软雅黑" panose="020B0503020204020204" pitchFamily="34" charset="-122"/>
+            </a:endParaRPr>
+          </a:p>
+        </p:txBody>
+      </p:sp>
+      <p:sp>
+        <p:nvSpPr>
+          <p:cNvPr id="3" name="内容占位符 2"/>
+          <p:cNvSpPr>
+            <a:spLocks noGrp="1"/>
+          </p:cNvSpPr>
+          <p:nvPr>
+            <p:ph idx="1"/>
+          </p:nvPr>
+        </p:nvSpPr>
+        <p:spPr>
+          <a:xfrm>
+            <a:off x="677334" y="1515979"/>
+            <a:ext cx="9152466" cy="4525383"/>
+          </a:xfrm>
+        </p:spPr>
+        <p:txBody>
+          <a:bodyPr/>
+          <a:lstStyle/>
+          <a:p>
+            <a:r>
+              <a:rPr lang="en-US" altLang="zh-CN"/>
+              <a:t>Pandas </a:t>
+            </a:r>
+            <a:r>
+              <a:rPr lang="zh-CN" altLang="en-US"/>
+              <a:t>是一个 </a:t>
+            </a:r>
+            <a:r>
+              <a:rPr lang="en-US" altLang="zh-CN"/>
+              <a:t>Python </a:t>
+            </a:r>
+            <a:r>
+              <a:rPr lang="zh-CN" altLang="en-US"/>
+              <a:t>的开源项目</a:t>
+            </a:r>
+            <a:r>
+              <a:rPr lang="zh-CN" altLang="en-US" smtClean="0"/>
+              <a:t>，</a:t>
+            </a:r>
+            <a:r>
+              <a:rPr lang="zh-CN" altLang="en-US"/>
+              <a:t>纳入了大量库和一些标准的数据模型，提供了高效地操作大型数据集所需的工具</a:t>
+            </a:r>
+            <a:r>
+              <a:rPr lang="zh-CN" altLang="en-US" smtClean="0"/>
+              <a:t>。</a:t>
+            </a:r>
+            <a:endParaRPr lang="en-US" altLang="zh-CN" smtClean="0"/>
+          </a:p>
+          <a:p>
+            <a:r>
+              <a:rPr lang="en-US" altLang="zh-CN" smtClean="0"/>
+              <a:t>2008</a:t>
+            </a:r>
+            <a:r>
+              <a:rPr lang="zh-CN" altLang="en-US" smtClean="0"/>
+              <a:t>年</a:t>
+            </a:r>
+            <a:r>
+              <a:rPr lang="en-US" altLang="zh-CN" smtClean="0"/>
+              <a:t>Wes McKinney</a:t>
+            </a:r>
+            <a:r>
+              <a:rPr lang="zh-CN" altLang="en-US" smtClean="0"/>
+              <a:t>在</a:t>
+            </a:r>
+            <a:r>
+              <a:rPr lang="en-US" altLang="zh-CN" smtClean="0"/>
+              <a:t>AQR </a:t>
+            </a:r>
+            <a:r>
+              <a:rPr lang="en-US" altLang="zh-CN"/>
+              <a:t>Capital </a:t>
+            </a:r>
+            <a:r>
+              <a:rPr lang="en-US" altLang="zh-CN" smtClean="0"/>
+              <a:t>Management</a:t>
+            </a:r>
+            <a:r>
+              <a:rPr lang="zh-CN" altLang="en-US" smtClean="0"/>
+              <a:t>工作时，出于处理分析金融大数据的需要开始开发</a:t>
+            </a:r>
+            <a:r>
+              <a:rPr lang="en-US" altLang="zh-CN" smtClean="0"/>
+              <a:t>Pandas</a:t>
+            </a:r>
+          </a:p>
+          <a:p>
+            <a:r>
+              <a:rPr lang="zh-CN" altLang="en-US" smtClean="0"/>
+              <a:t>离开公司后将项目开源</a:t>
+            </a:r>
+            <a:endParaRPr lang="en-US" altLang="zh-CN" smtClean="0"/>
+          </a:p>
+          <a:p>
+            <a:r>
+              <a:rPr lang="en-US" altLang="zh-CN" smtClean="0"/>
+              <a:t>2015</a:t>
+            </a:r>
+            <a:r>
+              <a:rPr lang="zh-CN" altLang="en-US" smtClean="0"/>
+              <a:t>年开始受到非盈利机构</a:t>
+            </a:r>
+            <a:r>
+              <a:rPr lang="en-US" altLang="zh-CN" smtClean="0"/>
+              <a:t>NumFOCUS</a:t>
+            </a:r>
+            <a:r>
+              <a:rPr lang="zh-CN" altLang="en-US" smtClean="0"/>
+              <a:t>的支持</a:t>
+            </a:r>
+            <a:endParaRPr lang="en-US" altLang="zh-CN" smtClean="0"/>
+          </a:p>
+          <a:p>
+            <a:endParaRPr lang="en-US" altLang="zh-CN" smtClean="0"/>
+          </a:p>
+          <a:p>
+            <a:r>
+              <a:rPr lang="zh-CN" altLang="en-US" smtClean="0"/>
+              <a:t>依赖与兼容：</a:t>
+            </a:r>
+            <a:r>
+              <a:rPr lang="en-US" altLang="zh-CN" smtClean="0"/>
+              <a:t>numpy</a:t>
+            </a:r>
+            <a:r>
+              <a:rPr lang="zh-CN" altLang="en-US" smtClean="0"/>
+              <a:t>，</a:t>
+            </a:r>
+            <a:r>
+              <a:rPr lang="en-US" altLang="zh-CN" smtClean="0"/>
+              <a:t>matplotlib</a:t>
+            </a:r>
+            <a:r>
+              <a:rPr lang="zh-CN" altLang="en-US" smtClean="0"/>
+              <a:t>，</a:t>
+            </a:r>
+            <a:r>
+              <a:rPr lang="en-US" altLang="zh-CN" smtClean="0"/>
+              <a:t>pytz</a:t>
+            </a:r>
+            <a:r>
+              <a:rPr lang="zh-CN" altLang="en-US" smtClean="0"/>
+              <a:t>等</a:t>
+            </a:r>
+            <a:endParaRPr lang="en-US" altLang="zh-CN" smtClean="0"/>
+          </a:p>
+          <a:p>
+            <a:r>
+              <a:rPr lang="zh-CN" altLang="en-US" smtClean="0"/>
+              <a:t>官方网站：</a:t>
+            </a:r>
+            <a:r>
+              <a:rPr lang="en-US" altLang="zh-CN" smtClean="0">
+                <a:hlinkClick r:id="rId2"/>
+              </a:rPr>
+              <a:t>http</a:t>
+            </a:r>
+            <a:r>
+              <a:rPr lang="en-US" altLang="zh-CN">
+                <a:hlinkClick r:id="rId2"/>
+              </a:rPr>
+              <a:t>://</a:t>
+            </a:r>
+            <a:r>
+              <a:rPr lang="en-US" altLang="zh-CN" smtClean="0">
+                <a:hlinkClick r:id="rId2"/>
+              </a:rPr>
+              <a:t>pandas.pydata.org</a:t>
+            </a:r>
+            <a:r>
+              <a:rPr lang="en-US" altLang="zh-CN" smtClean="0"/>
+              <a:t> </a:t>
+            </a:r>
+            <a:endParaRPr lang="en-US" altLang="zh-CN"/>
+          </a:p>
+          <a:p>
+            <a:endParaRPr lang="zh-CN" altLang="en-US"/>
+          </a:p>
+        </p:txBody>
+      </p:sp>
+    </p:spTree>
+    <p:extLst>
+      <p:ext uri="{BB962C8B-B14F-4D97-AF65-F5344CB8AC3E}">
+        <p14:creationId xmlns:p14="http://schemas.microsoft.com/office/powerpoint/2010/main" val="1188188020"/>
+      </p:ext>
+    </p:extLst>
+  </p:cSld>
+  <p:clrMapOvr>
+    <a:masterClrMapping/>
+  </p:clrMapOvr>
+  <p:timing>
+    <p:tnLst>
+      <p:par>
+        <p:cTn id="1" dur="indefinite" restart="never" nodeType="tmRoot"/>
+      </p:par>
+    </p:tnLst>
+  </p:timing>
+</p:sld>
+</file>
+
+<file path=ppt/slides/slide20.xml><?xml version="1.0" encoding="utf-8"?>
+<p:sld xmlns:a="http://schemas.openxmlformats.org/drawingml/2006/main" xmlns:r="http://schemas.openxmlformats.org/officeDocument/2006/relationships" xmlns:p="http://schemas.openxmlformats.org/presentationml/2006/main">
+  <p:cSld>
+    <p:spTree>
+      <p:nvGrpSpPr>
+        <p:cNvPr id="1" name=""/>
+        <p:cNvGrpSpPr/>
+        <p:nvPr/>
+      </p:nvGrpSpPr>
+      <p:grpSpPr>
+        <a:xfrm>
+          <a:off x="0" y="0"/>
+          <a:ext cx="0" cy="0"/>
+          <a:chOff x="0" y="0"/>
+          <a:chExt cx="0" cy="0"/>
+        </a:xfrm>
+      </p:grpSpPr>
+      <p:sp>
+        <p:nvSpPr>
+          <p:cNvPr id="2" name="标题 1"/>
+          <p:cNvSpPr>
+            <a:spLocks noGrp="1"/>
+          </p:cNvSpPr>
+          <p:nvPr>
+            <p:ph type="title"/>
+          </p:nvPr>
+        </p:nvSpPr>
+        <p:spPr/>
+        <p:txBody>
+          <a:bodyPr/>
+          <a:lstStyle/>
+          <a:p>
+            <a:r>
+              <a:rPr lang="zh-CN" altLang="en-US" smtClean="0"/>
+              <a:t>分组之后的操作</a:t>
+            </a:r>
+            <a:endParaRPr lang="zh-CN" altLang="en-US"/>
+          </a:p>
+        </p:txBody>
+      </p:sp>
+      <p:sp>
+        <p:nvSpPr>
+          <p:cNvPr id="3" name="内容占位符 2"/>
+          <p:cNvSpPr>
+            <a:spLocks noGrp="1"/>
+          </p:cNvSpPr>
+          <p:nvPr>
+            <p:ph idx="1"/>
+          </p:nvPr>
+        </p:nvSpPr>
+        <p:spPr/>
+        <p:txBody>
+          <a:bodyPr/>
+          <a:lstStyle/>
+          <a:p>
+            <a:r>
+              <a:rPr lang="en-US" altLang="zh-CN" smtClean="0"/>
+              <a:t>Aggregation </a:t>
+            </a:r>
+            <a:r>
+              <a:rPr lang="zh-CN" altLang="en-US"/>
+              <a:t>：计算类别内数据的总体特征，如和、均值、</a:t>
+            </a:r>
+            <a:r>
+              <a:rPr lang="zh-CN" altLang="en-US" smtClean="0"/>
+              <a:t>维数</a:t>
+            </a:r>
+            <a:endParaRPr lang="en-US" altLang="zh-CN" smtClean="0"/>
+          </a:p>
+          <a:p>
+            <a:r>
+              <a:rPr lang="en-US" altLang="zh-CN" smtClean="0"/>
+              <a:t>Transformation </a:t>
+            </a:r>
+            <a:r>
+              <a:rPr lang="zh-CN" altLang="en-US"/>
+              <a:t>：对类内数据总体进行处理，如标准化、填补</a:t>
+            </a:r>
+            <a:r>
+              <a:rPr lang="en-US" altLang="zh-CN" smtClean="0"/>
+              <a:t>NA</a:t>
+            </a:r>
+          </a:p>
+          <a:p>
+            <a:r>
+              <a:rPr lang="en-US" altLang="zh-CN" smtClean="0"/>
+              <a:t>Filtration </a:t>
+            </a:r>
+            <a:r>
+              <a:rPr lang="zh-CN" altLang="en-US"/>
+              <a:t>：对某些类别的数据进行丢弃、筛选等</a:t>
+            </a:r>
+          </a:p>
+        </p:txBody>
+      </p:sp>
+    </p:spTree>
+    <p:extLst>
+      <p:ext uri="{BB962C8B-B14F-4D97-AF65-F5344CB8AC3E}">
+        <p14:creationId xmlns:p14="http://schemas.microsoft.com/office/powerpoint/2010/main" val="1036409566"/>
+      </p:ext>
+    </p:extLst>
+  </p:cSld>
+  <p:clrMapOvr>
+    <a:masterClrMapping/>
+  </p:clrMapOvr>
+</p:sld>
+</file>
+
+<file path=ppt/slides/slide21.xml><?xml version="1.0" encoding="utf-8"?>
+<p:sld xmlns:a="http://schemas.openxmlformats.org/drawingml/2006/main" xmlns:r="http://schemas.openxmlformats.org/officeDocument/2006/relationships" xmlns:p="http://schemas.openxmlformats.org/presentationml/2006/main">
+  <p:cSld>
+    <p:spTree>
+      <p:nvGrpSpPr>
+        <p:cNvPr id="1" name=""/>
+        <p:cNvGrpSpPr/>
+        <p:nvPr/>
+      </p:nvGrpSpPr>
+      <p:grpSpPr>
+        <a:xfrm>
+          <a:off x="0" y="0"/>
+          <a:ext cx="0" cy="0"/>
+          <a:chOff x="0" y="0"/>
+          <a:chExt cx="0" cy="0"/>
+        </a:xfrm>
+      </p:grpSpPr>
+      <p:sp>
+        <p:nvSpPr>
+          <p:cNvPr id="4" name="内容占位符 2"/>
+          <p:cNvSpPr txBox="1">
+            <a:spLocks/>
+          </p:cNvSpPr>
+          <p:nvPr/>
+        </p:nvSpPr>
+        <p:spPr>
+          <a:xfrm>
+            <a:off x="165100" y="0"/>
+            <a:ext cx="9093200" cy="6858000"/>
+          </a:xfrm>
+          <a:prstGeom prst="rect">
+            <a:avLst/>
+          </a:prstGeom>
+        </p:spPr>
+        <p:txBody>
+          <a:bodyPr vert="horz" lIns="91440" tIns="45720" rIns="91440" bIns="45720" rtlCol="0">
+            <a:noAutofit/>
+          </a:bodyPr>
+          <a:lstStyle>
+            <a:lvl1pPr marL="0" indent="0" algn="ctr" defTabSz="914400" rtl="0" eaLnBrk="1" latinLnBrk="0" hangingPunct="1">
+              <a:lnSpc>
+                <a:spcPct val="90000"/>
+              </a:lnSpc>
+              <a:spcBef>
+                <a:spcPts val="1000"/>
+              </a:spcBef>
+              <a:buFont typeface="Arial" panose="020B0604020202020204" pitchFamily="34" charset="0"/>
+              <a:buNone/>
+              <a:defRPr sz="2400" kern="1200">
+                <a:solidFill>
+                  <a:schemeClr val="tx1"/>
+                </a:solidFill>
+                <a:latin typeface="+mn-lt"/>
+                <a:ea typeface="+mn-ea"/>
+                <a:cs typeface="+mn-cs"/>
+              </a:defRPr>
+            </a:lvl1pPr>
+            <a:lvl2pPr marL="457200" indent="0" algn="ctr" defTabSz="914400" rtl="0" eaLnBrk="1" latinLnBrk="0" hangingPunct="1">
+              <a:lnSpc>
+                <a:spcPct val="90000"/>
+              </a:lnSpc>
+              <a:spcBef>
+                <a:spcPts val="500"/>
+              </a:spcBef>
+              <a:buFont typeface="Arial" panose="020B0604020202020204" pitchFamily="34" charset="0"/>
+              <a:buNone/>
+              <a:defRPr sz="2000" kern="1200">
+                <a:solidFill>
+                  <a:schemeClr val="tx1"/>
+                </a:solidFill>
+                <a:latin typeface="+mn-lt"/>
+                <a:ea typeface="+mn-ea"/>
+                <a:cs typeface="+mn-cs"/>
+              </a:defRPr>
+            </a:lvl2pPr>
+            <a:lvl3pPr marL="914400" indent="0" algn="ctr" defTabSz="914400" rtl="0" eaLnBrk="1" latinLnBrk="0" hangingPunct="1">
+              <a:lnSpc>
+                <a:spcPct val="90000"/>
+              </a:lnSpc>
+              <a:spcBef>
+                <a:spcPts val="500"/>
+              </a:spcBef>
+              <a:buFont typeface="Arial" panose="020B0604020202020204" pitchFamily="34" charset="0"/>
+              <a:buNone/>
+              <a:defRPr sz="1800" kern="1200">
+                <a:solidFill>
+                  <a:schemeClr val="tx1"/>
+                </a:solidFill>
+                <a:latin typeface="+mn-lt"/>
+                <a:ea typeface="+mn-ea"/>
+                <a:cs typeface="+mn-cs"/>
+              </a:defRPr>
+            </a:lvl3pPr>
+            <a:lvl4pPr marL="1371600" indent="0" algn="ctr" defTabSz="914400" rtl="0" eaLnBrk="1" latinLnBrk="0" hangingPunct="1">
+              <a:lnSpc>
+                <a:spcPct val="90000"/>
+              </a:lnSpc>
+              <a:spcBef>
+                <a:spcPts val="500"/>
+              </a:spcBef>
+              <a:buFont typeface="Arial" panose="020B0604020202020204" pitchFamily="34" charset="0"/>
+              <a:buNone/>
+              <a:defRPr sz="1600" kern="1200">
+                <a:solidFill>
+                  <a:schemeClr val="tx1"/>
+                </a:solidFill>
+                <a:latin typeface="+mn-lt"/>
+                <a:ea typeface="+mn-ea"/>
+                <a:cs typeface="+mn-cs"/>
+              </a:defRPr>
+            </a:lvl4pPr>
+            <a:lvl5pPr marL="1828800" indent="0" algn="ctr" defTabSz="914400" rtl="0" eaLnBrk="1" latinLnBrk="0" hangingPunct="1">
+              <a:lnSpc>
+                <a:spcPct val="90000"/>
+              </a:lnSpc>
+              <a:spcBef>
+                <a:spcPts val="500"/>
+              </a:spcBef>
+              <a:buFont typeface="Arial" panose="020B0604020202020204" pitchFamily="34" charset="0"/>
+              <a:buNone/>
+              <a:defRPr sz="1600" kern="1200">
+                <a:solidFill>
+                  <a:schemeClr val="tx1"/>
+                </a:solidFill>
+                <a:latin typeface="+mn-lt"/>
+                <a:ea typeface="+mn-ea"/>
+                <a:cs typeface="+mn-cs"/>
+              </a:defRPr>
+            </a:lvl5pPr>
+            <a:lvl6pPr marL="2286000" indent="0" algn="ctr" defTabSz="914400" rtl="0" eaLnBrk="1" latinLnBrk="0" hangingPunct="1">
+              <a:lnSpc>
+                <a:spcPct val="90000"/>
+              </a:lnSpc>
+              <a:spcBef>
+                <a:spcPts val="500"/>
+              </a:spcBef>
+              <a:buFont typeface="Arial" panose="020B0604020202020204" pitchFamily="34" charset="0"/>
+              <a:buNone/>
+              <a:defRPr sz="1600" kern="1200">
+                <a:solidFill>
+                  <a:schemeClr val="tx1"/>
+                </a:solidFill>
+                <a:latin typeface="+mn-lt"/>
+                <a:ea typeface="+mn-ea"/>
+                <a:cs typeface="+mn-cs"/>
+              </a:defRPr>
+            </a:lvl6pPr>
+            <a:lvl7pPr marL="2743200" indent="0" algn="ctr" defTabSz="914400" rtl="0" eaLnBrk="1" latinLnBrk="0" hangingPunct="1">
+              <a:lnSpc>
+                <a:spcPct val="90000"/>
+              </a:lnSpc>
+              <a:spcBef>
+                <a:spcPts val="500"/>
+              </a:spcBef>
+              <a:buFont typeface="Arial" panose="020B0604020202020204" pitchFamily="34" charset="0"/>
+              <a:buNone/>
+              <a:defRPr sz="1600" kern="1200">
+                <a:solidFill>
+                  <a:schemeClr val="tx1"/>
+                </a:solidFill>
+                <a:latin typeface="+mn-lt"/>
+                <a:ea typeface="+mn-ea"/>
+                <a:cs typeface="+mn-cs"/>
+              </a:defRPr>
+            </a:lvl7pPr>
+            <a:lvl8pPr marL="3200400" indent="0" algn="ctr" defTabSz="914400" rtl="0" eaLnBrk="1" latinLnBrk="0" hangingPunct="1">
+              <a:lnSpc>
+                <a:spcPct val="90000"/>
+              </a:lnSpc>
+              <a:spcBef>
+                <a:spcPts val="500"/>
+              </a:spcBef>
+              <a:buFont typeface="Arial" panose="020B0604020202020204" pitchFamily="34" charset="0"/>
+              <a:buNone/>
+              <a:defRPr sz="1600" kern="1200">
+                <a:solidFill>
+                  <a:schemeClr val="tx1"/>
+                </a:solidFill>
+                <a:latin typeface="+mn-lt"/>
+                <a:ea typeface="+mn-ea"/>
+                <a:cs typeface="+mn-cs"/>
+              </a:defRPr>
+            </a:lvl8pPr>
+            <a:lvl9pPr marL="3657600" indent="0" algn="ctr" defTabSz="914400" rtl="0" eaLnBrk="1" latinLnBrk="0" hangingPunct="1">
+              <a:lnSpc>
+                <a:spcPct val="90000"/>
+              </a:lnSpc>
+              <a:spcBef>
+                <a:spcPts val="500"/>
+              </a:spcBef>
+              <a:buFont typeface="Arial" panose="020B0604020202020204" pitchFamily="34" charset="0"/>
+              <a:buNone/>
+              <a:defRPr sz="1600" kern="1200">
+                <a:solidFill>
+                  <a:schemeClr val="tx1"/>
+                </a:solidFill>
+                <a:latin typeface="+mn-lt"/>
+                <a:ea typeface="+mn-ea"/>
+                <a:cs typeface="+mn-cs"/>
+              </a:defRPr>
+            </a:lvl9pPr>
+          </a:lstStyle>
+          <a:p>
+            <a:pPr algn="l"/>
+            <a:endParaRPr lang="en-US" altLang="zh-CN" sz="2500" smtClean="0">
+              <a:solidFill>
+                <a:prstClr val="black"/>
+              </a:solidFill>
+            </a:endParaRPr>
+          </a:p>
+          <a:p>
+            <a:pPr algn="l"/>
+            <a:r>
+              <a:rPr lang="en-US" altLang="zh-CN" sz="2500" smtClean="0">
+                <a:solidFill>
+                  <a:prstClr val="black"/>
+                </a:solidFill>
+              </a:rPr>
+              <a:t>index </a:t>
+            </a:r>
+            <a:r>
+              <a:rPr lang="en-US" altLang="zh-CN" sz="2500">
+                <a:solidFill>
+                  <a:prstClr val="black"/>
+                </a:solidFill>
+              </a:rPr>
+              <a:t>= pd.date_range('10/1/1999', periods=1100)</a:t>
+            </a:r>
+          </a:p>
+          <a:p>
+            <a:pPr algn="l"/>
+            <a:r>
+              <a:rPr lang="en-US" altLang="zh-CN" sz="2500">
+                <a:solidFill>
+                  <a:prstClr val="black"/>
+                </a:solidFill>
+              </a:rPr>
+              <a:t>ts = pd.Series(np.random.normal(0.5, 2, 1100), index)</a:t>
+            </a:r>
+          </a:p>
+          <a:p>
+            <a:pPr algn="l"/>
+            <a:r>
+              <a:rPr lang="en-US" altLang="zh-CN" sz="2500">
+                <a:solidFill>
+                  <a:prstClr val="black"/>
+                </a:solidFill>
+              </a:rPr>
+              <a:t>ts </a:t>
+            </a:r>
+            <a:r>
+              <a:rPr lang="en-US" altLang="zh-CN" sz="2500" smtClean="0">
+                <a:solidFill>
+                  <a:prstClr val="black"/>
+                </a:solidFill>
+              </a:rPr>
+              <a:t>= ts.rolling(window=100,min_periods=100</a:t>
+            </a:r>
+            <a:r>
+              <a:rPr lang="en-US" altLang="zh-CN" sz="2500">
+                <a:solidFill>
+                  <a:prstClr val="black"/>
+                </a:solidFill>
+              </a:rPr>
+              <a:t>).mean().dropna()</a:t>
+            </a:r>
+          </a:p>
+          <a:p>
+            <a:pPr algn="l"/>
+            <a:endParaRPr lang="en-US" altLang="zh-CN" sz="2500">
+              <a:solidFill>
+                <a:prstClr val="black"/>
+              </a:solidFill>
+            </a:endParaRPr>
+          </a:p>
+          <a:p>
+            <a:pPr algn="l"/>
+            <a:r>
+              <a:rPr lang="en-US" altLang="zh-CN" sz="2500">
+                <a:solidFill>
+                  <a:prstClr val="black"/>
+                </a:solidFill>
+              </a:rPr>
+              <a:t>key = lambda x: </a:t>
+            </a:r>
+            <a:r>
+              <a:rPr lang="en-US" altLang="zh-CN" sz="2500" smtClean="0">
+                <a:solidFill>
+                  <a:prstClr val="black"/>
+                </a:solidFill>
+              </a:rPr>
+              <a:t>x.year</a:t>
+            </a:r>
+          </a:p>
+          <a:p>
+            <a:pPr algn="l"/>
+            <a:r>
+              <a:rPr lang="en-US" altLang="zh-CN" sz="2500">
+                <a:solidFill>
+                  <a:prstClr val="black"/>
+                </a:solidFill>
+              </a:rPr>
+              <a:t>#</a:t>
+            </a:r>
+            <a:r>
+              <a:rPr lang="zh-CN" altLang="en-US" sz="2500">
+                <a:solidFill>
+                  <a:prstClr val="black"/>
+                </a:solidFill>
+              </a:rPr>
+              <a:t>用于</a:t>
+            </a:r>
+            <a:r>
+              <a:rPr lang="en-US" altLang="zh-CN" sz="2500">
+                <a:solidFill>
+                  <a:prstClr val="black"/>
+                </a:solidFill>
+              </a:rPr>
+              <a:t>transform</a:t>
+            </a:r>
+            <a:r>
+              <a:rPr lang="zh-CN" altLang="en-US" sz="2500">
+                <a:solidFill>
+                  <a:prstClr val="black"/>
+                </a:solidFill>
+              </a:rPr>
+              <a:t>的函数，进行</a:t>
+            </a:r>
+            <a:r>
+              <a:rPr lang="zh-CN" altLang="en-US" sz="2500" smtClean="0">
+                <a:solidFill>
+                  <a:prstClr val="black"/>
+                </a:solidFill>
+              </a:rPr>
+              <a:t>归一化</a:t>
+            </a:r>
+            <a:endParaRPr lang="en-US" altLang="zh-CN" sz="2500">
+              <a:solidFill>
+                <a:prstClr val="black"/>
+              </a:solidFill>
+            </a:endParaRPr>
+          </a:p>
+          <a:p>
+            <a:pPr algn="l"/>
+            <a:r>
+              <a:rPr lang="en-US" altLang="zh-CN" sz="2500">
+                <a:solidFill>
+                  <a:srgbClr val="FF0000"/>
+                </a:solidFill>
+              </a:rPr>
+              <a:t>zscore = lambda x: (x - x.mean()) / x.std() </a:t>
+            </a:r>
+            <a:endParaRPr lang="en-US" altLang="zh-CN" sz="2500" smtClean="0">
+              <a:solidFill>
+                <a:srgbClr val="FF0000"/>
+              </a:solidFill>
+            </a:endParaRPr>
+          </a:p>
+          <a:p>
+            <a:pPr algn="l"/>
+            <a:r>
+              <a:rPr lang="en-US" altLang="zh-CN" sz="2500" smtClean="0">
+                <a:solidFill>
+                  <a:srgbClr val="FF0000"/>
+                </a:solidFill>
+              </a:rPr>
+              <a:t>transformed = </a:t>
+            </a:r>
+            <a:r>
+              <a:rPr lang="en-US" altLang="zh-CN" sz="2500">
+                <a:solidFill>
+                  <a:srgbClr val="FF0000"/>
+                </a:solidFill>
+              </a:rPr>
+              <a:t>ts.groupby(key).transform(zscore)</a:t>
+            </a:r>
+          </a:p>
+          <a:p>
+            <a:pPr algn="l"/>
+            <a:endParaRPr lang="en-US" altLang="zh-CN" sz="2500">
+              <a:solidFill>
+                <a:prstClr val="black"/>
+              </a:solidFill>
+            </a:endParaRPr>
+          </a:p>
+          <a:p>
+            <a:pPr algn="l"/>
+            <a:r>
+              <a:rPr lang="en-US" altLang="zh-CN" sz="2500">
+                <a:solidFill>
+                  <a:prstClr val="black"/>
+                </a:solidFill>
+              </a:rPr>
+              <a:t>grouped_trans = transformed.groupby(key)</a:t>
+            </a:r>
+          </a:p>
+          <a:p>
+            <a:pPr algn="l"/>
+            <a:r>
+              <a:rPr lang="en-US" altLang="zh-CN" sz="2500">
+                <a:solidFill>
+                  <a:prstClr val="black"/>
+                </a:solidFill>
+              </a:rPr>
+              <a:t>print(grouped_trans.mean()) </a:t>
+            </a:r>
+            <a:r>
+              <a:rPr lang="en-US" altLang="zh-CN" sz="2500" smtClean="0">
+                <a:solidFill>
+                  <a:prstClr val="black"/>
+                </a:solidFill>
+              </a:rPr>
+              <a:t> #</a:t>
+            </a:r>
+            <a:r>
+              <a:rPr lang="zh-CN" altLang="en-US" sz="2500">
+                <a:solidFill>
+                  <a:prstClr val="black"/>
+                </a:solidFill>
+              </a:rPr>
+              <a:t>期望</a:t>
+            </a:r>
+          </a:p>
+          <a:p>
+            <a:pPr algn="l"/>
+            <a:r>
+              <a:rPr lang="en-US" altLang="zh-CN" sz="2500">
+                <a:solidFill>
+                  <a:prstClr val="black"/>
+                </a:solidFill>
+              </a:rPr>
+              <a:t>print(grouped_trans.std()) </a:t>
+            </a:r>
+            <a:r>
+              <a:rPr lang="en-US" altLang="zh-CN" sz="2500" smtClean="0">
+                <a:solidFill>
+                  <a:prstClr val="black"/>
+                </a:solidFill>
+              </a:rPr>
+              <a:t> #</a:t>
+            </a:r>
+            <a:r>
+              <a:rPr lang="zh-CN" altLang="en-US" sz="2500">
+                <a:solidFill>
+                  <a:prstClr val="black"/>
+                </a:solidFill>
+              </a:rPr>
+              <a:t>标准差</a:t>
+            </a:r>
+            <a:endParaRPr lang="en-US" altLang="zh-CN" sz="2500">
+              <a:solidFill>
+                <a:prstClr val="black"/>
+              </a:solidFill>
+            </a:endParaRPr>
+          </a:p>
+        </p:txBody>
+      </p:sp>
+      <p:sp>
+        <p:nvSpPr>
+          <p:cNvPr id="5" name="文本框 4"/>
+          <p:cNvSpPr txBox="1"/>
+          <p:nvPr/>
+        </p:nvSpPr>
+        <p:spPr>
+          <a:xfrm>
+            <a:off x="6997700" y="2489200"/>
+            <a:ext cx="4800600" cy="3416320"/>
+          </a:xfrm>
+          <a:prstGeom prst="rect">
+            <a:avLst/>
+          </a:prstGeom>
+          <a:solidFill>
+            <a:schemeClr val="accent1">
+              <a:lumMod val="20000"/>
+              <a:lumOff val="80000"/>
+            </a:schemeClr>
+          </a:solidFill>
+        </p:spPr>
+        <p:txBody>
+          <a:bodyPr wrap="square" rtlCol="0">
+            <a:spAutoFit/>
+          </a:bodyPr>
+          <a:lstStyle/>
+          <a:p>
+            <a:r>
+              <a:rPr lang="en-US" altLang="zh-CN" sz="2400">
+                <a:solidFill>
+                  <a:prstClr val="black"/>
+                </a:solidFill>
+              </a:rPr>
+              <a:t># </a:t>
+            </a:r>
+            <a:r>
+              <a:rPr lang="zh-CN" altLang="en-US" sz="2400">
+                <a:solidFill>
+                  <a:prstClr val="black"/>
+                </a:solidFill>
+              </a:rPr>
+              <a:t>输出结果</a:t>
+            </a:r>
+          </a:p>
+          <a:p>
+            <a:r>
+              <a:rPr lang="en-US" altLang="zh-CN" sz="2400">
+                <a:solidFill>
+                  <a:prstClr val="black"/>
+                </a:solidFill>
+              </a:rPr>
+              <a:t>2000   -2.699790e-16</a:t>
+            </a:r>
+          </a:p>
+          <a:p>
+            <a:r>
+              <a:rPr lang="en-US" altLang="zh-CN" sz="2400">
+                <a:solidFill>
+                  <a:prstClr val="black"/>
+                </a:solidFill>
+              </a:rPr>
+              <a:t>2001    1.861525e-16</a:t>
+            </a:r>
+          </a:p>
+          <a:p>
+            <a:r>
+              <a:rPr lang="en-US" altLang="zh-CN" sz="2400">
+                <a:solidFill>
+                  <a:prstClr val="black"/>
+                </a:solidFill>
+              </a:rPr>
+              <a:t>2002   -6.561138e-16</a:t>
+            </a:r>
+          </a:p>
+          <a:p>
+            <a:r>
+              <a:rPr lang="en-US" altLang="zh-CN" sz="2400">
+                <a:solidFill>
+                  <a:prstClr val="black"/>
+                </a:solidFill>
+              </a:rPr>
+              <a:t>dtype: float64</a:t>
+            </a:r>
+          </a:p>
+          <a:p>
+            <a:r>
+              <a:rPr lang="en-US" altLang="zh-CN" sz="2400">
+                <a:solidFill>
+                  <a:prstClr val="black"/>
+                </a:solidFill>
+              </a:rPr>
+              <a:t>2000    1.0</a:t>
+            </a:r>
+          </a:p>
+          <a:p>
+            <a:r>
+              <a:rPr lang="en-US" altLang="zh-CN" sz="2400">
+                <a:solidFill>
+                  <a:prstClr val="black"/>
+                </a:solidFill>
+              </a:rPr>
+              <a:t>2001    1.0</a:t>
+            </a:r>
+          </a:p>
+          <a:p>
+            <a:r>
+              <a:rPr lang="en-US" altLang="zh-CN" sz="2400">
+                <a:solidFill>
+                  <a:prstClr val="black"/>
+                </a:solidFill>
+              </a:rPr>
+              <a:t>2002    1.0</a:t>
+            </a:r>
+          </a:p>
+          <a:p>
+            <a:r>
+              <a:rPr lang="en-US" altLang="zh-CN" sz="2400">
+                <a:solidFill>
+                  <a:prstClr val="black"/>
+                </a:solidFill>
+              </a:rPr>
+              <a:t>dtype: float64</a:t>
+            </a:r>
+            <a:endParaRPr lang="zh-CN" altLang="en-US">
+              <a:solidFill>
+                <a:prstClr val="black"/>
+              </a:solidFill>
+            </a:endParaRPr>
+          </a:p>
+        </p:txBody>
+      </p:sp>
+    </p:spTree>
+    <p:extLst>
+      <p:ext uri="{BB962C8B-B14F-4D97-AF65-F5344CB8AC3E}">
+        <p14:creationId xmlns:p14="http://schemas.microsoft.com/office/powerpoint/2010/main" val="2945406100"/>
+      </p:ext>
+    </p:extLst>
+  </p:cSld>
+  <p:clrMapOvr>
+    <a:masterClrMapping/>
+  </p:clrMapOvr>
+</p:sld>
+</file>
+
+<file path=ppt/slides/slide22.xml><?xml version="1.0" encoding="utf-8"?>
+<p:sld xmlns:a="http://schemas.openxmlformats.org/drawingml/2006/main" xmlns:r="http://schemas.openxmlformats.org/officeDocument/2006/relationships" xmlns:p="http://schemas.openxmlformats.org/presentationml/2006/main">
+  <p:cSld>
+    <p:spTree>
+      <p:nvGrpSpPr>
+        <p:cNvPr id="1" name=""/>
+        <p:cNvGrpSpPr/>
+        <p:nvPr/>
+      </p:nvGrpSpPr>
+      <p:grpSpPr>
+        <a:xfrm>
+          <a:off x="0" y="0"/>
+          <a:ext cx="0" cy="0"/>
+          <a:chOff x="0" y="0"/>
+          <a:chExt cx="0" cy="0"/>
+        </a:xfrm>
+      </p:grpSpPr>
+      <p:sp>
+        <p:nvSpPr>
+          <p:cNvPr id="2" name="标题 1"/>
+          <p:cNvSpPr>
+            <a:spLocks noGrp="1"/>
+          </p:cNvSpPr>
+          <p:nvPr>
+            <p:ph type="title"/>
+          </p:nvPr>
+        </p:nvSpPr>
+        <p:spPr/>
+        <p:txBody>
+          <a:bodyPr/>
+          <a:lstStyle/>
+          <a:p>
+            <a:r>
+              <a:rPr lang="zh-CN" altLang="en-US"/>
+              <a:t>合并</a:t>
+            </a:r>
+            <a:r>
+              <a:rPr lang="en-US" altLang="zh-CN">
+                <a:latin typeface="+mn-lt"/>
+              </a:rPr>
+              <a:t>(concatenate,merge,join) </a:t>
+            </a:r>
+            <a:endParaRPr lang="zh-CN" altLang="en-US">
+              <a:latin typeface="+mn-lt"/>
+            </a:endParaRPr>
+          </a:p>
+        </p:txBody>
+      </p:sp>
+      <p:sp>
+        <p:nvSpPr>
+          <p:cNvPr id="3" name="内容占位符 2"/>
+          <p:cNvSpPr>
+            <a:spLocks noGrp="1"/>
+          </p:cNvSpPr>
+          <p:nvPr>
+            <p:ph idx="1"/>
+          </p:nvPr>
+        </p:nvSpPr>
+        <p:spPr/>
+        <p:txBody>
+          <a:bodyPr/>
+          <a:lstStyle/>
+          <a:p>
+            <a:r>
+              <a:rPr lang="en-US" altLang="zh-CN"/>
+              <a:t>c</a:t>
+            </a:r>
+            <a:r>
+              <a:rPr lang="en-US" altLang="zh-CN" smtClean="0"/>
+              <a:t>oncatenate</a:t>
+            </a:r>
+            <a:r>
+              <a:rPr lang="zh-CN" altLang="en-US" smtClean="0"/>
+              <a:t>：一次合并多个对象</a:t>
+            </a:r>
+            <a:endParaRPr lang="en-US" altLang="zh-CN" smtClean="0"/>
+          </a:p>
+          <a:p>
+            <a:r>
+              <a:rPr lang="en-US" altLang="zh-CN"/>
+              <a:t>m</a:t>
+            </a:r>
+            <a:r>
+              <a:rPr lang="en-US" altLang="zh-CN" smtClean="0"/>
+              <a:t>erge</a:t>
+            </a:r>
+            <a:r>
+              <a:rPr lang="zh-CN" altLang="en-US" smtClean="0"/>
+              <a:t>：针对</a:t>
+            </a:r>
+            <a:r>
+              <a:rPr lang="zh-CN" altLang="en-US"/>
+              <a:t>两个 </a:t>
+            </a:r>
+            <a:r>
+              <a:rPr lang="en-US" altLang="zh-CN"/>
+              <a:t>DataFrame </a:t>
+            </a:r>
+            <a:r>
+              <a:rPr lang="zh-CN" altLang="en-US" smtClean="0"/>
+              <a:t>对象的、高效的合并方法</a:t>
+            </a:r>
+            <a:endParaRPr lang="en-US" altLang="zh-CN" smtClean="0"/>
+          </a:p>
+          <a:p>
+            <a:r>
+              <a:rPr lang="en-US" altLang="zh-CN" smtClean="0"/>
+              <a:t>join</a:t>
+            </a:r>
+            <a:r>
+              <a:rPr lang="zh-CN" altLang="en-US" smtClean="0"/>
+              <a:t>：类似于</a:t>
+            </a:r>
+            <a:r>
+              <a:rPr lang="en-US" altLang="zh-CN" smtClean="0"/>
+              <a:t>merge</a:t>
+            </a:r>
+            <a:r>
+              <a:rPr lang="zh-CN" altLang="en-US" smtClean="0"/>
+              <a:t>方法</a:t>
+            </a:r>
+            <a:endParaRPr lang="en-US" altLang="zh-CN" smtClean="0"/>
+          </a:p>
+          <a:p>
+            <a:endParaRPr lang="zh-CN" altLang="en-US"/>
+          </a:p>
+        </p:txBody>
+      </p:sp>
+    </p:spTree>
+    <p:extLst>
+      <p:ext uri="{BB962C8B-B14F-4D97-AF65-F5344CB8AC3E}">
+        <p14:creationId xmlns:p14="http://schemas.microsoft.com/office/powerpoint/2010/main" val="35116107"/>
+      </p:ext>
+    </p:extLst>
+  </p:cSld>
+  <p:clrMapOvr>
+    <a:masterClrMapping/>
+  </p:clrMapOvr>
+</p:sld>
+</file>
+
+<file path=ppt/slides/slide23.xml><?xml version="1.0" encoding="utf-8"?>
+<p:sld xmlns:a="http://schemas.openxmlformats.org/drawingml/2006/main" xmlns:r="http://schemas.openxmlformats.org/officeDocument/2006/relationships" xmlns:p="http://schemas.openxmlformats.org/presentationml/2006/main">
+  <p:cSld>
+    <p:spTree>
+      <p:nvGrpSpPr>
+        <p:cNvPr id="1" name=""/>
+        <p:cNvGrpSpPr/>
+        <p:nvPr/>
+      </p:nvGrpSpPr>
+      <p:grpSpPr>
+        <a:xfrm>
+          <a:off x="0" y="0"/>
+          <a:ext cx="0" cy="0"/>
+          <a:chOff x="0" y="0"/>
+          <a:chExt cx="0" cy="0"/>
+        </a:xfrm>
+      </p:grpSpPr>
+      <p:sp>
+        <p:nvSpPr>
+          <p:cNvPr id="2" name="标题 1"/>
+          <p:cNvSpPr>
+            <a:spLocks noGrp="1"/>
+          </p:cNvSpPr>
+          <p:nvPr>
+            <p:ph type="title"/>
+          </p:nvPr>
+        </p:nvSpPr>
+        <p:spPr/>
+        <p:txBody>
+          <a:bodyPr/>
+          <a:lstStyle/>
+          <a:p>
+            <a:r>
+              <a:rPr lang="zh-CN" altLang="en-US" smtClean="0"/>
+              <a:t>可视化</a:t>
+            </a:r>
+            <a:endParaRPr lang="zh-CN" altLang="en-US"/>
+          </a:p>
+        </p:txBody>
+      </p:sp>
+      <p:sp>
+        <p:nvSpPr>
+          <p:cNvPr id="3" name="内容占位符 2"/>
+          <p:cNvSpPr>
+            <a:spLocks noGrp="1"/>
+          </p:cNvSpPr>
+          <p:nvPr>
+            <p:ph idx="1"/>
+          </p:nvPr>
+        </p:nvSpPr>
+        <p:spPr/>
+        <p:txBody>
+          <a:bodyPr/>
+          <a:lstStyle/>
+          <a:p>
+            <a:r>
+              <a:rPr lang="zh-CN" altLang="en-US" smtClean="0"/>
+              <a:t>与</a:t>
+            </a:r>
+            <a:r>
+              <a:rPr lang="en-US" altLang="zh-CN" smtClean="0"/>
+              <a:t>matplotlib</a:t>
+            </a:r>
+            <a:r>
+              <a:rPr lang="zh-CN" altLang="en-US" smtClean="0"/>
+              <a:t>有很好的兼容性</a:t>
+            </a:r>
+            <a:endParaRPr lang="en-US" altLang="zh-CN" smtClean="0"/>
+          </a:p>
+          <a:p>
+            <a:endParaRPr lang="en-US" altLang="zh-CN" smtClean="0"/>
+          </a:p>
+          <a:p>
+            <a:r>
+              <a:rPr lang="zh-CN" altLang="en-US" smtClean="0"/>
+              <a:t>以数据</a:t>
+            </a:r>
+            <a:r>
+              <a:rPr lang="zh-CN" altLang="en-US"/>
+              <a:t>集 </a:t>
+            </a:r>
+            <a:r>
+              <a:rPr lang="en-US" altLang="zh-CN"/>
+              <a:t>MovieLens </a:t>
+            </a:r>
+            <a:r>
+              <a:rPr lang="zh-CN" altLang="en-US" smtClean="0"/>
+              <a:t>为例进行</a:t>
+            </a:r>
+            <a:r>
+              <a:rPr lang="zh-CN" altLang="en-US"/>
+              <a:t>可视化</a:t>
+            </a:r>
+            <a:r>
+              <a:rPr lang="zh-CN" altLang="en-US" smtClean="0"/>
+              <a:t>分析</a:t>
+            </a:r>
+            <a:endParaRPr lang="en-US" altLang="zh-CN" smtClean="0"/>
+          </a:p>
+          <a:p>
+            <a:r>
+              <a:rPr lang="en-US" altLang="zh-CN" smtClean="0">
+                <a:hlinkClick r:id="rId2"/>
+              </a:rPr>
+              <a:t>https</a:t>
+            </a:r>
+            <a:r>
+              <a:rPr lang="en-US" altLang="zh-CN">
+                <a:hlinkClick r:id="rId2"/>
+              </a:rPr>
+              <a:t>://grouplens.org/datasets/movielens</a:t>
+            </a:r>
+            <a:r>
+              <a:rPr lang="en-US" altLang="zh-CN" smtClean="0">
+                <a:hlinkClick r:id="rId2"/>
+              </a:rPr>
+              <a:t>/</a:t>
+            </a:r>
+            <a:r>
+              <a:rPr lang="en-US" altLang="zh-CN" smtClean="0"/>
+              <a:t> </a:t>
+            </a:r>
+            <a:endParaRPr lang="zh-CN" altLang="en-US"/>
+          </a:p>
+        </p:txBody>
+      </p:sp>
+    </p:spTree>
+    <p:extLst>
+      <p:ext uri="{BB962C8B-B14F-4D97-AF65-F5344CB8AC3E}">
+        <p14:creationId xmlns:p14="http://schemas.microsoft.com/office/powerpoint/2010/main" val="1727141443"/>
+      </p:ext>
+    </p:extLst>
+  </p:cSld>
+  <p:clrMapOvr>
+    <a:masterClrMapping/>
+  </p:clrMapOvr>
+  <p:timing>
+    <p:tnLst>
+      <p:par>
+        <p:cTn id="1" dur="indefinite" restart="never" nodeType="tmRoot"/>
+      </p:par>
+    </p:tnLst>
+  </p:timing>
+</p:sld>
+</file>
+
+<file path=ppt/slides/slide24.xml><?xml version="1.0" encoding="utf-8"?>
 <p:sld xmlns:a="http://schemas.openxmlformats.org/drawingml/2006/main" xmlns:r="http://schemas.openxmlformats.org/officeDocument/2006/relationships" xmlns:p="http://schemas.openxmlformats.org/presentationml/2006/main">
   <p:cSld>
     <p:spTree>
@@ -9817,7 +13864,7 @@
 </p:sld>
 </file>
 
-<file path=ppt/slides/slide11.xml><?xml version="1.0" encoding="utf-8"?>
+<file path=ppt/slides/slide25.xml><?xml version="1.0" encoding="utf-8"?>
 <p:sld xmlns:a="http://schemas.openxmlformats.org/drawingml/2006/main" xmlns:r="http://schemas.openxmlformats.org/officeDocument/2006/relationships" xmlns:p="http://schemas.openxmlformats.org/presentationml/2006/main">
   <p:cSld>
     <p:spTree>
@@ -10141,7 +14188,7 @@
 </p:sld>
 </file>
 
-<file path=ppt/slides/slide12.xml><?xml version="1.0" encoding="utf-8"?>
+<file path=ppt/slides/slide26.xml><?xml version="1.0" encoding="utf-8"?>
 <p:sld xmlns:a="http://schemas.openxmlformats.org/drawingml/2006/main" xmlns:r="http://schemas.openxmlformats.org/officeDocument/2006/relationships" xmlns:p="http://schemas.openxmlformats.org/presentationml/2006/main">
   <p:cSld>
     <p:spTree>
@@ -10430,7 +14477,7 @@
 </p:sld>
 </file>
 
-<file path=ppt/slides/slide13.xml><?xml version="1.0" encoding="utf-8"?>
+<file path=ppt/slides/slide27.xml><?xml version="1.0" encoding="utf-8"?>
 <p:sld xmlns:a="http://schemas.openxmlformats.org/drawingml/2006/main" xmlns:r="http://schemas.openxmlformats.org/officeDocument/2006/relationships" xmlns:p="http://schemas.openxmlformats.org/presentationml/2006/main">
   <p:cSld>
     <p:spTree>
@@ -10739,7 +14786,7 @@
 </p:sld>
 </file>
 
-<file path=ppt/slides/slide14.xml><?xml version="1.0" encoding="utf-8"?>
+<file path=ppt/slides/slide28.xml><?xml version="1.0" encoding="utf-8"?>
 <p:sld xmlns:a="http://schemas.openxmlformats.org/drawingml/2006/main" xmlns:r="http://schemas.openxmlformats.org/officeDocument/2006/relationships" xmlns:p="http://schemas.openxmlformats.org/presentationml/2006/main">
   <p:cSld>
     <p:spTree>
@@ -10979,15 +15026,7 @@
                   <a:prstClr val="black"/>
                 </a:solidFill>
               </a:rPr>
-              <a:t># </a:t>
-            </a:r>
-            <a:r>
-              <a:rPr lang="en-US" altLang="zh-CN">
-                <a:solidFill>
-                  <a:prstClr val="black"/>
-                </a:solidFill>
-              </a:rPr>
-              <a:t>Hexagonal Bin</a:t>
+              <a:t># Hexagonal Bin</a:t>
             </a:r>
             <a:r>
               <a:rPr lang="zh-CN" altLang="en-US">
@@ -11036,7 +15075,7 @@
 </p:sld>
 </file>
 
-<file path=ppt/slides/slide15.xml><?xml version="1.0" encoding="utf-8"?>
+<file path=ppt/slides/slide29.xml><?xml version="1.0" encoding="utf-8"?>
 <p:sld xmlns:a="http://schemas.openxmlformats.org/drawingml/2006/main" xmlns:r="http://schemas.openxmlformats.org/officeDocument/2006/relationships" xmlns:p="http://schemas.openxmlformats.org/presentationml/2006/main">
   <p:cSld>
     <p:spTree>
@@ -11132,11 +15171,7 @@
             </a:r>
             <a:r>
               <a:rPr lang="en-US" altLang="zh-CN"/>
-              <a:t>(</a:t>
-            </a:r>
-            <a:r>
-              <a:rPr lang="en-US" altLang="zh-CN"/>
-              <a:t>sort</a:t>
+              <a:t>(sort</a:t>
             </a:r>
             <a:r>
               <a:rPr lang="en-US" altLang="zh-CN" smtClean="0"/>
@@ -11149,11 +15184,7 @@
             </a:pPr>
             <a:r>
               <a:rPr lang="zh-CN" altLang="en-US"/>
-              <a:t>周</a:t>
-            </a:r>
-            <a:r>
-              <a:rPr lang="zh-CN" altLang="en-US"/>
-              <a:t>展</a:t>
+              <a:t>周展</a:t>
             </a:r>
             <a:r>
               <a:rPr lang="zh-CN" altLang="en-US" smtClean="0"/>
@@ -11196,341 +15227,6 @@
     <p:extLst>
       <p:ext uri="{BB962C8B-B14F-4D97-AF65-F5344CB8AC3E}">
         <p14:creationId xmlns:p14="http://schemas.microsoft.com/office/powerpoint/2010/main" val="1612634025"/>
-      </p:ext>
-    </p:extLst>
-  </p:cSld>
-  <p:clrMapOvr>
-    <a:masterClrMapping/>
-  </p:clrMapOvr>
-  <p:timing>
-    <p:tnLst>
-      <p:par>
-        <p:cTn id="1" dur="indefinite" restart="never" nodeType="tmRoot"/>
-      </p:par>
-    </p:tnLst>
-  </p:timing>
-</p:sld>
-</file>
-
-<file path=ppt/slides/slide16.xml><?xml version="1.0" encoding="utf-8"?>
-<p:sld xmlns:a="http://schemas.openxmlformats.org/drawingml/2006/main" xmlns:r="http://schemas.openxmlformats.org/officeDocument/2006/relationships" xmlns:p="http://schemas.openxmlformats.org/presentationml/2006/main">
-  <p:cSld>
-    <p:spTree>
-      <p:nvGrpSpPr>
-        <p:cNvPr id="1" name=""/>
-        <p:cNvGrpSpPr/>
-        <p:nvPr/>
-      </p:nvGrpSpPr>
-      <p:grpSpPr>
-        <a:xfrm>
-          <a:off x="0" y="0"/>
-          <a:ext cx="0" cy="0"/>
-          <a:chOff x="0" y="0"/>
-          <a:chExt cx="0" cy="0"/>
-        </a:xfrm>
-      </p:grpSpPr>
-      <p:sp>
-        <p:nvSpPr>
-          <p:cNvPr id="2" name="标题 1"/>
-          <p:cNvSpPr>
-            <a:spLocks noGrp="1"/>
-          </p:cNvSpPr>
-          <p:nvPr>
-            <p:ph type="ctrTitle"/>
-          </p:nvPr>
-        </p:nvSpPr>
-        <p:spPr>
-          <a:xfrm>
-            <a:off x="1507067" y="1807634"/>
-            <a:ext cx="7766936" cy="1646302"/>
-          </a:xfrm>
-        </p:spPr>
-        <p:txBody>
-          <a:bodyPr/>
-          <a:lstStyle/>
-          <a:p>
-            <a:pPr algn="ctr"/>
-            <a:r>
-              <a:rPr lang="zh-CN" altLang="en-US" smtClean="0">
-                <a:latin typeface="微软雅黑" panose="020B0503020204020204" pitchFamily="34" charset="-122"/>
-                <a:ea typeface="微软雅黑" panose="020B0503020204020204" pitchFamily="34" charset="-122"/>
-              </a:rPr>
-              <a:t>谢谢观看！</a:t>
-            </a:r>
-            <a:endParaRPr lang="zh-CN" altLang="en-US">
-              <a:latin typeface="微软雅黑" panose="020B0503020204020204" pitchFamily="34" charset="-122"/>
-              <a:ea typeface="微软雅黑" panose="020B0503020204020204" pitchFamily="34" charset="-122"/>
-            </a:endParaRPr>
-          </a:p>
-        </p:txBody>
-      </p:sp>
-    </p:spTree>
-    <p:extLst>
-      <p:ext uri="{BB962C8B-B14F-4D97-AF65-F5344CB8AC3E}">
-        <p14:creationId xmlns:p14="http://schemas.microsoft.com/office/powerpoint/2010/main" val="3535968856"/>
-      </p:ext>
-    </p:extLst>
-  </p:cSld>
-  <p:clrMapOvr>
-    <a:masterClrMapping/>
-  </p:clrMapOvr>
-  <p:timing>
-    <p:tnLst>
-      <p:par>
-        <p:cTn id="1" dur="indefinite" restart="never" nodeType="tmRoot"/>
-      </p:par>
-    </p:tnLst>
-  </p:timing>
-</p:sld>
-</file>
-
-<file path=ppt/slides/slide2.xml><?xml version="1.0" encoding="utf-8"?>
-<p:sld xmlns:a="http://schemas.openxmlformats.org/drawingml/2006/main" xmlns:r="http://schemas.openxmlformats.org/officeDocument/2006/relationships" xmlns:p="http://schemas.openxmlformats.org/presentationml/2006/main">
-  <p:cSld>
-    <p:spTree>
-      <p:nvGrpSpPr>
-        <p:cNvPr id="1" name=""/>
-        <p:cNvGrpSpPr/>
-        <p:nvPr/>
-      </p:nvGrpSpPr>
-      <p:grpSpPr>
-        <a:xfrm>
-          <a:off x="0" y="0"/>
-          <a:ext cx="0" cy="0"/>
-          <a:chOff x="0" y="0"/>
-          <a:chExt cx="0" cy="0"/>
-        </a:xfrm>
-      </p:grpSpPr>
-      <p:sp>
-        <p:nvSpPr>
-          <p:cNvPr id="2" name="标题 1"/>
-          <p:cNvSpPr>
-            <a:spLocks noGrp="1"/>
-          </p:cNvSpPr>
-          <p:nvPr>
-            <p:ph type="title"/>
-          </p:nvPr>
-        </p:nvSpPr>
-        <p:spPr/>
-        <p:txBody>
-          <a:bodyPr/>
-          <a:lstStyle/>
-          <a:p>
-            <a:r>
-              <a:rPr lang="en-US" altLang="zh-CN" smtClean="0">
-                <a:latin typeface="微软雅黑" panose="020B0503020204020204" pitchFamily="34" charset="-122"/>
-                <a:ea typeface="微软雅黑" panose="020B0503020204020204" pitchFamily="34" charset="-122"/>
-              </a:rPr>
-              <a:t>Pandas </a:t>
-            </a:r>
-            <a:r>
-              <a:rPr lang="zh-CN" altLang="en-US" smtClean="0">
-                <a:latin typeface="微软雅黑" panose="020B0503020204020204" pitchFamily="34" charset="-122"/>
-                <a:ea typeface="微软雅黑" panose="020B0503020204020204" pitchFamily="34" charset="-122"/>
-              </a:rPr>
-              <a:t>简介</a:t>
-            </a:r>
-            <a:endParaRPr lang="zh-CN" altLang="en-US">
-              <a:latin typeface="微软雅黑" panose="020B0503020204020204" pitchFamily="34" charset="-122"/>
-              <a:ea typeface="微软雅黑" panose="020B0503020204020204" pitchFamily="34" charset="-122"/>
-            </a:endParaRPr>
-          </a:p>
-        </p:txBody>
-      </p:sp>
-      <p:sp>
-        <p:nvSpPr>
-          <p:cNvPr id="3" name="内容占位符 2"/>
-          <p:cNvSpPr>
-            <a:spLocks noGrp="1"/>
-          </p:cNvSpPr>
-          <p:nvPr>
-            <p:ph idx="1"/>
-          </p:nvPr>
-        </p:nvSpPr>
-        <p:spPr>
-          <a:xfrm>
-            <a:off x="677334" y="1515979"/>
-            <a:ext cx="9152466" cy="4525383"/>
-          </a:xfrm>
-        </p:spPr>
-        <p:txBody>
-          <a:bodyPr/>
-          <a:lstStyle/>
-          <a:p>
-            <a:r>
-              <a:rPr lang="en-US" altLang="zh-CN"/>
-              <a:t>Pandas </a:t>
-            </a:r>
-            <a:r>
-              <a:rPr lang="zh-CN" altLang="en-US"/>
-              <a:t>是一个 </a:t>
-            </a:r>
-            <a:r>
-              <a:rPr lang="en-US" altLang="zh-CN"/>
-              <a:t>Python </a:t>
-            </a:r>
-            <a:r>
-              <a:rPr lang="zh-CN" altLang="en-US"/>
-              <a:t>的开源</a:t>
-            </a:r>
-            <a:r>
-              <a:rPr lang="zh-CN" altLang="en-US"/>
-              <a:t>项目</a:t>
-            </a:r>
-            <a:r>
-              <a:rPr lang="zh-CN" altLang="en-US" smtClean="0"/>
-              <a:t>，</a:t>
-            </a:r>
-            <a:r>
-              <a:rPr lang="zh-CN" altLang="en-US"/>
-              <a:t>纳入了大量库和一些标准的数据模型，提供了高效地操作大型数据集所需的</a:t>
-            </a:r>
-            <a:r>
-              <a:rPr lang="zh-CN" altLang="en-US"/>
-              <a:t>工具</a:t>
-            </a:r>
-            <a:r>
-              <a:rPr lang="zh-CN" altLang="en-US" smtClean="0"/>
-              <a:t>。</a:t>
-            </a:r>
-            <a:endParaRPr lang="en-US" altLang="zh-CN" smtClean="0"/>
-          </a:p>
-          <a:p>
-            <a:r>
-              <a:rPr lang="en-US" altLang="zh-CN" smtClean="0"/>
-              <a:t>2008</a:t>
-            </a:r>
-            <a:r>
-              <a:rPr lang="zh-CN" altLang="en-US" smtClean="0"/>
-              <a:t>年</a:t>
-            </a:r>
-            <a:r>
-              <a:rPr lang="en-US" altLang="zh-CN" smtClean="0"/>
-              <a:t>Wes McKinney</a:t>
-            </a:r>
-            <a:r>
-              <a:rPr lang="zh-CN" altLang="en-US" smtClean="0"/>
-              <a:t>在</a:t>
-            </a:r>
-            <a:r>
-              <a:rPr lang="en-US" altLang="zh-CN" smtClean="0"/>
-              <a:t>AQR </a:t>
-            </a:r>
-            <a:r>
-              <a:rPr lang="en-US" altLang="zh-CN"/>
-              <a:t>Capital </a:t>
-            </a:r>
-            <a:r>
-              <a:rPr lang="en-US" altLang="zh-CN" smtClean="0"/>
-              <a:t>Management</a:t>
-            </a:r>
-            <a:r>
-              <a:rPr lang="zh-CN" altLang="en-US" smtClean="0"/>
-              <a:t>工作时，出于处理分析金融大数据的需要开始开发</a:t>
-            </a:r>
-            <a:r>
-              <a:rPr lang="en-US" altLang="zh-CN" smtClean="0"/>
-              <a:t>Pandas</a:t>
-            </a:r>
-          </a:p>
-          <a:p>
-            <a:r>
-              <a:rPr lang="zh-CN" altLang="en-US" smtClean="0"/>
-              <a:t>离开公司后将项目开源</a:t>
-            </a:r>
-            <a:endParaRPr lang="en-US" altLang="zh-CN" smtClean="0"/>
-          </a:p>
-          <a:p>
-            <a:r>
-              <a:rPr lang="en-US" altLang="zh-CN" smtClean="0"/>
-              <a:t>2015</a:t>
-            </a:r>
-            <a:r>
-              <a:rPr lang="zh-CN" altLang="en-US" smtClean="0"/>
-              <a:t>年开始受到非盈利机构</a:t>
-            </a:r>
-            <a:r>
-              <a:rPr lang="en-US" altLang="zh-CN" smtClean="0"/>
-              <a:t>NumFOCUS</a:t>
-            </a:r>
-            <a:r>
-              <a:rPr lang="zh-CN" altLang="en-US" smtClean="0"/>
-              <a:t>的支持</a:t>
-            </a:r>
-            <a:endParaRPr lang="en-US" altLang="zh-CN" smtClean="0"/>
-          </a:p>
-          <a:p>
-            <a:endParaRPr lang="en-US" altLang="zh-CN" smtClean="0"/>
-          </a:p>
-          <a:p>
-            <a:r>
-              <a:rPr lang="zh-CN" altLang="en-US" smtClean="0"/>
-              <a:t>依赖与兼容：</a:t>
-            </a:r>
-            <a:r>
-              <a:rPr lang="en-US" altLang="zh-CN" smtClean="0"/>
-              <a:t>numpy</a:t>
-            </a:r>
-            <a:r>
-              <a:rPr lang="zh-CN" altLang="en-US" smtClean="0"/>
-              <a:t>，</a:t>
-            </a:r>
-            <a:r>
-              <a:rPr lang="en-US" altLang="zh-CN" smtClean="0"/>
-              <a:t>matplotlib</a:t>
-            </a:r>
-            <a:r>
-              <a:rPr lang="zh-CN" altLang="en-US" smtClean="0"/>
-              <a:t>，</a:t>
-            </a:r>
-            <a:r>
-              <a:rPr lang="en-US" altLang="zh-CN" smtClean="0"/>
-              <a:t>pytz</a:t>
-            </a:r>
-            <a:r>
-              <a:rPr lang="zh-CN" altLang="en-US" smtClean="0"/>
-              <a:t>等</a:t>
-            </a:r>
-            <a:endParaRPr lang="en-US" altLang="zh-CN" smtClean="0"/>
-          </a:p>
-          <a:p>
-            <a:r>
-              <a:rPr lang="zh-CN" altLang="en-US" smtClean="0"/>
-              <a:t>官方网站：</a:t>
-            </a:r>
-            <a:r>
-              <a:rPr lang="en-US" altLang="zh-CN" smtClean="0">
-                <a:hlinkClick r:id="rId2"/>
-              </a:rPr>
-              <a:t>http</a:t>
-            </a:r>
-            <a:r>
-              <a:rPr lang="en-US" altLang="zh-CN">
-                <a:hlinkClick r:id="rId2"/>
-              </a:rPr>
-              <a:t>://</a:t>
-            </a:r>
-            <a:r>
-              <a:rPr lang="en-US" altLang="zh-CN" smtClean="0">
-                <a:hlinkClick r:id="rId2"/>
-              </a:rPr>
-              <a:t>pandas.pydata.org</a:t>
-            </a:r>
-            <a:r>
-              <a:rPr lang="en-US" altLang="zh-CN" smtClean="0"/>
-              <a:t> </a:t>
-            </a:r>
-            <a:endParaRPr lang="en-US" altLang="zh-CN"/>
-          </a:p>
-          <a:p>
-            <a:endParaRPr lang="zh-CN" altLang="en-US"/>
-          </a:p>
-        </p:txBody>
-      </p:sp>
-    </p:spTree>
-    <p:extLst>
-      <p:ext uri="{BB962C8B-B14F-4D97-AF65-F5344CB8AC3E}">
-        <p14:creationId xmlns:p14="http://schemas.microsoft.com/office/powerpoint/2010/main" val="1188188020"/>
       </p:ext>
     </p:extLst>
   </p:cSld>
@@ -11642,11 +15338,7 @@
             </a:r>
             <a:r>
               <a:rPr lang="en-US" altLang="zh-CN"/>
-              <a:t>(</a:t>
-            </a:r>
-            <a:r>
-              <a:rPr lang="en-US" altLang="zh-CN"/>
-              <a:t>sort</a:t>
+              <a:t>(sort</a:t>
             </a:r>
             <a:r>
               <a:rPr lang="en-US" altLang="zh-CN" smtClean="0"/>
@@ -11674,11 +15366,7 @@
             </a:r>
             <a:r>
               <a:rPr lang="en-US" altLang="zh-CN"/>
-              <a:t>(concatenate,merge,join</a:t>
-            </a:r>
-            <a:r>
-              <a:rPr lang="en-US" altLang="zh-CN"/>
-              <a:t>) </a:t>
+              <a:t>(concatenate,merge,join) </a:t>
             </a:r>
             <a:endParaRPr lang="en-US" altLang="zh-CN" smtClean="0"/>
           </a:p>
@@ -11695,6 +15383,78 @@
     <p:extLst>
       <p:ext uri="{BB962C8B-B14F-4D97-AF65-F5344CB8AC3E}">
         <p14:creationId xmlns:p14="http://schemas.microsoft.com/office/powerpoint/2010/main" val="1266372407"/>
+      </p:ext>
+    </p:extLst>
+  </p:cSld>
+  <p:clrMapOvr>
+    <a:masterClrMapping/>
+  </p:clrMapOvr>
+  <p:timing>
+    <p:tnLst>
+      <p:par>
+        <p:cTn id="1" dur="indefinite" restart="never" nodeType="tmRoot"/>
+      </p:par>
+    </p:tnLst>
+  </p:timing>
+</p:sld>
+</file>
+
+<file path=ppt/slides/slide30.xml><?xml version="1.0" encoding="utf-8"?>
+<p:sld xmlns:a="http://schemas.openxmlformats.org/drawingml/2006/main" xmlns:r="http://schemas.openxmlformats.org/officeDocument/2006/relationships" xmlns:p="http://schemas.openxmlformats.org/presentationml/2006/main">
+  <p:cSld>
+    <p:spTree>
+      <p:nvGrpSpPr>
+        <p:cNvPr id="1" name=""/>
+        <p:cNvGrpSpPr/>
+        <p:nvPr/>
+      </p:nvGrpSpPr>
+      <p:grpSpPr>
+        <a:xfrm>
+          <a:off x="0" y="0"/>
+          <a:ext cx="0" cy="0"/>
+          <a:chOff x="0" y="0"/>
+          <a:chExt cx="0" cy="0"/>
+        </a:xfrm>
+      </p:grpSpPr>
+      <p:sp>
+        <p:nvSpPr>
+          <p:cNvPr id="2" name="标题 1"/>
+          <p:cNvSpPr>
+            <a:spLocks noGrp="1"/>
+          </p:cNvSpPr>
+          <p:nvPr>
+            <p:ph type="ctrTitle"/>
+          </p:nvPr>
+        </p:nvSpPr>
+        <p:spPr>
+          <a:xfrm>
+            <a:off x="1507067" y="1807634"/>
+            <a:ext cx="7766936" cy="1646302"/>
+          </a:xfrm>
+        </p:spPr>
+        <p:txBody>
+          <a:bodyPr/>
+          <a:lstStyle/>
+          <a:p>
+            <a:pPr algn="ctr"/>
+            <a:r>
+              <a:rPr lang="zh-CN" altLang="en-US" smtClean="0">
+                <a:latin typeface="微软雅黑" panose="020B0503020204020204" pitchFamily="34" charset="-122"/>
+                <a:ea typeface="微软雅黑" panose="020B0503020204020204" pitchFamily="34" charset="-122"/>
+              </a:rPr>
+              <a:t>谢谢观看！</a:t>
+            </a:r>
+            <a:endParaRPr lang="zh-CN" altLang="en-US">
+              <a:latin typeface="微软雅黑" panose="020B0503020204020204" pitchFamily="34" charset="-122"/>
+              <a:ea typeface="微软雅黑" panose="020B0503020204020204" pitchFamily="34" charset="-122"/>
+            </a:endParaRPr>
+          </a:p>
+        </p:txBody>
+      </p:sp>
+    </p:spTree>
+    <p:extLst>
+      <p:ext uri="{BB962C8B-B14F-4D97-AF65-F5344CB8AC3E}">
+        <p14:creationId xmlns:p14="http://schemas.microsoft.com/office/powerpoint/2010/main" val="3535968856"/>
       </p:ext>
     </p:extLst>
   </p:cSld>
@@ -11744,15 +15504,16 @@
           <a:lstStyle/>
           <a:p>
             <a:r>
-              <a:rPr lang="zh-CN" altLang="en-US"/>
-              <a:t>数据分组</a:t>
-            </a:r>
-            <a:r>
-              <a:rPr lang="en-US" altLang="zh-CN">
-                <a:latin typeface="+mj-ea"/>
-              </a:rPr>
-              <a:t>(groupby)</a:t>
-            </a:r>
+              <a:rPr lang="zh-CN" altLang="en-US" dirty="0"/>
+              <a:t>基本</a:t>
+            </a:r>
+            <a:r>
+              <a:rPr lang="zh-CN" altLang="en-US" dirty="0" smtClean="0"/>
+              <a:t>数据类型</a:t>
+            </a:r>
+            <a:endParaRPr lang="en-US" altLang="zh-CN" dirty="0">
+              <a:latin typeface="+mj-ea"/>
+            </a:endParaRPr>
           </a:p>
         </p:txBody>
       </p:sp>
@@ -11768,7 +15529,7 @@
         </p:nvSpPr>
         <p:spPr>
           <a:xfrm>
-            <a:off x="677334" y="1515979"/>
+            <a:off x="677334" y="972552"/>
             <a:ext cx="9152466" cy="4525383"/>
           </a:xfrm>
         </p:spPr>
@@ -11781,104 +15542,134 @@
             <a:pPr marL="0" indent="0">
               <a:buNone/>
             </a:pPr>
-            <a:endParaRPr lang="en-US" altLang="zh-CN" smtClean="0"/>
+            <a:endParaRPr lang="en-US" altLang="zh-CN" dirty="0" smtClean="0"/>
           </a:p>
           <a:p>
             <a:pPr marL="0" indent="0">
               <a:buNone/>
             </a:pPr>
             <a:r>
-              <a:rPr lang="zh-CN" altLang="en-US" smtClean="0"/>
-              <a:t>数据</a:t>
-            </a:r>
-            <a:r>
-              <a:rPr lang="zh-CN" altLang="en-US"/>
-              <a:t>分组的含义包含</a:t>
-            </a:r>
-            <a:r>
-              <a:rPr lang="en-US" altLang="zh-CN"/>
+              <a:rPr lang="en-US" altLang="zh-CN" dirty="0" smtClean="0"/>
+              <a:t>Pandas</a:t>
+            </a:r>
+            <a:r>
+              <a:rPr lang="zh-CN" altLang="en-US" dirty="0" smtClean="0"/>
+              <a:t>有以下几种主要的数据结构：</a:t>
+            </a:r>
+            <a:endParaRPr lang="en-US" altLang="zh-CN" dirty="0" smtClean="0"/>
+          </a:p>
+          <a:p>
+            <a:r>
+              <a:rPr lang="en-US" altLang="zh-CN" dirty="0" smtClean="0"/>
+              <a:t>1</a:t>
+            </a:r>
+            <a:r>
+              <a:rPr lang="en-US" altLang="zh-CN" dirty="0"/>
+              <a:t>. </a:t>
+            </a:r>
+            <a:r>
+              <a:rPr lang="en-US" altLang="zh-CN" dirty="0"/>
+              <a:t>Series</a:t>
+            </a:r>
+            <a:r>
+              <a:rPr lang="zh-CN" altLang="en-US" dirty="0" smtClean="0"/>
+              <a:t>：一维数据</a:t>
+            </a:r>
+            <a:endParaRPr lang="en-US" altLang="zh-CN" dirty="0" smtClean="0"/>
+          </a:p>
+          <a:p>
+            <a:r>
+              <a:rPr lang="en-US" altLang="zh-CN" dirty="0" smtClean="0"/>
+              <a:t>2</a:t>
+            </a:r>
+            <a:r>
+              <a:rPr lang="en-US" altLang="zh-CN" dirty="0"/>
+              <a:t>. </a:t>
+            </a:r>
+            <a:r>
+              <a:rPr lang="en-US" altLang="zh-CN" dirty="0" err="1" smtClean="0"/>
+              <a:t>DataFrame</a:t>
+            </a:r>
+            <a:r>
+              <a:rPr lang="zh-CN" altLang="en-US" dirty="0" smtClean="0"/>
+              <a:t>：二维数据</a:t>
+            </a:r>
+            <a:endParaRPr lang="en-US" altLang="zh-CN" dirty="0" smtClean="0"/>
+          </a:p>
+          <a:p>
+            <a:r>
+              <a:rPr lang="en-US" altLang="zh-CN" dirty="0" smtClean="0"/>
               <a:t>3</a:t>
             </a:r>
             <a:r>
-              <a:rPr lang="zh-CN" altLang="en-US"/>
-              <a:t>个</a:t>
-            </a:r>
-            <a:r>
-              <a:rPr lang="zh-CN" altLang="en-US"/>
-              <a:t>方面</a:t>
-            </a:r>
-            <a:r>
-              <a:rPr lang="zh-CN" altLang="en-US" smtClean="0"/>
+              <a:rPr lang="en-US" altLang="zh-CN" dirty="0"/>
+              <a:t>. </a:t>
+            </a:r>
+            <a:r>
+              <a:rPr lang="en-US" altLang="zh-CN" dirty="0" smtClean="0"/>
+              <a:t>Panel</a:t>
+            </a:r>
+            <a:r>
+              <a:rPr lang="zh-CN" altLang="en-US" dirty="0" smtClean="0"/>
+              <a:t>：三维数据</a:t>
+            </a:r>
+            <a:endParaRPr lang="en-US" altLang="zh-CN" dirty="0" smtClean="0"/>
+          </a:p>
+          <a:p>
+            <a:r>
+              <a:rPr lang="en-US" altLang="zh-CN" dirty="0" smtClean="0"/>
+              <a:t>4. </a:t>
+            </a:r>
+            <a:r>
+              <a:rPr lang="en-US" altLang="zh-CN" dirty="0" err="1" smtClean="0"/>
+              <a:t>PanelND</a:t>
+            </a:r>
+            <a:r>
+              <a:rPr lang="zh-CN" altLang="en-US" dirty="0" smtClean="0"/>
               <a:t>：</a:t>
             </a:r>
-            <a:endParaRPr lang="en-US" altLang="zh-CN" smtClean="0"/>
-          </a:p>
-          <a:p>
-            <a:r>
-              <a:rPr lang="en-US" altLang="zh-CN" smtClean="0"/>
-              <a:t>1</a:t>
-            </a:r>
-            <a:r>
-              <a:rPr lang="en-US" altLang="zh-CN"/>
-              <a:t>. Split</a:t>
-            </a:r>
-            <a:r>
-              <a:rPr lang="zh-CN" altLang="en-US"/>
-              <a:t>：将数据按照一定的标准进行</a:t>
-            </a:r>
-            <a:r>
-              <a:rPr lang="zh-CN" altLang="en-US"/>
-              <a:t>分类</a:t>
-            </a:r>
-            <a:r>
-              <a:rPr lang="zh-CN" altLang="en-US" smtClean="0"/>
-              <a:t>。</a:t>
-            </a:r>
-            <a:endParaRPr lang="en-US" altLang="zh-CN" smtClean="0"/>
-          </a:p>
-          <a:p>
-            <a:r>
-              <a:rPr lang="en-US" altLang="zh-CN" smtClean="0"/>
-              <a:t>2</a:t>
-            </a:r>
-            <a:r>
-              <a:rPr lang="en-US" altLang="zh-CN"/>
-              <a:t>. Apply</a:t>
-            </a:r>
-            <a:r>
-              <a:rPr lang="zh-CN" altLang="en-US"/>
-              <a:t>：对于每一个类别的数据，进行特定的</a:t>
-            </a:r>
-            <a:r>
-              <a:rPr lang="zh-CN" altLang="en-US"/>
-              <a:t>操作</a:t>
-            </a:r>
-            <a:r>
-              <a:rPr lang="zh-CN" altLang="en-US" smtClean="0"/>
-              <a:t>。</a:t>
-            </a:r>
-            <a:endParaRPr lang="en-US" altLang="zh-CN" smtClean="0"/>
-          </a:p>
-          <a:p>
-            <a:r>
-              <a:rPr lang="en-US" altLang="zh-CN" smtClean="0"/>
-              <a:t>3</a:t>
-            </a:r>
-            <a:r>
-              <a:rPr lang="en-US" altLang="zh-CN"/>
-              <a:t>. Combine</a:t>
-            </a:r>
-            <a:r>
-              <a:rPr lang="zh-CN" altLang="en-US"/>
-              <a:t>：将经过操作的所有类别的数据重新按照某种方式组合起来 。</a:t>
-            </a:r>
+            <a:r>
+              <a:rPr lang="en-US" altLang="zh-CN" dirty="0" smtClean="0"/>
+              <a:t>N</a:t>
+            </a:r>
+            <a:r>
+              <a:rPr lang="zh-CN" altLang="en-US" dirty="0" smtClean="0"/>
+              <a:t>维数据</a:t>
+            </a:r>
+            <a:endParaRPr lang="en-US" altLang="zh-CN" dirty="0" smtClean="0"/>
+          </a:p>
+          <a:p>
+            <a:pPr marL="0" indent="0">
+              <a:buNone/>
+            </a:pPr>
+            <a:endParaRPr lang="en-US" altLang="zh-CN" dirty="0" smtClean="0"/>
+          </a:p>
+          <a:p>
+            <a:pPr marL="0" indent="0">
+              <a:buNone/>
+            </a:pPr>
+            <a:r>
+              <a:rPr lang="zh-CN" altLang="en-US" dirty="0"/>
+              <a:t>高</a:t>
+            </a:r>
+            <a:r>
+              <a:rPr lang="zh-CN" altLang="en-US" dirty="0" smtClean="0"/>
+              <a:t>维数据结构可当作低维数据结构的容器。</a:t>
+            </a:r>
+            <a:endParaRPr lang="en-US" altLang="zh-CN" dirty="0" smtClean="0"/>
+          </a:p>
+          <a:p>
+            <a:pPr marL="0" indent="0">
+              <a:buNone/>
+            </a:pPr>
+            <a:endParaRPr lang="en-US" altLang="zh-CN" dirty="0" smtClean="0"/>
           </a:p>
         </p:txBody>
       </p:sp>
     </p:spTree>
     <p:extLst>
       <p:ext uri="{BB962C8B-B14F-4D97-AF65-F5344CB8AC3E}">
-        <p14:creationId xmlns:p14="http://schemas.microsoft.com/office/powerpoint/2010/main" val="91532062"/>
+        <p14:creationId xmlns:p14="http://schemas.microsoft.com/office/powerpoint/2010/main" val="2438341285"/>
       </p:ext>
     </p:extLst>
   </p:cSld>
@@ -11914,313 +15705,119 @@
       </p:grpSpPr>
       <p:sp>
         <p:nvSpPr>
-          <p:cNvPr id="4" name="内容占位符 2"/>
-          <p:cNvSpPr txBox="1">
-            <a:spLocks/>
-          </p:cNvSpPr>
-          <p:nvPr/>
+          <p:cNvPr id="2" name="标题 1"/>
+          <p:cNvSpPr>
+            <a:spLocks noGrp="1"/>
+          </p:cNvSpPr>
+          <p:nvPr>
+            <p:ph type="title"/>
+          </p:nvPr>
+        </p:nvSpPr>
+        <p:spPr/>
+        <p:txBody>
+          <a:bodyPr>
+            <a:normAutofit/>
+          </a:bodyPr>
+          <a:lstStyle/>
+          <a:p>
+            <a:r>
+              <a:rPr lang="zh-CN" altLang="en-US" sz="2800" dirty="0" smtClean="0"/>
+              <a:t>系列（</a:t>
+            </a:r>
+            <a:r>
+              <a:rPr lang="en-US" altLang="zh-CN" sz="2800" dirty="0" smtClean="0"/>
+              <a:t>Series</a:t>
+            </a:r>
+            <a:r>
+              <a:rPr lang="zh-CN" altLang="en-US" sz="2800" dirty="0" smtClean="0"/>
+              <a:t>）</a:t>
+            </a:r>
+            <a:endParaRPr lang="en-US" altLang="zh-CN" sz="2800" dirty="0">
+              <a:latin typeface="+mj-ea"/>
+            </a:endParaRPr>
+          </a:p>
+        </p:txBody>
+      </p:sp>
+      <p:sp>
+        <p:nvSpPr>
+          <p:cNvPr id="3" name="内容占位符 2"/>
+          <p:cNvSpPr>
+            <a:spLocks noGrp="1"/>
+          </p:cNvSpPr>
+          <p:nvPr>
+            <p:ph idx="1"/>
+          </p:nvPr>
         </p:nvSpPr>
         <p:spPr>
           <a:xfrm>
-            <a:off x="165100" y="139700"/>
-            <a:ext cx="6045200" cy="6489700"/>
+            <a:off x="677334" y="1193270"/>
+            <a:ext cx="9152466" cy="1439571"/>
+          </a:xfrm>
+        </p:spPr>
+        <p:txBody>
+          <a:bodyPr>
+            <a:normAutofit/>
+          </a:bodyPr>
+          <a:lstStyle/>
+          <a:p>
+            <a:pPr marL="0" indent="0">
+              <a:buNone/>
+            </a:pPr>
+            <a:r>
+              <a:rPr lang="zh-CN" altLang="en-US" dirty="0" smtClean="0"/>
+              <a:t>　　系列</a:t>
+            </a:r>
+            <a:r>
+              <a:rPr lang="zh-CN" altLang="en-US" dirty="0"/>
+              <a:t>（ </a:t>
+            </a:r>
+            <a:r>
+              <a:rPr lang="en-US" altLang="zh-CN" dirty="0"/>
+              <a:t>Series </a:t>
+            </a:r>
+            <a:r>
+              <a:rPr lang="zh-CN" altLang="en-US" dirty="0"/>
+              <a:t>）是一种类似于一维数组的对象，由一组数据（类型可以是各种</a:t>
+            </a:r>
+            <a:r>
+              <a:rPr lang="en-US" altLang="zh-CN" dirty="0" err="1"/>
+              <a:t>Numpy</a:t>
+            </a:r>
+            <a:r>
+              <a:rPr lang="zh-CN" altLang="en-US" dirty="0" smtClean="0"/>
+              <a:t>中的</a:t>
+            </a:r>
+            <a:r>
+              <a:rPr lang="zh-CN" altLang="en-US" dirty="0"/>
+              <a:t>数据类型）以及一组与之对应的</a:t>
+            </a:r>
+            <a:r>
+              <a:rPr lang="zh-CN" altLang="en-US" b="1" dirty="0"/>
+              <a:t>数据标签</a:t>
+            </a:r>
+            <a:r>
+              <a:rPr lang="zh-CN" altLang="en-US" dirty="0"/>
+              <a:t>（索引）组成。</a:t>
+            </a:r>
+            <a:endParaRPr lang="en-US" altLang="zh-CN" dirty="0" smtClean="0"/>
+          </a:p>
+        </p:txBody>
+      </p:sp>
+      <p:sp>
+        <p:nvSpPr>
+          <p:cNvPr id="4" name="文本框 3"/>
+          <p:cNvSpPr txBox="1"/>
+          <p:nvPr/>
+        </p:nvSpPr>
+        <p:spPr>
+          <a:xfrm>
+            <a:off x="898634" y="2853559"/>
+            <a:ext cx="8375368" cy="3046988"/>
           </a:xfrm>
           <a:prstGeom prst="rect">
             <a:avLst/>
           </a:prstGeom>
-        </p:spPr>
-        <p:txBody>
-          <a:bodyPr vert="horz" lIns="91440" tIns="45720" rIns="91440" bIns="45720" rtlCol="0">
-            <a:noAutofit/>
-          </a:bodyPr>
-          <a:lstStyle>
-            <a:lvl1pPr marL="0" indent="0" algn="ctr" defTabSz="914400" rtl="0" eaLnBrk="1" latinLnBrk="0" hangingPunct="1">
-              <a:lnSpc>
-                <a:spcPct val="90000"/>
-              </a:lnSpc>
-              <a:spcBef>
-                <a:spcPts val="1000"/>
-              </a:spcBef>
-              <a:buFont typeface="Arial" panose="020B0604020202020204" pitchFamily="34" charset="0"/>
-              <a:buNone/>
-              <a:defRPr sz="2400" kern="1200">
-                <a:solidFill>
-                  <a:schemeClr val="tx1"/>
-                </a:solidFill>
-                <a:latin typeface="+mn-lt"/>
-                <a:ea typeface="+mn-ea"/>
-                <a:cs typeface="+mn-cs"/>
-              </a:defRPr>
-            </a:lvl1pPr>
-            <a:lvl2pPr marL="457200" indent="0" algn="ctr" defTabSz="914400" rtl="0" eaLnBrk="1" latinLnBrk="0" hangingPunct="1">
-              <a:lnSpc>
-                <a:spcPct val="90000"/>
-              </a:lnSpc>
-              <a:spcBef>
-                <a:spcPts val="500"/>
-              </a:spcBef>
-              <a:buFont typeface="Arial" panose="020B0604020202020204" pitchFamily="34" charset="0"/>
-              <a:buNone/>
-              <a:defRPr sz="2000" kern="1200">
-                <a:solidFill>
-                  <a:schemeClr val="tx1"/>
-                </a:solidFill>
-                <a:latin typeface="+mn-lt"/>
-                <a:ea typeface="+mn-ea"/>
-                <a:cs typeface="+mn-cs"/>
-              </a:defRPr>
-            </a:lvl2pPr>
-            <a:lvl3pPr marL="914400" indent="0" algn="ctr" defTabSz="914400" rtl="0" eaLnBrk="1" latinLnBrk="0" hangingPunct="1">
-              <a:lnSpc>
-                <a:spcPct val="90000"/>
-              </a:lnSpc>
-              <a:spcBef>
-                <a:spcPts val="500"/>
-              </a:spcBef>
-              <a:buFont typeface="Arial" panose="020B0604020202020204" pitchFamily="34" charset="0"/>
-              <a:buNone/>
-              <a:defRPr sz="1800" kern="1200">
-                <a:solidFill>
-                  <a:schemeClr val="tx1"/>
-                </a:solidFill>
-                <a:latin typeface="+mn-lt"/>
-                <a:ea typeface="+mn-ea"/>
-                <a:cs typeface="+mn-cs"/>
-              </a:defRPr>
-            </a:lvl3pPr>
-            <a:lvl4pPr marL="1371600" indent="0" algn="ctr" defTabSz="914400" rtl="0" eaLnBrk="1" latinLnBrk="0" hangingPunct="1">
-              <a:lnSpc>
-                <a:spcPct val="90000"/>
-              </a:lnSpc>
-              <a:spcBef>
-                <a:spcPts val="500"/>
-              </a:spcBef>
-              <a:buFont typeface="Arial" panose="020B0604020202020204" pitchFamily="34" charset="0"/>
-              <a:buNone/>
-              <a:defRPr sz="1600" kern="1200">
-                <a:solidFill>
-                  <a:schemeClr val="tx1"/>
-                </a:solidFill>
-                <a:latin typeface="+mn-lt"/>
-                <a:ea typeface="+mn-ea"/>
-                <a:cs typeface="+mn-cs"/>
-              </a:defRPr>
-            </a:lvl4pPr>
-            <a:lvl5pPr marL="1828800" indent="0" algn="ctr" defTabSz="914400" rtl="0" eaLnBrk="1" latinLnBrk="0" hangingPunct="1">
-              <a:lnSpc>
-                <a:spcPct val="90000"/>
-              </a:lnSpc>
-              <a:spcBef>
-                <a:spcPts val="500"/>
-              </a:spcBef>
-              <a:buFont typeface="Arial" panose="020B0604020202020204" pitchFamily="34" charset="0"/>
-              <a:buNone/>
-              <a:defRPr sz="1600" kern="1200">
-                <a:solidFill>
-                  <a:schemeClr val="tx1"/>
-                </a:solidFill>
-                <a:latin typeface="+mn-lt"/>
-                <a:ea typeface="+mn-ea"/>
-                <a:cs typeface="+mn-cs"/>
-              </a:defRPr>
-            </a:lvl5pPr>
-            <a:lvl6pPr marL="2286000" indent="0" algn="ctr" defTabSz="914400" rtl="0" eaLnBrk="1" latinLnBrk="0" hangingPunct="1">
-              <a:lnSpc>
-                <a:spcPct val="90000"/>
-              </a:lnSpc>
-              <a:spcBef>
-                <a:spcPts val="500"/>
-              </a:spcBef>
-              <a:buFont typeface="Arial" panose="020B0604020202020204" pitchFamily="34" charset="0"/>
-              <a:buNone/>
-              <a:defRPr sz="1600" kern="1200">
-                <a:solidFill>
-                  <a:schemeClr val="tx1"/>
-                </a:solidFill>
-                <a:latin typeface="+mn-lt"/>
-                <a:ea typeface="+mn-ea"/>
-                <a:cs typeface="+mn-cs"/>
-              </a:defRPr>
-            </a:lvl6pPr>
-            <a:lvl7pPr marL="2743200" indent="0" algn="ctr" defTabSz="914400" rtl="0" eaLnBrk="1" latinLnBrk="0" hangingPunct="1">
-              <a:lnSpc>
-                <a:spcPct val="90000"/>
-              </a:lnSpc>
-              <a:spcBef>
-                <a:spcPts val="500"/>
-              </a:spcBef>
-              <a:buFont typeface="Arial" panose="020B0604020202020204" pitchFamily="34" charset="0"/>
-              <a:buNone/>
-              <a:defRPr sz="1600" kern="1200">
-                <a:solidFill>
-                  <a:schemeClr val="tx1"/>
-                </a:solidFill>
-                <a:latin typeface="+mn-lt"/>
-                <a:ea typeface="+mn-ea"/>
-                <a:cs typeface="+mn-cs"/>
-              </a:defRPr>
-            </a:lvl7pPr>
-            <a:lvl8pPr marL="3200400" indent="0" algn="ctr" defTabSz="914400" rtl="0" eaLnBrk="1" latinLnBrk="0" hangingPunct="1">
-              <a:lnSpc>
-                <a:spcPct val="90000"/>
-              </a:lnSpc>
-              <a:spcBef>
-                <a:spcPts val="500"/>
-              </a:spcBef>
-              <a:buFont typeface="Arial" panose="020B0604020202020204" pitchFamily="34" charset="0"/>
-              <a:buNone/>
-              <a:defRPr sz="1600" kern="1200">
-                <a:solidFill>
-                  <a:schemeClr val="tx1"/>
-                </a:solidFill>
-                <a:latin typeface="+mn-lt"/>
-                <a:ea typeface="+mn-ea"/>
-                <a:cs typeface="+mn-cs"/>
-              </a:defRPr>
-            </a:lvl8pPr>
-            <a:lvl9pPr marL="3657600" indent="0" algn="ctr" defTabSz="914400" rtl="0" eaLnBrk="1" latinLnBrk="0" hangingPunct="1">
-              <a:lnSpc>
-                <a:spcPct val="90000"/>
-              </a:lnSpc>
-              <a:spcBef>
-                <a:spcPts val="500"/>
-              </a:spcBef>
-              <a:buFont typeface="Arial" panose="020B0604020202020204" pitchFamily="34" charset="0"/>
-              <a:buNone/>
-              <a:defRPr sz="1600" kern="1200">
-                <a:solidFill>
-                  <a:schemeClr val="tx1"/>
-                </a:solidFill>
-                <a:latin typeface="+mn-lt"/>
-                <a:ea typeface="+mn-ea"/>
-                <a:cs typeface="+mn-cs"/>
-              </a:defRPr>
-            </a:lvl9pPr>
-          </a:lstStyle>
-          <a:p>
-            <a:pPr algn="l"/>
-            <a:r>
-              <a:rPr lang="en-US" altLang="zh-CN" sz="2500" smtClean="0"/>
-              <a:t>import pandas as pd</a:t>
-            </a:r>
-          </a:p>
-          <a:p>
-            <a:pPr algn="l"/>
-            <a:r>
-              <a:rPr lang="en-US" altLang="zh-CN" sz="2500" smtClean="0"/>
-              <a:t>import numpy as np</a:t>
-            </a:r>
-          </a:p>
-          <a:p>
-            <a:pPr algn="l"/>
-            <a:endParaRPr lang="en-US" altLang="zh-CN" sz="2500" smtClean="0"/>
-          </a:p>
-          <a:p>
-            <a:pPr algn="l"/>
-            <a:r>
-              <a:rPr lang="en-US" altLang="zh-CN" sz="2500" smtClean="0"/>
-              <a:t>df = pd.DataFrame({'A' : ['foo', 'bar', 'foo', 'bar', 'foo', 'bar', 'foo', 'foo'],</a:t>
-            </a:r>
-          </a:p>
-          <a:p>
-            <a:pPr algn="l"/>
-            <a:r>
-              <a:rPr lang="en-US" altLang="zh-CN" sz="2500" smtClean="0"/>
-              <a:t>                  'C' : np.random.randn(8),</a:t>
-            </a:r>
-          </a:p>
-          <a:p>
-            <a:pPr algn="l"/>
-            <a:r>
-              <a:rPr lang="en-US" altLang="zh-CN" sz="2500" smtClean="0"/>
-              <a:t>                  'D' : np.random.randn(8),</a:t>
-            </a:r>
-          </a:p>
-          <a:p>
-            <a:pPr algn="l"/>
-            <a:r>
-              <a:rPr lang="en-US" altLang="zh-CN" sz="2500" smtClean="0"/>
-              <a:t>                  'B' : ['one', 'one', 'two', 'three',</a:t>
-            </a:r>
-          </a:p>
-          <a:p>
-            <a:pPr algn="l"/>
-            <a:r>
-              <a:rPr lang="en-US" altLang="zh-CN" sz="2500" smtClean="0"/>
-              <a:t>                        'two', 'two', 'one', 'three']</a:t>
-            </a:r>
-          </a:p>
-          <a:p>
-            <a:pPr algn="l"/>
-            <a:r>
-              <a:rPr lang="en-US" altLang="zh-CN" sz="2500" smtClean="0"/>
-              <a:t>                  })</a:t>
-            </a:r>
-          </a:p>
-          <a:p>
-            <a:pPr algn="l"/>
-            <a:endParaRPr lang="en-US" altLang="zh-CN" sz="2500" smtClean="0"/>
-          </a:p>
-          <a:p>
-            <a:pPr algn="l"/>
-            <a:r>
-              <a:rPr lang="en-US" altLang="zh-CN" sz="2500" smtClean="0"/>
-              <a:t># </a:t>
-            </a:r>
-            <a:r>
-              <a:rPr lang="zh-CN" altLang="en-US" sz="2500" smtClean="0"/>
-              <a:t>指定</a:t>
-            </a:r>
-            <a:r>
-              <a:rPr lang="en-US" altLang="zh-CN" sz="2500" smtClean="0"/>
-              <a:t>colomn</a:t>
-            </a:r>
-            <a:r>
-              <a:rPr lang="zh-CN" altLang="en-US" sz="2500" smtClean="0"/>
-              <a:t>进行分组</a:t>
-            </a:r>
-            <a:endParaRPr lang="en-US" altLang="zh-CN" sz="2500" smtClean="0"/>
-          </a:p>
-          <a:p>
-            <a:pPr algn="l"/>
-            <a:r>
-              <a:rPr lang="en-US" altLang="zh-CN" sz="2500" smtClean="0">
-                <a:solidFill>
-                  <a:srgbClr val="FF0000"/>
-                </a:solidFill>
-              </a:rPr>
-              <a:t>grouped = df.groupby(['A', 'B'])</a:t>
-            </a:r>
-          </a:p>
-          <a:p>
-            <a:pPr algn="l"/>
-            <a:r>
-              <a:rPr lang="en-US" altLang="zh-CN" sz="2500" smtClean="0"/>
-              <a:t>print(grouped.groups)</a:t>
-            </a:r>
-          </a:p>
-        </p:txBody>
-      </p:sp>
-      <p:sp>
-        <p:nvSpPr>
-          <p:cNvPr id="5" name="文本框 4"/>
-          <p:cNvSpPr txBox="1"/>
-          <p:nvPr/>
-        </p:nvSpPr>
-        <p:spPr>
-          <a:xfrm>
-            <a:off x="6210300" y="647700"/>
-            <a:ext cx="5816600" cy="2954655"/>
-          </a:xfrm>
-          <a:prstGeom prst="rect">
-            <a:avLst/>
-          </a:prstGeom>
-          <a:solidFill>
-            <a:schemeClr val="accent1">
-              <a:lumMod val="20000"/>
-              <a:lumOff val="80000"/>
-            </a:schemeClr>
-          </a:solidFill>
+          <a:noFill/>
         </p:spPr>
         <p:txBody>
           <a:bodyPr wrap="square" rtlCol="0">
@@ -12229,42 +15826,258 @@
           <a:lstStyle/>
           <a:p>
             <a:r>
-              <a:rPr lang="en-US" altLang="zh-CN" sz="2400" smtClean="0"/>
-              <a:t># </a:t>
-            </a:r>
-            <a:r>
-              <a:rPr lang="zh-CN" altLang="en-US" sz="2400" smtClean="0"/>
-              <a:t>输出结果：</a:t>
-            </a:r>
-          </a:p>
-          <a:p>
-            <a:r>
-              <a:rPr lang="en-US" altLang="zh-CN" sz="2400" smtClean="0"/>
-              <a:t>{('bar', 'one'): Int64Index([1], dtype='int64'), ('bar', 'three'): Int64Index([3], dtype='int64'), ('bar', 'two'): Int64Index([5], dtype='int64'), ('foo', 'one'): Int64Index([0, 6], dtype='int64'), </a:t>
-            </a:r>
-          </a:p>
-          <a:p>
-            <a:r>
-              <a:rPr lang="en-US" altLang="zh-CN" sz="2400" smtClean="0"/>
-              <a:t>('foo', 'three'): Int64Index([7], dtype='int64'), ('foo', 'two'): Int64Index([2, 4], dtype='int64')}</a:t>
-            </a:r>
-            <a:endParaRPr lang="zh-CN" altLang="en-US" sz="2400" smtClean="0"/>
-          </a:p>
-          <a:p>
-            <a:endParaRPr lang="zh-CN" altLang="en-US"/>
+              <a:rPr lang="zh-CN" altLang="en-US" sz="2400" dirty="0" smtClean="0">
+                <a:latin typeface="+mj-ea"/>
+                <a:ea typeface="+mj-ea"/>
+              </a:rPr>
+              <a:t>构造函数：</a:t>
+            </a:r>
+            <a:endParaRPr lang="en-US" altLang="zh-CN" sz="2400" dirty="0" smtClean="0">
+              <a:latin typeface="+mj-ea"/>
+              <a:ea typeface="+mj-ea"/>
+            </a:endParaRPr>
+          </a:p>
+          <a:p>
+            <a:r>
+              <a:rPr lang="en-US" altLang="zh-CN" sz="2400" dirty="0" err="1" smtClean="0">
+                <a:latin typeface="+mj-ea"/>
+                <a:ea typeface="+mj-ea"/>
+              </a:rPr>
+              <a:t>pandas.Series</a:t>
+            </a:r>
+            <a:r>
+              <a:rPr lang="en-US" altLang="zh-CN" sz="2400" dirty="0" smtClean="0">
+                <a:latin typeface="+mj-ea"/>
+                <a:ea typeface="+mj-ea"/>
+              </a:rPr>
+              <a:t>(data, index, </a:t>
+            </a:r>
+            <a:r>
+              <a:rPr lang="en-US" altLang="zh-CN" sz="2400" dirty="0" err="1" smtClean="0">
+                <a:latin typeface="+mj-ea"/>
+                <a:ea typeface="+mj-ea"/>
+              </a:rPr>
+              <a:t>dtype</a:t>
+            </a:r>
+            <a:r>
+              <a:rPr lang="en-US" altLang="zh-CN" sz="2400" dirty="0" smtClean="0">
+                <a:latin typeface="+mj-ea"/>
+                <a:ea typeface="+mj-ea"/>
+              </a:rPr>
+              <a:t>, copy)</a:t>
+            </a:r>
+          </a:p>
+          <a:p>
+            <a:endParaRPr lang="en-US" altLang="zh-CN" sz="2400" dirty="0" smtClean="0">
+              <a:latin typeface="+mj-ea"/>
+              <a:ea typeface="+mj-ea"/>
+            </a:endParaRPr>
+          </a:p>
+          <a:p>
+            <a:r>
+              <a:rPr lang="zh-CN" altLang="en-US" sz="2400" dirty="0" smtClean="0">
+                <a:latin typeface="+mj-ea"/>
+                <a:ea typeface="+mj-ea"/>
+              </a:rPr>
+              <a:t>参数：</a:t>
+            </a:r>
+            <a:endParaRPr lang="en-US" altLang="zh-CN" sz="2400" dirty="0" smtClean="0">
+              <a:latin typeface="+mj-ea"/>
+              <a:ea typeface="+mj-ea"/>
+            </a:endParaRPr>
+          </a:p>
+          <a:p>
+            <a:pPr marL="342900" indent="-342900">
+              <a:buFont typeface="Arial" panose="020B0604020202020204" pitchFamily="34" charset="0"/>
+              <a:buChar char="•"/>
+            </a:pPr>
+            <a:r>
+              <a:rPr lang="en-US" altLang="zh-CN" sz="2400" dirty="0">
+                <a:latin typeface="+mj-ea"/>
+                <a:ea typeface="+mj-ea"/>
+              </a:rPr>
+              <a:t>d</a:t>
+            </a:r>
+            <a:r>
+              <a:rPr lang="en-US" altLang="zh-CN" sz="2400" dirty="0" smtClean="0">
+                <a:latin typeface="+mj-ea"/>
+                <a:ea typeface="+mj-ea"/>
+              </a:rPr>
+              <a:t>ata</a:t>
+            </a:r>
+            <a:r>
+              <a:rPr lang="zh-CN" altLang="en-US" sz="2400" dirty="0" smtClean="0">
+                <a:latin typeface="+mj-ea"/>
+                <a:ea typeface="+mj-ea"/>
+              </a:rPr>
+              <a:t>：可为</a:t>
+            </a:r>
+            <a:r>
+              <a:rPr lang="en-US" altLang="zh-CN" sz="2400" dirty="0" err="1" smtClean="0">
+                <a:latin typeface="+mj-ea"/>
+                <a:ea typeface="+mj-ea"/>
+              </a:rPr>
+              <a:t>ndarray</a:t>
+            </a:r>
+            <a:r>
+              <a:rPr lang="zh-CN" altLang="en-US" sz="2400" dirty="0" smtClean="0">
+                <a:latin typeface="+mj-ea"/>
+                <a:ea typeface="+mj-ea"/>
+              </a:rPr>
+              <a:t>、</a:t>
+            </a:r>
+            <a:r>
+              <a:rPr lang="en-US" altLang="zh-CN" sz="2400" dirty="0" smtClean="0">
+                <a:latin typeface="+mj-ea"/>
+                <a:ea typeface="+mj-ea"/>
+              </a:rPr>
+              <a:t>list</a:t>
+            </a:r>
+            <a:r>
+              <a:rPr lang="zh-CN" altLang="en-US" sz="2400" dirty="0" smtClean="0">
+                <a:latin typeface="+mj-ea"/>
+                <a:ea typeface="+mj-ea"/>
+              </a:rPr>
+              <a:t>、</a:t>
+            </a:r>
+            <a:r>
+              <a:rPr lang="en-US" altLang="zh-CN" sz="2400" dirty="0" err="1" smtClean="0">
+                <a:latin typeface="+mj-ea"/>
+                <a:ea typeface="+mj-ea"/>
+              </a:rPr>
+              <a:t>dict</a:t>
+            </a:r>
+            <a:r>
+              <a:rPr lang="zh-CN" altLang="en-US" sz="2400" dirty="0" smtClean="0">
+                <a:latin typeface="+mj-ea"/>
+                <a:ea typeface="+mj-ea"/>
+              </a:rPr>
+              <a:t>等多种形式</a:t>
+            </a:r>
+            <a:endParaRPr lang="en-US" altLang="zh-CN" sz="2400" dirty="0" smtClean="0">
+              <a:latin typeface="+mj-ea"/>
+              <a:ea typeface="+mj-ea"/>
+            </a:endParaRPr>
+          </a:p>
+          <a:p>
+            <a:pPr marL="342900" indent="-342900">
+              <a:buFont typeface="Arial" panose="020B0604020202020204" pitchFamily="34" charset="0"/>
+              <a:buChar char="•"/>
+            </a:pPr>
+            <a:r>
+              <a:rPr lang="en-US" altLang="zh-CN" sz="2400" dirty="0" smtClean="0">
+                <a:latin typeface="+mj-ea"/>
+                <a:ea typeface="+mj-ea"/>
+              </a:rPr>
+              <a:t>index</a:t>
+            </a:r>
+            <a:r>
+              <a:rPr lang="zh-CN" altLang="en-US" sz="2400" dirty="0" smtClean="0">
+                <a:latin typeface="+mj-ea"/>
+                <a:ea typeface="+mj-ea"/>
+              </a:rPr>
+              <a:t>：对数据的索引，长度需与</a:t>
+            </a:r>
+            <a:r>
+              <a:rPr lang="en-US" altLang="zh-CN" sz="2400" dirty="0" smtClean="0">
+                <a:latin typeface="+mj-ea"/>
+                <a:ea typeface="+mj-ea"/>
+              </a:rPr>
+              <a:t>data</a:t>
+            </a:r>
+            <a:r>
+              <a:rPr lang="zh-CN" altLang="en-US" sz="2400" dirty="0" smtClean="0">
+                <a:latin typeface="+mj-ea"/>
+                <a:ea typeface="+mj-ea"/>
+              </a:rPr>
+              <a:t>的长度相同</a:t>
+            </a:r>
+            <a:endParaRPr lang="en-US" altLang="zh-CN" sz="2400" dirty="0" smtClean="0">
+              <a:latin typeface="+mj-ea"/>
+              <a:ea typeface="+mj-ea"/>
+            </a:endParaRPr>
+          </a:p>
+          <a:p>
+            <a:pPr marL="342900" indent="-342900">
+              <a:buFont typeface="Arial" panose="020B0604020202020204" pitchFamily="34" charset="0"/>
+              <a:buChar char="•"/>
+            </a:pPr>
+            <a:r>
+              <a:rPr lang="en-US" altLang="zh-CN" sz="2400" dirty="0" err="1" smtClean="0">
+                <a:latin typeface="+mj-ea"/>
+                <a:ea typeface="+mj-ea"/>
+              </a:rPr>
+              <a:t>dtype</a:t>
+            </a:r>
+            <a:r>
+              <a:rPr lang="zh-CN" altLang="en-US" sz="2400" dirty="0" smtClean="0">
+                <a:latin typeface="+mj-ea"/>
+                <a:ea typeface="+mj-ea"/>
+              </a:rPr>
+              <a:t>：</a:t>
+            </a:r>
+            <a:r>
+              <a:rPr lang="en-US" altLang="zh-CN" sz="2400" dirty="0" smtClean="0">
+                <a:latin typeface="+mj-ea"/>
+                <a:ea typeface="+mj-ea"/>
+              </a:rPr>
+              <a:t>data</a:t>
+            </a:r>
+            <a:r>
+              <a:rPr lang="zh-CN" altLang="en-US" sz="2400" dirty="0" smtClean="0">
+                <a:latin typeface="+mj-ea"/>
+                <a:ea typeface="+mj-ea"/>
+              </a:rPr>
+              <a:t>的数据类型</a:t>
+            </a:r>
+            <a:endParaRPr lang="en-US" altLang="zh-CN" sz="2400" dirty="0" smtClean="0">
+              <a:latin typeface="+mj-ea"/>
+              <a:ea typeface="+mj-ea"/>
+            </a:endParaRPr>
+          </a:p>
+          <a:p>
+            <a:pPr marL="342900" indent="-342900">
+              <a:buFont typeface="Arial" panose="020B0604020202020204" pitchFamily="34" charset="0"/>
+              <a:buChar char="•"/>
+            </a:pPr>
+            <a:r>
+              <a:rPr lang="en-US" altLang="zh-CN" sz="2400" dirty="0" smtClean="0">
+                <a:latin typeface="+mj-ea"/>
+                <a:ea typeface="+mj-ea"/>
+              </a:rPr>
+              <a:t>copy</a:t>
+            </a:r>
+            <a:r>
+              <a:rPr lang="zh-CN" altLang="en-US" sz="2400" dirty="0" smtClean="0">
+                <a:latin typeface="+mj-ea"/>
+                <a:ea typeface="+mj-ea"/>
+              </a:rPr>
+              <a:t>：是否进行复制</a:t>
+            </a:r>
+            <a:endParaRPr lang="zh-CN" altLang="en-US" sz="2400" dirty="0">
+              <a:latin typeface="+mj-ea"/>
+              <a:ea typeface="+mj-ea"/>
+            </a:endParaRPr>
           </a:p>
         </p:txBody>
       </p:sp>
     </p:spTree>
     <p:extLst>
       <p:ext uri="{BB962C8B-B14F-4D97-AF65-F5344CB8AC3E}">
-        <p14:creationId xmlns:p14="http://schemas.microsoft.com/office/powerpoint/2010/main" val="3391918770"/>
+        <p14:creationId xmlns:p14="http://schemas.microsoft.com/office/powerpoint/2010/main" val="1367755580"/>
       </p:ext>
     </p:extLst>
   </p:cSld>
   <p:clrMapOvr>
     <a:masterClrMapping/>
   </p:clrMapOvr>
+  <p:timing>
+    <p:tnLst>
+      <p:par>
+        <p:cTn id="1" dur="indefinite" restart="never" nodeType="tmRoot"/>
+      </p:par>
+    </p:tnLst>
+  </p:timing>
 </p:sld>
 </file>
 
@@ -12297,90 +16110,73 @@
         </p:nvSpPr>
         <p:spPr/>
         <p:txBody>
-          <a:bodyPr/>
+          <a:bodyPr>
+            <a:normAutofit/>
+          </a:bodyPr>
           <a:lstStyle/>
           <a:p>
             <a:r>
-              <a:rPr lang="zh-CN" altLang="en-US" smtClean="0"/>
-              <a:t>分组之后的操作</a:t>
-            </a:r>
-            <a:endParaRPr lang="zh-CN" altLang="en-US"/>
-          </a:p>
-        </p:txBody>
-      </p:sp>
-      <p:sp>
-        <p:nvSpPr>
-          <p:cNvPr id="3" name="内容占位符 2"/>
-          <p:cNvSpPr>
-            <a:spLocks noGrp="1"/>
-          </p:cNvSpPr>
-          <p:nvPr>
-            <p:ph idx="1"/>
-          </p:nvPr>
-        </p:nvSpPr>
-        <p:spPr/>
-        <p:txBody>
-          <a:bodyPr/>
-          <a:lstStyle/>
-          <a:p>
-            <a:r>
-              <a:rPr lang="en-US" altLang="zh-CN" smtClean="0"/>
-              <a:t>Aggregation </a:t>
-            </a:r>
-            <a:r>
-              <a:rPr lang="zh-CN" altLang="en-US"/>
-              <a:t>：计算类别内数据的总体特征，如和、均值</a:t>
-            </a:r>
-            <a:r>
-              <a:rPr lang="zh-CN" altLang="en-US"/>
-              <a:t>、</a:t>
-            </a:r>
-            <a:r>
-              <a:rPr lang="zh-CN" altLang="en-US" smtClean="0"/>
-              <a:t>维数</a:t>
-            </a:r>
-            <a:endParaRPr lang="en-US" altLang="zh-CN" smtClean="0"/>
-          </a:p>
-          <a:p>
-            <a:r>
-              <a:rPr lang="en-US" altLang="zh-CN" smtClean="0"/>
-              <a:t>Transformation </a:t>
-            </a:r>
-            <a:r>
-              <a:rPr lang="zh-CN" altLang="en-US"/>
-              <a:t>：对类内数据总体进行处理，如标准化、</a:t>
-            </a:r>
-            <a:r>
-              <a:rPr lang="zh-CN" altLang="en-US"/>
-              <a:t>填补</a:t>
-            </a:r>
-            <a:r>
-              <a:rPr lang="en-US" altLang="zh-CN" smtClean="0"/>
-              <a:t>NA</a:t>
-            </a:r>
-          </a:p>
-          <a:p>
-            <a:r>
-              <a:rPr lang="en-US" altLang="zh-CN" smtClean="0"/>
-              <a:t>Filtration </a:t>
-            </a:r>
-            <a:r>
-              <a:rPr lang="zh-CN" altLang="en-US"/>
-              <a:t>：对某些类别的数据进行丢弃、筛选等</a:t>
-            </a:r>
-          </a:p>
-        </p:txBody>
-      </p:sp>
+              <a:rPr lang="zh-CN" altLang="en-US" sz="2800" dirty="0" smtClean="0"/>
+              <a:t>从</a:t>
+            </a:r>
+            <a:r>
+              <a:rPr lang="en-US" altLang="zh-CN" sz="2800" dirty="0" err="1" smtClean="0"/>
+              <a:t>ndarray</a:t>
+            </a:r>
+            <a:r>
+              <a:rPr lang="zh-CN" altLang="en-US" sz="2800" dirty="0"/>
+              <a:t>创建</a:t>
+            </a:r>
+            <a:r>
+              <a:rPr lang="en-US" altLang="zh-CN" sz="2800" dirty="0" smtClean="0"/>
+              <a:t>Series</a:t>
+            </a:r>
+            <a:endParaRPr lang="en-US" altLang="zh-CN" sz="2800" dirty="0">
+              <a:latin typeface="+mj-ea"/>
+            </a:endParaRPr>
+          </a:p>
+        </p:txBody>
+      </p:sp>
+      <p:pic>
+        <p:nvPicPr>
+          <p:cNvPr id="5" name="图片 4"/>
+          <p:cNvPicPr>
+            <a:picLocks noChangeAspect="1"/>
+          </p:cNvPicPr>
+          <p:nvPr/>
+        </p:nvPicPr>
+        <p:blipFill rotWithShape="1">
+          <a:blip r:embed="rId2"/>
+          <a:srcRect r="30190"/>
+          <a:stretch/>
+        </p:blipFill>
+        <p:spPr>
+          <a:xfrm>
+            <a:off x="677333" y="1214207"/>
+            <a:ext cx="7205425" cy="5346417"/>
+          </a:xfrm>
+          <a:prstGeom prst="rect">
+            <a:avLst/>
+          </a:prstGeom>
+        </p:spPr>
+      </p:pic>
     </p:spTree>
     <p:extLst>
       <p:ext uri="{BB962C8B-B14F-4D97-AF65-F5344CB8AC3E}">
-        <p14:creationId xmlns:p14="http://schemas.microsoft.com/office/powerpoint/2010/main" val="1036409566"/>
+        <p14:creationId xmlns:p14="http://schemas.microsoft.com/office/powerpoint/2010/main" val="1908794978"/>
       </p:ext>
     </p:extLst>
   </p:cSld>
   <p:clrMapOvr>
     <a:masterClrMapping/>
   </p:clrMapOvr>
+  <p:timing>
+    <p:tnLst>
+      <p:par>
+        <p:cTn id="1" dur="indefinite" restart="never" nodeType="tmRoot"/>
+      </p:par>
+    </p:tnLst>
+  </p:timing>
 </p:sld>
 </file>
 
@@ -12403,625 +16199,90 @@
       </p:grpSpPr>
       <p:sp>
         <p:nvSpPr>
-          <p:cNvPr id="4" name="内容占位符 2"/>
-          <p:cNvSpPr txBox="1">
-            <a:spLocks/>
-          </p:cNvSpPr>
+          <p:cNvPr id="2" name="标题 1"/>
+          <p:cNvSpPr>
+            <a:spLocks noGrp="1"/>
+          </p:cNvSpPr>
+          <p:nvPr>
+            <p:ph type="title"/>
+          </p:nvPr>
+        </p:nvSpPr>
+        <p:spPr/>
+        <p:txBody>
+          <a:bodyPr>
+            <a:normAutofit/>
+          </a:bodyPr>
+          <a:lstStyle/>
+          <a:p>
+            <a:r>
+              <a:rPr lang="zh-CN" altLang="en-US" sz="2800" dirty="0" smtClean="0"/>
+              <a:t>从</a:t>
+            </a:r>
+            <a:r>
+              <a:rPr lang="en-US" altLang="zh-CN" sz="2800" dirty="0" err="1"/>
+              <a:t>dict</a:t>
+            </a:r>
+            <a:r>
+              <a:rPr lang="zh-CN" altLang="en-US" sz="2800" dirty="0" smtClean="0"/>
+              <a:t>创建</a:t>
+            </a:r>
+            <a:r>
+              <a:rPr lang="en-US" altLang="zh-CN" sz="2800" dirty="0" smtClean="0"/>
+              <a:t>Series</a:t>
+            </a:r>
+            <a:endParaRPr lang="en-US" altLang="zh-CN" sz="2800" dirty="0">
+              <a:latin typeface="+mj-ea"/>
+            </a:endParaRPr>
+          </a:p>
+        </p:txBody>
+      </p:sp>
+      <p:pic>
+        <p:nvPicPr>
+          <p:cNvPr id="3" name="图片 2"/>
+          <p:cNvPicPr>
+            <a:picLocks noChangeAspect="1"/>
+          </p:cNvPicPr>
           <p:nvPr/>
-        </p:nvSpPr>
+        </p:nvPicPr>
+        <p:blipFill>
+          <a:blip r:embed="rId2">
+            <a:extLst>
+              <a:ext uri="{28A0092B-C50C-407E-A947-70E740481C1C}">
+                <a14:useLocalDpi xmlns:a14="http://schemas.microsoft.com/office/drawing/2010/main" val="0"/>
+              </a:ext>
+            </a:extLst>
+          </a:blip>
+          <a:stretch>
+            <a:fillRect/>
+          </a:stretch>
+        </p:blipFill>
         <p:spPr>
           <a:xfrm>
-            <a:off x="165100" y="0"/>
-            <a:ext cx="9093200" cy="6858000"/>
+            <a:off x="677334" y="1193615"/>
+            <a:ext cx="6070307" cy="5340044"/>
           </a:xfrm>
           <a:prstGeom prst="rect">
             <a:avLst/>
           </a:prstGeom>
         </p:spPr>
-        <p:txBody>
-          <a:bodyPr vert="horz" lIns="91440" tIns="45720" rIns="91440" bIns="45720" rtlCol="0">
-            <a:noAutofit/>
-          </a:bodyPr>
-          <a:lstStyle>
-            <a:lvl1pPr marL="0" indent="0" algn="ctr" defTabSz="914400" rtl="0" eaLnBrk="1" latinLnBrk="0" hangingPunct="1">
-              <a:lnSpc>
-                <a:spcPct val="90000"/>
-              </a:lnSpc>
-              <a:spcBef>
-                <a:spcPts val="1000"/>
-              </a:spcBef>
-              <a:buFont typeface="Arial" panose="020B0604020202020204" pitchFamily="34" charset="0"/>
-              <a:buNone/>
-              <a:defRPr sz="2400" kern="1200">
-                <a:solidFill>
-                  <a:schemeClr val="tx1"/>
-                </a:solidFill>
-                <a:latin typeface="+mn-lt"/>
-                <a:ea typeface="+mn-ea"/>
-                <a:cs typeface="+mn-cs"/>
-              </a:defRPr>
-            </a:lvl1pPr>
-            <a:lvl2pPr marL="457200" indent="0" algn="ctr" defTabSz="914400" rtl="0" eaLnBrk="1" latinLnBrk="0" hangingPunct="1">
-              <a:lnSpc>
-                <a:spcPct val="90000"/>
-              </a:lnSpc>
-              <a:spcBef>
-                <a:spcPts val="500"/>
-              </a:spcBef>
-              <a:buFont typeface="Arial" panose="020B0604020202020204" pitchFamily="34" charset="0"/>
-              <a:buNone/>
-              <a:defRPr sz="2000" kern="1200">
-                <a:solidFill>
-                  <a:schemeClr val="tx1"/>
-                </a:solidFill>
-                <a:latin typeface="+mn-lt"/>
-                <a:ea typeface="+mn-ea"/>
-                <a:cs typeface="+mn-cs"/>
-              </a:defRPr>
-            </a:lvl2pPr>
-            <a:lvl3pPr marL="914400" indent="0" algn="ctr" defTabSz="914400" rtl="0" eaLnBrk="1" latinLnBrk="0" hangingPunct="1">
-              <a:lnSpc>
-                <a:spcPct val="90000"/>
-              </a:lnSpc>
-              <a:spcBef>
-                <a:spcPts val="500"/>
-              </a:spcBef>
-              <a:buFont typeface="Arial" panose="020B0604020202020204" pitchFamily="34" charset="0"/>
-              <a:buNone/>
-              <a:defRPr sz="1800" kern="1200">
-                <a:solidFill>
-                  <a:schemeClr val="tx1"/>
-                </a:solidFill>
-                <a:latin typeface="+mn-lt"/>
-                <a:ea typeface="+mn-ea"/>
-                <a:cs typeface="+mn-cs"/>
-              </a:defRPr>
-            </a:lvl3pPr>
-            <a:lvl4pPr marL="1371600" indent="0" algn="ctr" defTabSz="914400" rtl="0" eaLnBrk="1" latinLnBrk="0" hangingPunct="1">
-              <a:lnSpc>
-                <a:spcPct val="90000"/>
-              </a:lnSpc>
-              <a:spcBef>
-                <a:spcPts val="500"/>
-              </a:spcBef>
-              <a:buFont typeface="Arial" panose="020B0604020202020204" pitchFamily="34" charset="0"/>
-              <a:buNone/>
-              <a:defRPr sz="1600" kern="1200">
-                <a:solidFill>
-                  <a:schemeClr val="tx1"/>
-                </a:solidFill>
-                <a:latin typeface="+mn-lt"/>
-                <a:ea typeface="+mn-ea"/>
-                <a:cs typeface="+mn-cs"/>
-              </a:defRPr>
-            </a:lvl4pPr>
-            <a:lvl5pPr marL="1828800" indent="0" algn="ctr" defTabSz="914400" rtl="0" eaLnBrk="1" latinLnBrk="0" hangingPunct="1">
-              <a:lnSpc>
-                <a:spcPct val="90000"/>
-              </a:lnSpc>
-              <a:spcBef>
-                <a:spcPts val="500"/>
-              </a:spcBef>
-              <a:buFont typeface="Arial" panose="020B0604020202020204" pitchFamily="34" charset="0"/>
-              <a:buNone/>
-              <a:defRPr sz="1600" kern="1200">
-                <a:solidFill>
-                  <a:schemeClr val="tx1"/>
-                </a:solidFill>
-                <a:latin typeface="+mn-lt"/>
-                <a:ea typeface="+mn-ea"/>
-                <a:cs typeface="+mn-cs"/>
-              </a:defRPr>
-            </a:lvl5pPr>
-            <a:lvl6pPr marL="2286000" indent="0" algn="ctr" defTabSz="914400" rtl="0" eaLnBrk="1" latinLnBrk="0" hangingPunct="1">
-              <a:lnSpc>
-                <a:spcPct val="90000"/>
-              </a:lnSpc>
-              <a:spcBef>
-                <a:spcPts val="500"/>
-              </a:spcBef>
-              <a:buFont typeface="Arial" panose="020B0604020202020204" pitchFamily="34" charset="0"/>
-              <a:buNone/>
-              <a:defRPr sz="1600" kern="1200">
-                <a:solidFill>
-                  <a:schemeClr val="tx1"/>
-                </a:solidFill>
-                <a:latin typeface="+mn-lt"/>
-                <a:ea typeface="+mn-ea"/>
-                <a:cs typeface="+mn-cs"/>
-              </a:defRPr>
-            </a:lvl6pPr>
-            <a:lvl7pPr marL="2743200" indent="0" algn="ctr" defTabSz="914400" rtl="0" eaLnBrk="1" latinLnBrk="0" hangingPunct="1">
-              <a:lnSpc>
-                <a:spcPct val="90000"/>
-              </a:lnSpc>
-              <a:spcBef>
-                <a:spcPts val="500"/>
-              </a:spcBef>
-              <a:buFont typeface="Arial" panose="020B0604020202020204" pitchFamily="34" charset="0"/>
-              <a:buNone/>
-              <a:defRPr sz="1600" kern="1200">
-                <a:solidFill>
-                  <a:schemeClr val="tx1"/>
-                </a:solidFill>
-                <a:latin typeface="+mn-lt"/>
-                <a:ea typeface="+mn-ea"/>
-                <a:cs typeface="+mn-cs"/>
-              </a:defRPr>
-            </a:lvl7pPr>
-            <a:lvl8pPr marL="3200400" indent="0" algn="ctr" defTabSz="914400" rtl="0" eaLnBrk="1" latinLnBrk="0" hangingPunct="1">
-              <a:lnSpc>
-                <a:spcPct val="90000"/>
-              </a:lnSpc>
-              <a:spcBef>
-                <a:spcPts val="500"/>
-              </a:spcBef>
-              <a:buFont typeface="Arial" panose="020B0604020202020204" pitchFamily="34" charset="0"/>
-              <a:buNone/>
-              <a:defRPr sz="1600" kern="1200">
-                <a:solidFill>
-                  <a:schemeClr val="tx1"/>
-                </a:solidFill>
-                <a:latin typeface="+mn-lt"/>
-                <a:ea typeface="+mn-ea"/>
-                <a:cs typeface="+mn-cs"/>
-              </a:defRPr>
-            </a:lvl8pPr>
-            <a:lvl9pPr marL="3657600" indent="0" algn="ctr" defTabSz="914400" rtl="0" eaLnBrk="1" latinLnBrk="0" hangingPunct="1">
-              <a:lnSpc>
-                <a:spcPct val="90000"/>
-              </a:lnSpc>
-              <a:spcBef>
-                <a:spcPts val="500"/>
-              </a:spcBef>
-              <a:buFont typeface="Arial" panose="020B0604020202020204" pitchFamily="34" charset="0"/>
-              <a:buNone/>
-              <a:defRPr sz="1600" kern="1200">
-                <a:solidFill>
-                  <a:schemeClr val="tx1"/>
-                </a:solidFill>
-                <a:latin typeface="+mn-lt"/>
-                <a:ea typeface="+mn-ea"/>
-                <a:cs typeface="+mn-cs"/>
-              </a:defRPr>
-            </a:lvl9pPr>
-          </a:lstStyle>
-          <a:p>
-            <a:pPr algn="l"/>
-            <a:endParaRPr lang="en-US" altLang="zh-CN" sz="2500" smtClean="0">
-              <a:solidFill>
-                <a:prstClr val="black"/>
-              </a:solidFill>
-            </a:endParaRPr>
-          </a:p>
-          <a:p>
-            <a:pPr algn="l"/>
-            <a:r>
-              <a:rPr lang="en-US" altLang="zh-CN" sz="2500" smtClean="0">
-                <a:solidFill>
-                  <a:prstClr val="black"/>
-                </a:solidFill>
-              </a:rPr>
-              <a:t>index </a:t>
-            </a:r>
-            <a:r>
-              <a:rPr lang="en-US" altLang="zh-CN" sz="2500">
-                <a:solidFill>
-                  <a:prstClr val="black"/>
-                </a:solidFill>
-              </a:rPr>
-              <a:t>= pd.date_range('10/1/1999', periods=1100)</a:t>
-            </a:r>
-          </a:p>
-          <a:p>
-            <a:pPr algn="l"/>
-            <a:r>
-              <a:rPr lang="en-US" altLang="zh-CN" sz="2500">
-                <a:solidFill>
-                  <a:prstClr val="black"/>
-                </a:solidFill>
-              </a:rPr>
-              <a:t>ts = pd.Series(np.random.normal(0.5, 2, 1100), index)</a:t>
-            </a:r>
-          </a:p>
-          <a:p>
-            <a:pPr algn="l"/>
-            <a:r>
-              <a:rPr lang="en-US" altLang="zh-CN" sz="2500">
-                <a:solidFill>
-                  <a:prstClr val="black"/>
-                </a:solidFill>
-              </a:rPr>
-              <a:t>ts </a:t>
-            </a:r>
-            <a:r>
-              <a:rPr lang="en-US" altLang="zh-CN" sz="2500" smtClean="0">
-                <a:solidFill>
-                  <a:prstClr val="black"/>
-                </a:solidFill>
-              </a:rPr>
-              <a:t>= ts.rolling(window=100,min_periods=100</a:t>
-            </a:r>
-            <a:r>
-              <a:rPr lang="en-US" altLang="zh-CN" sz="2500">
-                <a:solidFill>
-                  <a:prstClr val="black"/>
-                </a:solidFill>
-              </a:rPr>
-              <a:t>).mean().dropna()</a:t>
-            </a:r>
-          </a:p>
-          <a:p>
-            <a:pPr algn="l"/>
-            <a:endParaRPr lang="en-US" altLang="zh-CN" sz="2500">
-              <a:solidFill>
-                <a:prstClr val="black"/>
-              </a:solidFill>
-            </a:endParaRPr>
-          </a:p>
-          <a:p>
-            <a:pPr algn="l"/>
-            <a:r>
-              <a:rPr lang="en-US" altLang="zh-CN" sz="2500">
-                <a:solidFill>
-                  <a:prstClr val="black"/>
-                </a:solidFill>
-              </a:rPr>
-              <a:t>key = lambda x</a:t>
-            </a:r>
-            <a:r>
-              <a:rPr lang="en-US" altLang="zh-CN" sz="2500">
-                <a:solidFill>
-                  <a:prstClr val="black"/>
-                </a:solidFill>
-              </a:rPr>
-              <a:t>: </a:t>
-            </a:r>
-            <a:r>
-              <a:rPr lang="en-US" altLang="zh-CN" sz="2500" smtClean="0">
-                <a:solidFill>
-                  <a:prstClr val="black"/>
-                </a:solidFill>
-              </a:rPr>
-              <a:t>x.year</a:t>
-            </a:r>
-          </a:p>
-          <a:p>
-            <a:pPr algn="l"/>
-            <a:r>
-              <a:rPr lang="en-US" altLang="zh-CN" sz="2500">
-                <a:solidFill>
-                  <a:prstClr val="black"/>
-                </a:solidFill>
-              </a:rPr>
-              <a:t>#</a:t>
-            </a:r>
-            <a:r>
-              <a:rPr lang="zh-CN" altLang="en-US" sz="2500">
-                <a:solidFill>
-                  <a:prstClr val="black"/>
-                </a:solidFill>
-              </a:rPr>
-              <a:t>用于</a:t>
-            </a:r>
-            <a:r>
-              <a:rPr lang="en-US" altLang="zh-CN" sz="2500">
-                <a:solidFill>
-                  <a:prstClr val="black"/>
-                </a:solidFill>
-              </a:rPr>
-              <a:t>transform</a:t>
-            </a:r>
-            <a:r>
-              <a:rPr lang="zh-CN" altLang="en-US" sz="2500">
-                <a:solidFill>
-                  <a:prstClr val="black"/>
-                </a:solidFill>
-              </a:rPr>
-              <a:t>的函数，</a:t>
-            </a:r>
-            <a:r>
-              <a:rPr lang="zh-CN" altLang="en-US" sz="2500">
-                <a:solidFill>
-                  <a:prstClr val="black"/>
-                </a:solidFill>
-              </a:rPr>
-              <a:t>进行</a:t>
-            </a:r>
-            <a:r>
-              <a:rPr lang="zh-CN" altLang="en-US" sz="2500" smtClean="0">
-                <a:solidFill>
-                  <a:prstClr val="black"/>
-                </a:solidFill>
-              </a:rPr>
-              <a:t>归一化</a:t>
-            </a:r>
-            <a:endParaRPr lang="en-US" altLang="zh-CN" sz="2500">
-              <a:solidFill>
-                <a:prstClr val="black"/>
-              </a:solidFill>
-            </a:endParaRPr>
-          </a:p>
-          <a:p>
-            <a:pPr algn="l"/>
-            <a:r>
-              <a:rPr lang="en-US" altLang="zh-CN" sz="2500">
-                <a:solidFill>
-                  <a:srgbClr val="FF0000"/>
-                </a:solidFill>
-              </a:rPr>
-              <a:t>zscore = lambda x: (x - x.mean()) / x.std</a:t>
-            </a:r>
-            <a:r>
-              <a:rPr lang="en-US" altLang="zh-CN" sz="2500">
-                <a:solidFill>
-                  <a:srgbClr val="FF0000"/>
-                </a:solidFill>
-              </a:rPr>
-              <a:t>() </a:t>
-            </a:r>
-            <a:endParaRPr lang="en-US" altLang="zh-CN" sz="2500" smtClean="0">
-              <a:solidFill>
-                <a:srgbClr val="FF0000"/>
-              </a:solidFill>
-            </a:endParaRPr>
-          </a:p>
-          <a:p>
-            <a:pPr algn="l"/>
-            <a:r>
-              <a:rPr lang="en-US" altLang="zh-CN" sz="2500" smtClean="0">
-                <a:solidFill>
-                  <a:srgbClr val="FF0000"/>
-                </a:solidFill>
-              </a:rPr>
-              <a:t>transformed = </a:t>
-            </a:r>
-            <a:r>
-              <a:rPr lang="en-US" altLang="zh-CN" sz="2500">
-                <a:solidFill>
-                  <a:srgbClr val="FF0000"/>
-                </a:solidFill>
-              </a:rPr>
-              <a:t>ts.groupby(key).transform(zscore)</a:t>
-            </a:r>
-          </a:p>
-          <a:p>
-            <a:pPr algn="l"/>
-            <a:endParaRPr lang="en-US" altLang="zh-CN" sz="2500">
-              <a:solidFill>
-                <a:prstClr val="black"/>
-              </a:solidFill>
-            </a:endParaRPr>
-          </a:p>
-          <a:p>
-            <a:pPr algn="l"/>
-            <a:r>
-              <a:rPr lang="en-US" altLang="zh-CN" sz="2500">
-                <a:solidFill>
-                  <a:prstClr val="black"/>
-                </a:solidFill>
-              </a:rPr>
-              <a:t>grouped_trans = transformed.groupby(key)</a:t>
-            </a:r>
-          </a:p>
-          <a:p>
-            <a:pPr algn="l"/>
-            <a:r>
-              <a:rPr lang="en-US" altLang="zh-CN" sz="2500">
-                <a:solidFill>
-                  <a:prstClr val="black"/>
-                </a:solidFill>
-              </a:rPr>
-              <a:t>print(grouped_trans.mean</a:t>
-            </a:r>
-            <a:r>
-              <a:rPr lang="en-US" altLang="zh-CN" sz="2500">
-                <a:solidFill>
-                  <a:prstClr val="black"/>
-                </a:solidFill>
-              </a:rPr>
-              <a:t>()) </a:t>
-            </a:r>
-            <a:r>
-              <a:rPr lang="en-US" altLang="zh-CN" sz="2500" smtClean="0">
-                <a:solidFill>
-                  <a:prstClr val="black"/>
-                </a:solidFill>
-              </a:rPr>
-              <a:t> #</a:t>
-            </a:r>
-            <a:r>
-              <a:rPr lang="zh-CN" altLang="en-US" sz="2500">
-                <a:solidFill>
-                  <a:prstClr val="black"/>
-                </a:solidFill>
-              </a:rPr>
-              <a:t>期望</a:t>
-            </a:r>
-          </a:p>
-          <a:p>
-            <a:pPr algn="l"/>
-            <a:r>
-              <a:rPr lang="en-US" altLang="zh-CN" sz="2500">
-                <a:solidFill>
-                  <a:prstClr val="black"/>
-                </a:solidFill>
-              </a:rPr>
-              <a:t>print(grouped_trans.std</a:t>
-            </a:r>
-            <a:r>
-              <a:rPr lang="en-US" altLang="zh-CN" sz="2500">
-                <a:solidFill>
-                  <a:prstClr val="black"/>
-                </a:solidFill>
-              </a:rPr>
-              <a:t>()) </a:t>
-            </a:r>
-            <a:r>
-              <a:rPr lang="en-US" altLang="zh-CN" sz="2500" smtClean="0">
-                <a:solidFill>
-                  <a:prstClr val="black"/>
-                </a:solidFill>
-              </a:rPr>
-              <a:t> #</a:t>
-            </a:r>
-            <a:r>
-              <a:rPr lang="zh-CN" altLang="en-US" sz="2500">
-                <a:solidFill>
-                  <a:prstClr val="black"/>
-                </a:solidFill>
-              </a:rPr>
-              <a:t>标准差</a:t>
-            </a:r>
-            <a:endParaRPr lang="en-US" altLang="zh-CN" sz="2500">
-              <a:solidFill>
-                <a:prstClr val="black"/>
-              </a:solidFill>
-            </a:endParaRPr>
-          </a:p>
-        </p:txBody>
-      </p:sp>
-      <p:sp>
-        <p:nvSpPr>
-          <p:cNvPr id="5" name="文本框 4"/>
-          <p:cNvSpPr txBox="1"/>
-          <p:nvPr/>
-        </p:nvSpPr>
-        <p:spPr>
-          <a:xfrm>
-            <a:off x="6997700" y="2489200"/>
-            <a:ext cx="4800600" cy="3416320"/>
-          </a:xfrm>
-          <a:prstGeom prst="rect">
-            <a:avLst/>
-          </a:prstGeom>
-          <a:solidFill>
-            <a:schemeClr val="accent1">
-              <a:lumMod val="20000"/>
-              <a:lumOff val="80000"/>
-            </a:schemeClr>
-          </a:solidFill>
-        </p:spPr>
-        <p:txBody>
-          <a:bodyPr wrap="square" rtlCol="0">
-            <a:spAutoFit/>
-          </a:bodyPr>
-          <a:lstStyle/>
-          <a:p>
-            <a:r>
-              <a:rPr lang="en-US" altLang="zh-CN" sz="2400">
-                <a:solidFill>
-                  <a:prstClr val="black"/>
-                </a:solidFill>
-              </a:rPr>
-              <a:t># </a:t>
-            </a:r>
-            <a:r>
-              <a:rPr lang="zh-CN" altLang="en-US" sz="2400">
-                <a:solidFill>
-                  <a:prstClr val="black"/>
-                </a:solidFill>
-              </a:rPr>
-              <a:t>输出结果</a:t>
-            </a:r>
-          </a:p>
-          <a:p>
-            <a:r>
-              <a:rPr lang="en-US" altLang="zh-CN" sz="2400">
-                <a:solidFill>
-                  <a:prstClr val="black"/>
-                </a:solidFill>
-              </a:rPr>
-              <a:t>2000   -2.699790e-16</a:t>
-            </a:r>
-          </a:p>
-          <a:p>
-            <a:r>
-              <a:rPr lang="en-US" altLang="zh-CN" sz="2400">
-                <a:solidFill>
-                  <a:prstClr val="black"/>
-                </a:solidFill>
-              </a:rPr>
-              <a:t>2001    1.861525e-16</a:t>
-            </a:r>
-          </a:p>
-          <a:p>
-            <a:r>
-              <a:rPr lang="en-US" altLang="zh-CN" sz="2400">
-                <a:solidFill>
-                  <a:prstClr val="black"/>
-                </a:solidFill>
-              </a:rPr>
-              <a:t>2002   -6.561138e-16</a:t>
-            </a:r>
-          </a:p>
-          <a:p>
-            <a:r>
-              <a:rPr lang="en-US" altLang="zh-CN" sz="2400">
-                <a:solidFill>
-                  <a:prstClr val="black"/>
-                </a:solidFill>
-              </a:rPr>
-              <a:t>dtype: float64</a:t>
-            </a:r>
-          </a:p>
-          <a:p>
-            <a:r>
-              <a:rPr lang="en-US" altLang="zh-CN" sz="2400">
-                <a:solidFill>
-                  <a:prstClr val="black"/>
-                </a:solidFill>
-              </a:rPr>
-              <a:t>2000    1.0</a:t>
-            </a:r>
-          </a:p>
-          <a:p>
-            <a:r>
-              <a:rPr lang="en-US" altLang="zh-CN" sz="2400">
-                <a:solidFill>
-                  <a:prstClr val="black"/>
-                </a:solidFill>
-              </a:rPr>
-              <a:t>2001    1.0</a:t>
-            </a:r>
-          </a:p>
-          <a:p>
-            <a:r>
-              <a:rPr lang="en-US" altLang="zh-CN" sz="2400">
-                <a:solidFill>
-                  <a:prstClr val="black"/>
-                </a:solidFill>
-              </a:rPr>
-              <a:t>2002    1.0</a:t>
-            </a:r>
-          </a:p>
-          <a:p>
-            <a:r>
-              <a:rPr lang="en-US" altLang="zh-CN" sz="2400">
-                <a:solidFill>
-                  <a:prstClr val="black"/>
-                </a:solidFill>
-              </a:rPr>
-              <a:t>dtype: float64</a:t>
-            </a:r>
-            <a:endParaRPr lang="zh-CN" altLang="en-US">
-              <a:solidFill>
-                <a:prstClr val="black"/>
-              </a:solidFill>
-            </a:endParaRPr>
-          </a:p>
-        </p:txBody>
-      </p:sp>
+      </p:pic>
     </p:spTree>
     <p:extLst>
       <p:ext uri="{BB962C8B-B14F-4D97-AF65-F5344CB8AC3E}">
-        <p14:creationId xmlns:p14="http://schemas.microsoft.com/office/powerpoint/2010/main" val="2945406100"/>
+        <p14:creationId xmlns:p14="http://schemas.microsoft.com/office/powerpoint/2010/main" val="3211324819"/>
       </p:ext>
     </p:extLst>
   </p:cSld>
   <p:clrMapOvr>
     <a:masterClrMapping/>
   </p:clrMapOvr>
+  <p:timing>
+    <p:tnLst>
+      <p:par>
+        <p:cTn id="1" dur="indefinite" restart="never" nodeType="tmRoot"/>
+      </p:par>
+    </p:tnLst>
+  </p:timing>
 </p:sld>
 </file>
 
@@ -13054,21 +16315,29 @@
         </p:nvSpPr>
         <p:spPr/>
         <p:txBody>
-          <a:bodyPr/>
+          <a:bodyPr>
+            <a:normAutofit/>
+          </a:bodyPr>
           <a:lstStyle/>
           <a:p>
             <a:r>
-              <a:rPr lang="zh-CN" altLang="en-US"/>
-              <a:t>合并</a:t>
-            </a:r>
-            <a:r>
-              <a:rPr lang="en-US" altLang="zh-CN">
-                <a:latin typeface="+mn-lt"/>
-              </a:rPr>
-              <a:t>(concatenate,merge,join) </a:t>
-            </a:r>
-            <a:endParaRPr lang="zh-CN" altLang="en-US">
-              <a:latin typeface="+mn-lt"/>
+              <a:rPr lang="zh-CN" altLang="en-US" sz="2800" dirty="0"/>
+              <a:t>数据帧</a:t>
+            </a:r>
+            <a:r>
+              <a:rPr lang="zh-CN" altLang="en-US" sz="2800" dirty="0" smtClean="0"/>
+              <a:t>（</a:t>
+            </a:r>
+            <a:r>
+              <a:rPr lang="en-US" altLang="zh-CN" sz="2800" dirty="0" err="1" smtClean="0"/>
+              <a:t>DataFrame</a:t>
+            </a:r>
+            <a:r>
+              <a:rPr lang="zh-CN" altLang="en-US" sz="2800" dirty="0" smtClean="0"/>
+              <a:t>）</a:t>
+            </a:r>
+            <a:endParaRPr lang="en-US" altLang="zh-CN" sz="2800" dirty="0">
+              <a:latin typeface="+mj-ea"/>
             </a:endParaRPr>
           </a:p>
         </p:txBody>
@@ -13083,86 +16352,365 @@
             <p:ph idx="1"/>
           </p:nvPr>
         </p:nvSpPr>
-        <p:spPr/>
-        <p:txBody>
-          <a:bodyPr/>
+        <p:spPr>
+          <a:xfrm>
+            <a:off x="677334" y="1193270"/>
+            <a:ext cx="9152466" cy="1439571"/>
+          </a:xfrm>
+        </p:spPr>
+        <p:txBody>
+          <a:bodyPr>
+            <a:normAutofit/>
+          </a:bodyPr>
           <a:lstStyle/>
           <a:p>
-            <a:r>
-              <a:rPr lang="en-US" altLang="zh-CN"/>
-              <a:t>c</a:t>
-            </a:r>
-            <a:r>
-              <a:rPr lang="en-US" altLang="zh-CN" smtClean="0"/>
-              <a:t>oncatenate</a:t>
-            </a:r>
-            <a:r>
-              <a:rPr lang="zh-CN" altLang="en-US" smtClean="0"/>
-              <a:t>：一次合并多个对象</a:t>
-            </a:r>
-            <a:endParaRPr lang="en-US" altLang="zh-CN" smtClean="0"/>
-          </a:p>
-          <a:p>
-            <a:r>
-              <a:rPr lang="en-US" altLang="zh-CN"/>
-              <a:t>m</a:t>
-            </a:r>
-            <a:r>
-              <a:rPr lang="en-US" altLang="zh-CN" smtClean="0"/>
-              <a:t>erge</a:t>
-            </a:r>
-            <a:r>
-              <a:rPr lang="zh-CN" altLang="en-US" smtClean="0"/>
-              <a:t>：针对</a:t>
-            </a:r>
-            <a:r>
-              <a:rPr lang="zh-CN" altLang="en-US"/>
-              <a:t>两个 </a:t>
-            </a:r>
-            <a:r>
-              <a:rPr lang="en-US" altLang="zh-CN"/>
-              <a:t>DataFrame </a:t>
-            </a:r>
-            <a:r>
-              <a:rPr lang="zh-CN" altLang="en-US" smtClean="0"/>
-              <a:t>对象的、高效的合并方法</a:t>
-            </a:r>
-            <a:endParaRPr lang="en-US" altLang="zh-CN" smtClean="0"/>
-          </a:p>
-          <a:p>
-            <a:r>
-              <a:rPr lang="en-US" altLang="zh-CN" smtClean="0"/>
-              <a:t>join</a:t>
-            </a:r>
-            <a:r>
-              <a:rPr lang="zh-CN" altLang="en-US" smtClean="0"/>
-              <a:t>：类似于</a:t>
-            </a:r>
-            <a:r>
-              <a:rPr lang="en-US" altLang="zh-CN" smtClean="0"/>
-              <a:t>merge</a:t>
-            </a:r>
-            <a:r>
-              <a:rPr lang="zh-CN" altLang="en-US" smtClean="0"/>
-              <a:t>方法</a:t>
-            </a:r>
-            <a:endParaRPr lang="en-US" altLang="zh-CN" smtClean="0"/>
-          </a:p>
-          <a:p>
-            <a:endParaRPr lang="zh-CN" altLang="en-US"/>
+            <a:pPr marL="0" indent="0">
+              <a:buNone/>
+            </a:pPr>
+            <a:r>
+              <a:rPr lang="zh-CN" altLang="en-US" dirty="0" smtClean="0"/>
+              <a:t>　　数据帧（ </a:t>
+            </a:r>
+            <a:r>
+              <a:rPr lang="en-US" altLang="zh-CN" dirty="0" err="1" smtClean="0"/>
+              <a:t>DataFrame</a:t>
+            </a:r>
+            <a:r>
+              <a:rPr lang="zh-CN" altLang="en-US" dirty="0" smtClean="0"/>
+              <a:t>）</a:t>
+            </a:r>
+            <a:r>
+              <a:rPr lang="zh-CN" altLang="en-US" dirty="0"/>
+              <a:t>是一种</a:t>
+            </a:r>
+            <a:r>
+              <a:rPr lang="zh-CN" altLang="en-US" dirty="0" smtClean="0"/>
+              <a:t>类似于</a:t>
+            </a:r>
+            <a:r>
+              <a:rPr lang="zh-CN" altLang="en-US" dirty="0"/>
+              <a:t>表格</a:t>
+            </a:r>
+            <a:r>
+              <a:rPr lang="zh-CN" altLang="en-US" dirty="0" smtClean="0"/>
+              <a:t>的二位数据结构。相比</a:t>
+            </a:r>
+            <a:r>
+              <a:rPr lang="en-US" altLang="zh-CN" dirty="0" smtClean="0"/>
+              <a:t>Series</a:t>
+            </a:r>
+            <a:r>
+              <a:rPr lang="zh-CN" altLang="en-US" dirty="0" smtClean="0"/>
+              <a:t>，</a:t>
+            </a:r>
+            <a:r>
+              <a:rPr lang="en-US" altLang="zh-CN" dirty="0" err="1" smtClean="0"/>
+              <a:t>DataFrame</a:t>
+            </a:r>
+            <a:r>
+              <a:rPr lang="zh-CN" altLang="en-US" dirty="0" smtClean="0"/>
+              <a:t>增加了列（</a:t>
+            </a:r>
+            <a:r>
+              <a:rPr lang="en-US" altLang="zh-CN" dirty="0" smtClean="0"/>
+              <a:t>column</a:t>
+            </a:r>
+            <a:r>
+              <a:rPr lang="zh-CN" altLang="en-US" dirty="0" smtClean="0"/>
+              <a:t>）的索引。</a:t>
+            </a:r>
+            <a:endParaRPr lang="en-US" altLang="zh-CN" dirty="0" smtClean="0"/>
+          </a:p>
+        </p:txBody>
+      </p:sp>
+      <p:sp>
+        <p:nvSpPr>
+          <p:cNvPr id="4" name="文本框 3"/>
+          <p:cNvSpPr txBox="1"/>
+          <p:nvPr/>
+        </p:nvSpPr>
+        <p:spPr>
+          <a:xfrm>
+            <a:off x="898634" y="2853559"/>
+            <a:ext cx="8375368" cy="3416320"/>
+          </a:xfrm>
+          <a:prstGeom prst="rect">
+            <a:avLst/>
+          </a:prstGeom>
+          <a:noFill/>
+        </p:spPr>
+        <p:txBody>
+          <a:bodyPr wrap="square" rtlCol="0">
+            <a:spAutoFit/>
+          </a:bodyPr>
+          <a:lstStyle/>
+          <a:p>
+            <a:r>
+              <a:rPr lang="zh-CN" altLang="en-US" sz="2400" dirty="0" smtClean="0">
+                <a:latin typeface="+mj-ea"/>
+                <a:ea typeface="+mj-ea"/>
+              </a:rPr>
+              <a:t>构造函数：</a:t>
+            </a:r>
+            <a:endParaRPr lang="en-US" altLang="zh-CN" sz="2400" dirty="0" smtClean="0">
+              <a:latin typeface="+mj-ea"/>
+              <a:ea typeface="+mj-ea"/>
+            </a:endParaRPr>
+          </a:p>
+          <a:p>
+            <a:r>
+              <a:rPr lang="en-US" altLang="zh-CN" sz="2400" dirty="0" err="1" smtClean="0">
+                <a:latin typeface="+mj-ea"/>
+                <a:ea typeface="+mj-ea"/>
+              </a:rPr>
+              <a:t>pandas.DataFrame</a:t>
+            </a:r>
+            <a:r>
+              <a:rPr lang="en-US" altLang="zh-CN" sz="2400" dirty="0" smtClean="0">
+                <a:latin typeface="+mj-ea"/>
+                <a:ea typeface="+mj-ea"/>
+              </a:rPr>
+              <a:t>(data, index, </a:t>
+            </a:r>
+            <a:r>
+              <a:rPr lang="en-US" altLang="zh-CN" sz="2400" dirty="0" err="1" smtClean="0">
+                <a:latin typeface="+mj-ea"/>
+                <a:ea typeface="+mj-ea"/>
+              </a:rPr>
+              <a:t>dtype</a:t>
+            </a:r>
+            <a:r>
+              <a:rPr lang="en-US" altLang="zh-CN" sz="2400" dirty="0" smtClean="0">
+                <a:latin typeface="+mj-ea"/>
+                <a:ea typeface="+mj-ea"/>
+              </a:rPr>
+              <a:t>, copy)</a:t>
+            </a:r>
+          </a:p>
+          <a:p>
+            <a:endParaRPr lang="en-US" altLang="zh-CN" sz="2400" dirty="0" smtClean="0">
+              <a:latin typeface="+mj-ea"/>
+              <a:ea typeface="+mj-ea"/>
+            </a:endParaRPr>
+          </a:p>
+          <a:p>
+            <a:r>
+              <a:rPr lang="zh-CN" altLang="en-US" sz="2400" dirty="0" smtClean="0">
+                <a:latin typeface="+mj-ea"/>
+                <a:ea typeface="+mj-ea"/>
+              </a:rPr>
+              <a:t>参数：</a:t>
+            </a:r>
+            <a:endParaRPr lang="en-US" altLang="zh-CN" sz="2400" dirty="0" smtClean="0">
+              <a:latin typeface="+mj-ea"/>
+              <a:ea typeface="+mj-ea"/>
+            </a:endParaRPr>
+          </a:p>
+          <a:p>
+            <a:pPr marL="342900" indent="-342900">
+              <a:buFont typeface="Arial" panose="020B0604020202020204" pitchFamily="34" charset="0"/>
+              <a:buChar char="•"/>
+            </a:pPr>
+            <a:r>
+              <a:rPr lang="en-US" altLang="zh-CN" sz="2400" dirty="0">
+                <a:latin typeface="+mj-ea"/>
+                <a:ea typeface="+mj-ea"/>
+              </a:rPr>
+              <a:t>d</a:t>
+            </a:r>
+            <a:r>
+              <a:rPr lang="en-US" altLang="zh-CN" sz="2400" dirty="0" smtClean="0">
+                <a:latin typeface="+mj-ea"/>
+                <a:ea typeface="+mj-ea"/>
+              </a:rPr>
+              <a:t>ata</a:t>
+            </a:r>
+            <a:r>
+              <a:rPr lang="zh-CN" altLang="en-US" sz="2400" dirty="0" smtClean="0">
+                <a:latin typeface="+mj-ea"/>
+                <a:ea typeface="+mj-ea"/>
+              </a:rPr>
+              <a:t>：可为各种二维数据结构，例如</a:t>
+            </a:r>
+            <a:r>
+              <a:rPr lang="en-US" altLang="zh-CN" sz="2400" dirty="0" smtClean="0">
+                <a:latin typeface="+mj-ea"/>
+                <a:ea typeface="+mj-ea"/>
+              </a:rPr>
+              <a:t>Series</a:t>
+            </a:r>
+            <a:r>
+              <a:rPr lang="zh-CN" altLang="en-US" sz="2400" dirty="0" smtClean="0">
+                <a:latin typeface="+mj-ea"/>
+                <a:ea typeface="+mj-ea"/>
+              </a:rPr>
+              <a:t>的</a:t>
+            </a:r>
+            <a:r>
+              <a:rPr lang="en-US" altLang="zh-CN" sz="2400" dirty="0" smtClean="0">
+                <a:latin typeface="+mj-ea"/>
+                <a:ea typeface="+mj-ea"/>
+              </a:rPr>
+              <a:t>list</a:t>
+            </a:r>
+            <a:r>
+              <a:rPr lang="zh-CN" altLang="en-US" sz="2400" dirty="0" smtClean="0">
+                <a:latin typeface="+mj-ea"/>
+                <a:ea typeface="+mj-ea"/>
+              </a:rPr>
+              <a:t>等</a:t>
+            </a:r>
+            <a:endParaRPr lang="en-US" altLang="zh-CN" sz="2400" dirty="0" smtClean="0">
+              <a:latin typeface="+mj-ea"/>
+              <a:ea typeface="+mj-ea"/>
+            </a:endParaRPr>
+          </a:p>
+          <a:p>
+            <a:pPr marL="342900" indent="-342900">
+              <a:buFont typeface="Arial" panose="020B0604020202020204" pitchFamily="34" charset="0"/>
+              <a:buChar char="•"/>
+            </a:pPr>
+            <a:r>
+              <a:rPr lang="en-US" altLang="zh-CN" sz="2400" dirty="0" smtClean="0">
+                <a:latin typeface="+mj-ea"/>
+                <a:ea typeface="+mj-ea"/>
+              </a:rPr>
+              <a:t>index</a:t>
+            </a:r>
+            <a:r>
+              <a:rPr lang="zh-CN" altLang="en-US" sz="2400" dirty="0" smtClean="0">
+                <a:latin typeface="+mj-ea"/>
+                <a:ea typeface="+mj-ea"/>
+              </a:rPr>
+              <a:t>：对表格中行的索引，对应</a:t>
+            </a:r>
+            <a:r>
+              <a:rPr lang="en-US" altLang="zh-CN" sz="2400" dirty="0" smtClean="0">
+                <a:latin typeface="+mj-ea"/>
+                <a:ea typeface="+mj-ea"/>
+              </a:rPr>
+              <a:t>Series</a:t>
+            </a:r>
+            <a:r>
+              <a:rPr lang="zh-CN" altLang="en-US" sz="2400" dirty="0" smtClean="0">
+                <a:latin typeface="+mj-ea"/>
+                <a:ea typeface="+mj-ea"/>
+              </a:rPr>
+              <a:t>中的</a:t>
+            </a:r>
+            <a:r>
+              <a:rPr lang="en-US" altLang="zh-CN" sz="2400" dirty="0" smtClean="0">
+                <a:latin typeface="+mj-ea"/>
+                <a:ea typeface="+mj-ea"/>
+              </a:rPr>
+              <a:t>index</a:t>
+            </a:r>
+          </a:p>
+          <a:p>
+            <a:pPr marL="342900" indent="-342900">
+              <a:buFont typeface="Arial" panose="020B0604020202020204" pitchFamily="34" charset="0"/>
+              <a:buChar char="•"/>
+            </a:pPr>
+            <a:r>
+              <a:rPr lang="en-US" altLang="zh-CN" sz="2400" dirty="0" smtClean="0">
+                <a:latin typeface="+mj-ea"/>
+                <a:ea typeface="+mj-ea"/>
+              </a:rPr>
+              <a:t>columns</a:t>
+            </a:r>
+            <a:r>
+              <a:rPr lang="zh-CN" altLang="en-US" sz="2400" dirty="0" smtClean="0">
+                <a:latin typeface="+mj-ea"/>
+                <a:ea typeface="+mj-ea"/>
+              </a:rPr>
+              <a:t>：对表格中列的索引</a:t>
+            </a:r>
+            <a:endParaRPr lang="en-US" altLang="zh-CN" sz="2400" dirty="0" smtClean="0">
+              <a:latin typeface="+mj-ea"/>
+              <a:ea typeface="+mj-ea"/>
+            </a:endParaRPr>
+          </a:p>
+          <a:p>
+            <a:pPr marL="342900" indent="-342900">
+              <a:buFont typeface="Arial" panose="020B0604020202020204" pitchFamily="34" charset="0"/>
+              <a:buChar char="•"/>
+            </a:pPr>
+            <a:r>
+              <a:rPr lang="en-US" altLang="zh-CN" sz="2400" dirty="0" err="1" smtClean="0">
+                <a:latin typeface="+mj-ea"/>
+                <a:ea typeface="+mj-ea"/>
+              </a:rPr>
+              <a:t>dtype</a:t>
+            </a:r>
+            <a:r>
+              <a:rPr lang="zh-CN" altLang="en-US" sz="2400" dirty="0" smtClean="0">
+                <a:latin typeface="+mj-ea"/>
+                <a:ea typeface="+mj-ea"/>
+              </a:rPr>
+              <a:t>：</a:t>
+            </a:r>
+            <a:r>
+              <a:rPr lang="en-US" altLang="zh-CN" sz="2400" dirty="0" smtClean="0">
+                <a:latin typeface="+mj-ea"/>
+                <a:ea typeface="+mj-ea"/>
+              </a:rPr>
+              <a:t>data</a:t>
+            </a:r>
+            <a:r>
+              <a:rPr lang="zh-CN" altLang="en-US" sz="2400" dirty="0" smtClean="0">
+                <a:latin typeface="+mj-ea"/>
+                <a:ea typeface="+mj-ea"/>
+              </a:rPr>
+              <a:t>的数据类型</a:t>
+            </a:r>
+            <a:endParaRPr lang="en-US" altLang="zh-CN" sz="2400" dirty="0" smtClean="0">
+              <a:latin typeface="+mj-ea"/>
+              <a:ea typeface="+mj-ea"/>
+            </a:endParaRPr>
+          </a:p>
+          <a:p>
+            <a:pPr marL="342900" indent="-342900">
+              <a:buFont typeface="Arial" panose="020B0604020202020204" pitchFamily="34" charset="0"/>
+              <a:buChar char="•"/>
+            </a:pPr>
+            <a:r>
+              <a:rPr lang="en-US" altLang="zh-CN" sz="2400" dirty="0" smtClean="0">
+                <a:latin typeface="+mj-ea"/>
+                <a:ea typeface="+mj-ea"/>
+              </a:rPr>
+              <a:t>copy</a:t>
+            </a:r>
+            <a:r>
+              <a:rPr lang="zh-CN" altLang="en-US" sz="2400" dirty="0" smtClean="0">
+                <a:latin typeface="+mj-ea"/>
+                <a:ea typeface="+mj-ea"/>
+              </a:rPr>
+              <a:t>：是否进行复制</a:t>
+            </a:r>
+            <a:endParaRPr lang="zh-CN" altLang="en-US" sz="2400" dirty="0">
+              <a:latin typeface="+mj-ea"/>
+              <a:ea typeface="+mj-ea"/>
+            </a:endParaRPr>
           </a:p>
         </p:txBody>
       </p:sp>
     </p:spTree>
     <p:extLst>
       <p:ext uri="{BB962C8B-B14F-4D97-AF65-F5344CB8AC3E}">
-        <p14:creationId xmlns:p14="http://schemas.microsoft.com/office/powerpoint/2010/main" val="35116107"/>
+        <p14:creationId xmlns:p14="http://schemas.microsoft.com/office/powerpoint/2010/main" val="1926685970"/>
       </p:ext>
     </p:extLst>
   </p:cSld>
   <p:clrMapOvr>
     <a:masterClrMapping/>
   </p:clrMapOvr>
+  <p:timing>
+    <p:tnLst>
+      <p:par>
+        <p:cTn id="1" dur="indefinite" restart="never" nodeType="tmRoot"/>
+      </p:par>
+    </p:tnLst>
+  </p:timing>
 </p:sld>
 </file>
 
@@ -13195,113 +16743,249 @@
         </p:nvSpPr>
         <p:spPr/>
         <p:txBody>
-          <a:bodyPr/>
+          <a:bodyPr>
+            <a:normAutofit/>
+          </a:bodyPr>
           <a:lstStyle/>
           <a:p>
             <a:r>
-              <a:rPr lang="zh-CN" altLang="en-US" smtClean="0"/>
-              <a:t>可视化</a:t>
-            </a:r>
-            <a:endParaRPr lang="zh-CN" altLang="en-US"/>
-          </a:p>
-        </p:txBody>
-      </p:sp>
-      <p:sp>
-        <p:nvSpPr>
-          <p:cNvPr id="3" name="内容占位符 2"/>
-          <p:cNvSpPr>
-            <a:spLocks noGrp="1"/>
-          </p:cNvSpPr>
-          <p:nvPr>
-            <p:ph idx="1"/>
-          </p:nvPr>
-        </p:nvSpPr>
-        <p:spPr/>
-        <p:txBody>
-          <a:bodyPr/>
+              <a:rPr lang="zh-CN" altLang="en-US" sz="2800" dirty="0" smtClean="0"/>
+              <a:t>从</a:t>
+            </a:r>
+            <a:r>
+              <a:rPr lang="en-US" altLang="zh-CN" sz="2800" dirty="0" smtClean="0"/>
+              <a:t>Series</a:t>
+            </a:r>
+            <a:r>
+              <a:rPr lang="zh-CN" altLang="en-US" sz="2800" dirty="0" smtClean="0"/>
+              <a:t>的字典创建</a:t>
+            </a:r>
+            <a:r>
+              <a:rPr lang="en-US" altLang="zh-CN" sz="2800" dirty="0" err="1" smtClean="0"/>
+              <a:t>DataFrame</a:t>
+            </a:r>
+            <a:endParaRPr lang="en-US" altLang="zh-CN" sz="2800" dirty="0">
+              <a:latin typeface="+mj-ea"/>
+            </a:endParaRPr>
+          </a:p>
+        </p:txBody>
+      </p:sp>
+      <p:sp>
+        <p:nvSpPr>
+          <p:cNvPr id="8" name="文本框 7"/>
+          <p:cNvSpPr txBox="1"/>
+          <p:nvPr/>
+        </p:nvSpPr>
+        <p:spPr>
+          <a:xfrm>
+            <a:off x="677334" y="1330941"/>
+            <a:ext cx="9128818" cy="1015663"/>
+          </a:xfrm>
+          <a:prstGeom prst="rect">
+            <a:avLst/>
+          </a:prstGeom>
+          <a:noFill/>
+        </p:spPr>
+        <p:txBody>
+          <a:bodyPr wrap="square" rtlCol="0">
+            <a:spAutoFit/>
+          </a:bodyPr>
           <a:lstStyle/>
           <a:p>
             <a:r>
-              <a:rPr lang="zh-CN" altLang="en-US" smtClean="0"/>
-              <a:t>与</a:t>
-            </a:r>
-            <a:r>
-              <a:rPr lang="en-US" altLang="zh-CN" smtClean="0"/>
-              <a:t>matplotlib</a:t>
-            </a:r>
-            <a:r>
-              <a:rPr lang="zh-CN" altLang="en-US" smtClean="0"/>
-              <a:t>有很好的兼容性</a:t>
-            </a:r>
-            <a:endParaRPr lang="en-US" altLang="zh-CN" smtClean="0"/>
-          </a:p>
-          <a:p>
-            <a:endParaRPr lang="en-US" altLang="zh-CN" smtClean="0"/>
-          </a:p>
-          <a:p>
-            <a:r>
-              <a:rPr lang="zh-CN" altLang="en-US" smtClean="0"/>
-              <a:t>以数据</a:t>
-            </a:r>
-            <a:r>
-              <a:rPr lang="zh-CN" altLang="en-US"/>
-              <a:t>集 </a:t>
-            </a:r>
-            <a:r>
-              <a:rPr lang="en-US" altLang="zh-CN"/>
-              <a:t>MovieLens </a:t>
-            </a:r>
-            <a:r>
-              <a:rPr lang="zh-CN" altLang="en-US" smtClean="0"/>
-              <a:t>为例进行</a:t>
-            </a:r>
-            <a:r>
-              <a:rPr lang="zh-CN" altLang="en-US"/>
-              <a:t>可视化</a:t>
-            </a:r>
-            <a:r>
-              <a:rPr lang="zh-CN" altLang="en-US" smtClean="0"/>
-              <a:t>分析</a:t>
-            </a:r>
-            <a:endParaRPr lang="en-US" altLang="zh-CN" smtClean="0"/>
-          </a:p>
-          <a:p>
-            <a:r>
-              <a:rPr lang="en-US" altLang="zh-CN" smtClean="0">
-                <a:hlinkClick r:id="rId2"/>
-              </a:rPr>
-              <a:t>https</a:t>
-            </a:r>
-            <a:r>
-              <a:rPr lang="en-US" altLang="zh-CN">
-                <a:hlinkClick r:id="rId2"/>
-              </a:rPr>
-              <a:t>://</a:t>
-            </a:r>
-            <a:r>
-              <a:rPr lang="en-US" altLang="zh-CN">
-                <a:hlinkClick r:id="rId2"/>
-              </a:rPr>
-              <a:t>grouplens.org/datasets/movielens</a:t>
-            </a:r>
-            <a:r>
-              <a:rPr lang="en-US" altLang="zh-CN" smtClean="0">
-                <a:hlinkClick r:id="rId2"/>
-              </a:rPr>
-              <a:t>/</a:t>
-            </a:r>
-            <a:r>
-              <a:rPr lang="en-US" altLang="zh-CN" smtClean="0"/>
-              <a:t> </a:t>
-            </a:r>
-            <a:endParaRPr lang="zh-CN" altLang="en-US"/>
-          </a:p>
-        </p:txBody>
-      </p:sp>
+              <a:rPr lang="zh-CN" altLang="en-US" sz="2000" dirty="0">
+                <a:latin typeface="+mj-ea"/>
+                <a:ea typeface="+mj-ea"/>
+              </a:rPr>
+              <a:t>　</a:t>
+            </a:r>
+            <a:r>
+              <a:rPr lang="zh-CN" altLang="en-US" sz="2000" dirty="0" smtClean="0">
+                <a:latin typeface="+mj-ea"/>
+                <a:ea typeface="+mj-ea"/>
+              </a:rPr>
+              <a:t>　从</a:t>
+            </a:r>
+            <a:r>
+              <a:rPr lang="en-US" altLang="zh-CN" sz="2000" dirty="0">
+                <a:latin typeface="+mj-ea"/>
+                <a:ea typeface="+mj-ea"/>
+              </a:rPr>
+              <a:t>Series</a:t>
+            </a:r>
+            <a:r>
+              <a:rPr lang="zh-CN" altLang="en-US" sz="2000" dirty="0">
+                <a:latin typeface="+mj-ea"/>
+                <a:ea typeface="+mj-ea"/>
+              </a:rPr>
+              <a:t>的</a:t>
+            </a:r>
+            <a:r>
+              <a:rPr lang="en-US" altLang="zh-CN" sz="2000" dirty="0" err="1">
+                <a:latin typeface="+mj-ea"/>
+                <a:ea typeface="+mj-ea"/>
+              </a:rPr>
+              <a:t>dict</a:t>
+            </a:r>
+            <a:r>
+              <a:rPr lang="zh-CN" altLang="en-US" sz="2000" dirty="0">
+                <a:latin typeface="+mj-ea"/>
+                <a:ea typeface="+mj-ea"/>
+              </a:rPr>
+              <a:t>中创建</a:t>
+            </a:r>
+            <a:r>
+              <a:rPr lang="en-US" altLang="zh-CN" sz="2000" dirty="0" err="1">
+                <a:latin typeface="+mj-ea"/>
+                <a:ea typeface="+mj-ea"/>
+              </a:rPr>
+              <a:t>DataFrame</a:t>
+            </a:r>
+            <a:r>
+              <a:rPr lang="zh-CN" altLang="en-US" sz="2000" dirty="0">
+                <a:latin typeface="+mj-ea"/>
+                <a:ea typeface="+mj-ea"/>
+              </a:rPr>
+              <a:t>，如果未传递</a:t>
+            </a:r>
+            <a:r>
+              <a:rPr lang="en-US" altLang="zh-CN" sz="2000" dirty="0">
+                <a:latin typeface="+mj-ea"/>
+                <a:ea typeface="+mj-ea"/>
+              </a:rPr>
+              <a:t>index</a:t>
+            </a:r>
+            <a:r>
+              <a:rPr lang="zh-CN" altLang="en-US" sz="2000" dirty="0">
+                <a:latin typeface="+mj-ea"/>
+                <a:ea typeface="+mj-ea"/>
+              </a:rPr>
+              <a:t>参数，则默认</a:t>
+            </a:r>
+            <a:r>
+              <a:rPr lang="en-US" altLang="zh-CN" sz="2000" dirty="0">
+                <a:latin typeface="+mj-ea"/>
+                <a:ea typeface="+mj-ea"/>
+              </a:rPr>
+              <a:t>index</a:t>
+            </a:r>
+            <a:r>
+              <a:rPr lang="zh-CN" altLang="en-US" sz="2000" dirty="0">
+                <a:latin typeface="+mj-ea"/>
+                <a:ea typeface="+mj-ea"/>
+              </a:rPr>
+              <a:t>参数为各</a:t>
+            </a:r>
+            <a:r>
+              <a:rPr lang="en-US" altLang="zh-CN" sz="2000" dirty="0">
+                <a:latin typeface="+mj-ea"/>
+                <a:ea typeface="+mj-ea"/>
+              </a:rPr>
+              <a:t>Series</a:t>
+            </a:r>
+            <a:r>
+              <a:rPr lang="zh-CN" altLang="en-US" sz="2000" dirty="0">
+                <a:latin typeface="+mj-ea"/>
+                <a:ea typeface="+mj-ea"/>
+              </a:rPr>
+              <a:t>的</a:t>
+            </a:r>
+            <a:r>
+              <a:rPr lang="en-US" altLang="zh-CN" sz="2000" dirty="0">
+                <a:latin typeface="+mj-ea"/>
+                <a:ea typeface="+mj-ea"/>
+              </a:rPr>
+              <a:t>index</a:t>
+            </a:r>
+            <a:r>
+              <a:rPr lang="zh-CN" altLang="en-US" sz="2000" dirty="0">
+                <a:latin typeface="+mj-ea"/>
+                <a:ea typeface="+mj-ea"/>
+              </a:rPr>
+              <a:t>的并集。若未</a:t>
+            </a:r>
+            <a:r>
+              <a:rPr lang="zh-CN" altLang="en-US" sz="2000" dirty="0" smtClean="0">
+                <a:latin typeface="+mj-ea"/>
+                <a:ea typeface="+mj-ea"/>
+              </a:rPr>
+              <a:t>传递</a:t>
+            </a:r>
+            <a:r>
+              <a:rPr lang="en-US" altLang="zh-CN" sz="2000" dirty="0" smtClean="0">
+                <a:latin typeface="+mj-ea"/>
+                <a:ea typeface="+mj-ea"/>
+              </a:rPr>
+              <a:t>columns</a:t>
+            </a:r>
+            <a:r>
+              <a:rPr lang="zh-CN" altLang="en-US" sz="2000" dirty="0">
+                <a:latin typeface="+mj-ea"/>
+                <a:ea typeface="+mj-ea"/>
+              </a:rPr>
+              <a:t>参数，则默认列为</a:t>
+            </a:r>
+            <a:r>
+              <a:rPr lang="en-US" altLang="zh-CN" sz="2000" dirty="0" err="1">
+                <a:latin typeface="+mj-ea"/>
+                <a:ea typeface="+mj-ea"/>
+              </a:rPr>
+              <a:t>dict</a:t>
+            </a:r>
+            <a:r>
+              <a:rPr lang="zh-CN" altLang="en-US" sz="2000" dirty="0">
+                <a:latin typeface="+mj-ea"/>
+                <a:ea typeface="+mj-ea"/>
+              </a:rPr>
+              <a:t>的键的有序</a:t>
+            </a:r>
+            <a:r>
+              <a:rPr lang="zh-CN" altLang="en-US" sz="2000" dirty="0" smtClean="0">
+                <a:latin typeface="+mj-ea"/>
+                <a:ea typeface="+mj-ea"/>
+              </a:rPr>
+              <a:t>列表</a:t>
+            </a:r>
+            <a:endParaRPr lang="zh-CN" altLang="en-US" sz="2000" dirty="0">
+              <a:latin typeface="+mj-ea"/>
+              <a:ea typeface="+mj-ea"/>
+            </a:endParaRPr>
+          </a:p>
+        </p:txBody>
+      </p:sp>
+      <p:pic>
+        <p:nvPicPr>
+          <p:cNvPr id="10" name="图片 9"/>
+          <p:cNvPicPr>
+            <a:picLocks noChangeAspect="1"/>
+          </p:cNvPicPr>
+          <p:nvPr/>
+        </p:nvPicPr>
+        <p:blipFill rotWithShape="1">
+          <a:blip r:embed="rId2">
+            <a:extLst>
+              <a:ext uri="{28A0092B-C50C-407E-A947-70E740481C1C}">
+                <a14:useLocalDpi xmlns:a14="http://schemas.microsoft.com/office/drawing/2010/main" val="0"/>
+              </a:ext>
+            </a:extLst>
+          </a:blip>
+          <a:srcRect r="6367"/>
+          <a:stretch/>
+        </p:blipFill>
+        <p:spPr>
+          <a:xfrm>
+            <a:off x="677334" y="2346604"/>
+            <a:ext cx="7520735" cy="3673158"/>
+          </a:xfrm>
+          <a:prstGeom prst="rect">
+            <a:avLst/>
+          </a:prstGeom>
+        </p:spPr>
+      </p:pic>
     </p:spTree>
     <p:extLst>
       <p:ext uri="{BB962C8B-B14F-4D97-AF65-F5344CB8AC3E}">
-        <p14:creationId xmlns:p14="http://schemas.microsoft.com/office/powerpoint/2010/main" val="1727141443"/>
+        <p14:creationId xmlns:p14="http://schemas.microsoft.com/office/powerpoint/2010/main" val="3994786013"/>
       </p:ext>
     </p:extLst>
   </p:cSld>

--- a/doc/pandas.pptx
+++ b/doc/pandas.pptx
@@ -10222,11 +10222,7 @@
             </a:r>
             <a:r>
               <a:rPr lang="zh-CN" altLang="en-US" dirty="0" smtClean="0"/>
-              <a:t>对象的函数，如</a:t>
-            </a:r>
-            <a:r>
-              <a:rPr lang="zh-CN" altLang="en-US" dirty="0" smtClean="0"/>
-              <a:t>：</a:t>
+              <a:t>对象的函数，如：</a:t>
             </a:r>
             <a:endParaRPr lang="en-US" altLang="zh-CN" dirty="0" smtClean="0"/>
           </a:p>
@@ -11293,15 +11289,12 @@
           <a:lstStyle/>
           <a:p>
             <a:r>
-              <a:rPr lang="zh-CN" altLang="en-US"/>
-              <a:t>数据分组</a:t>
-            </a:r>
-            <a:r>
-              <a:rPr lang="en-US" altLang="zh-CN">
-                <a:latin typeface="+mj-ea"/>
-              </a:rPr>
-              <a:t>(groupby)</a:t>
-            </a:r>
+              <a:rPr lang="zh-CN" altLang="en-US" smtClean="0"/>
+              <a:t>排序</a:t>
+            </a:r>
+            <a:endParaRPr lang="en-US" altLang="zh-CN">
+              <a:latin typeface="+mj-ea"/>
+            </a:endParaRPr>
           </a:p>
         </p:txBody>
       </p:sp>
@@ -15565,11 +15558,7 @@
             </a:r>
             <a:r>
               <a:rPr lang="en-US" altLang="zh-CN" dirty="0"/>
-              <a:t>. </a:t>
-            </a:r>
-            <a:r>
-              <a:rPr lang="en-US" altLang="zh-CN" dirty="0"/>
-              <a:t>Series</a:t>
+              <a:t>. Series</a:t>
             </a:r>
             <a:r>
               <a:rPr lang="zh-CN" altLang="en-US" dirty="0" smtClean="0"/>
